--- a/RxSwiftBasics/day4/RxSwiftBasics4.pptx
+++ b/RxSwiftBasics/day4/RxSwiftBasics4.pptx
@@ -5,17 +5,18 @@
     <p:sldMasterId id="2147483657" r:id="rId1"/>
   </p:sldMasterIdLst>
   <p:notesMasterIdLst>
-    <p:notesMasterId r:id="rId10"/>
+    <p:notesMasterId r:id="rId11"/>
   </p:notesMasterIdLst>
   <p:sldIdLst>
     <p:sldId id="256" r:id="rId2"/>
-    <p:sldId id="257" r:id="rId3"/>
-    <p:sldId id="258" r:id="rId4"/>
-    <p:sldId id="261" r:id="rId5"/>
-    <p:sldId id="262" r:id="rId6"/>
-    <p:sldId id="263" r:id="rId7"/>
-    <p:sldId id="264" r:id="rId8"/>
-    <p:sldId id="265" r:id="rId9"/>
+    <p:sldId id="266" r:id="rId3"/>
+    <p:sldId id="257" r:id="rId4"/>
+    <p:sldId id="258" r:id="rId5"/>
+    <p:sldId id="261" r:id="rId6"/>
+    <p:sldId id="262" r:id="rId7"/>
+    <p:sldId id="263" r:id="rId8"/>
+    <p:sldId id="264" r:id="rId9"/>
+    <p:sldId id="265" r:id="rId10"/>
   </p:sldIdLst>
   <p:sldSz cx="9144000" cy="5143500" type="screen16x9"/>
   <p:notesSz cx="6858000" cy="9144000"/>
@@ -1212,6 +1213,107 @@
 </file>
 
 <file path=ppt/notesSlides/notesSlide8.xml><?xml version="1.0" encoding="utf-8"?>
+<p:notes xmlns:a="http://schemas.openxmlformats.org/drawingml/2006/main" xmlns:r="http://schemas.openxmlformats.org/officeDocument/2006/relationships" xmlns:p="http://schemas.openxmlformats.org/presentationml/2006/main" showMasterSp="0" showMasterPhAnim="0">
+  <p:cSld>
+    <p:spTree>
+      <p:nvGrpSpPr>
+        <p:cNvPr id="1" name="Shape 185"/>
+        <p:cNvGrpSpPr/>
+        <p:nvPr/>
+      </p:nvGrpSpPr>
+      <p:grpSpPr>
+        <a:xfrm>
+          <a:off x="0" y="0"/>
+          <a:ext cx="0" cy="0"/>
+          <a:chOff x="0" y="0"/>
+          <a:chExt cx="0" cy="0"/>
+        </a:xfrm>
+      </p:grpSpPr>
+      <p:sp>
+        <p:nvSpPr>
+          <p:cNvPr id="186" name="Shape 186"/>
+          <p:cNvSpPr>
+            <a:spLocks noGrp="1" noRot="1" noChangeAspect="1"/>
+          </p:cNvSpPr>
+          <p:nvPr>
+            <p:ph type="sldImg" idx="2"/>
+          </p:nvPr>
+        </p:nvSpPr>
+        <p:spPr>
+          <a:xfrm>
+            <a:off x="381000" y="685800"/>
+            <a:ext cx="6096000" cy="3429000"/>
+          </a:xfrm>
+          <a:custGeom>
+            <a:avLst/>
+            <a:gdLst/>
+            <a:ahLst/>
+            <a:cxnLst/>
+            <a:rect l="0" t="0" r="0" b="0"/>
+            <a:pathLst>
+              <a:path w="120000" h="120000" extrusionOk="0">
+                <a:moveTo>
+                  <a:pt x="0" y="0"/>
+                </a:moveTo>
+                <a:lnTo>
+                  <a:pt x="120000" y="0"/>
+                </a:lnTo>
+                <a:lnTo>
+                  <a:pt x="120000" y="120000"/>
+                </a:lnTo>
+                <a:lnTo>
+                  <a:pt x="0" y="120000"/>
+                </a:lnTo>
+                <a:close/>
+              </a:path>
+            </a:pathLst>
+          </a:custGeom>
+        </p:spPr>
+      </p:sp>
+      <p:sp>
+        <p:nvSpPr>
+          <p:cNvPr id="187" name="Shape 187"/>
+          <p:cNvSpPr txBox="1">
+            <a:spLocks noGrp="1"/>
+          </p:cNvSpPr>
+          <p:nvPr>
+            <p:ph type="body" idx="1"/>
+          </p:nvPr>
+        </p:nvSpPr>
+        <p:spPr>
+          <a:xfrm>
+            <a:off x="685800" y="4343400"/>
+            <a:ext cx="5486400" cy="4114800"/>
+          </a:xfrm>
+          <a:prstGeom prst="rect">
+            <a:avLst/>
+          </a:prstGeom>
+        </p:spPr>
+        <p:txBody>
+          <a:bodyPr wrap="square" lIns="91425" tIns="91425" rIns="91425" bIns="91425" anchor="t" anchorCtr="0">
+            <a:noAutofit/>
+          </a:bodyPr>
+          <a:lstStyle/>
+          <a:p>
+            <a:pPr lvl="0">
+              <a:spcBef>
+                <a:spcPts val="0"/>
+              </a:spcBef>
+              <a:buNone/>
+            </a:pPr>
+            <a:endParaRPr/>
+          </a:p>
+        </p:txBody>
+      </p:sp>
+    </p:spTree>
+  </p:cSld>
+  <p:clrMapOvr>
+    <a:masterClrMapping/>
+  </p:clrMapOvr>
+</p:notes>
+</file>
+
+<file path=ppt/notesSlides/notesSlide9.xml><?xml version="1.0" encoding="utf-8"?>
 <p:notes xmlns:a="http://schemas.openxmlformats.org/drawingml/2006/main" xmlns:r="http://schemas.openxmlformats.org/officeDocument/2006/relationships" xmlns:p="http://schemas.openxmlformats.org/presentationml/2006/main" showMasterSp="0" showMasterPhAnim="0">
   <p:cSld>
     <p:spTree>
@@ -4035,6 +4137,357 @@
             </a:pPr>
             <a:r>
               <a:rPr lang="en-US" dirty="0" err="1" smtClean="0"/>
+              <a:t>RxSwift</a:t>
+            </a:r>
+            <a:r>
+              <a:rPr lang="en-US" dirty="0" smtClean="0"/>
+              <a:t> Basics</a:t>
+            </a:r>
+            <a:endParaRPr lang="en" dirty="0"/>
+          </a:p>
+        </p:txBody>
+      </p:sp>
+      <p:sp>
+        <p:nvSpPr>
+          <p:cNvPr id="192" name="Shape 192"/>
+          <p:cNvSpPr txBox="1">
+            <a:spLocks noGrp="1"/>
+          </p:cNvSpPr>
+          <p:nvPr>
+            <p:ph type="sldNum" idx="12"/>
+          </p:nvPr>
+        </p:nvSpPr>
+        <p:spPr>
+          <a:xfrm>
+            <a:off x="7618000" y="4636500"/>
+            <a:ext cx="1487400" cy="315600"/>
+          </a:xfrm>
+          <a:prstGeom prst="rect">
+            <a:avLst/>
+          </a:prstGeom>
+        </p:spPr>
+        <p:txBody>
+          <a:bodyPr wrap="square" lIns="91425" tIns="91425" rIns="91425" bIns="91425" anchor="ctr" anchorCtr="0">
+            <a:noAutofit/>
+          </a:bodyPr>
+          <a:lstStyle/>
+          <a:p>
+            <a:pPr lvl="0">
+              <a:spcBef>
+                <a:spcPts val="0"/>
+              </a:spcBef>
+              <a:buNone/>
+            </a:pPr>
+            <a:fld id="{00000000-1234-1234-1234-123412341234}" type="slidenum">
+              <a:rPr lang="en"/>
+              <a:t>2</a:t>
+            </a:fld>
+            <a:endParaRPr lang="en"/>
+          </a:p>
+        </p:txBody>
+      </p:sp>
+      <p:pic>
+        <p:nvPicPr>
+          <p:cNvPr id="2" name="Picture 1" descr="Rx_Logo_M.png"/>
+          <p:cNvPicPr>
+            <a:picLocks noChangeAspect="1"/>
+          </p:cNvPicPr>
+          <p:nvPr/>
+        </p:nvPicPr>
+        <p:blipFill>
+          <a:blip r:embed="rId3">
+            <a:extLst>
+              <a:ext uri="{28A0092B-C50C-407E-A947-70E740481C1C}">
+                <a14:useLocalDpi xmlns:a14="http://schemas.microsoft.com/office/drawing/2010/main" val="0"/>
+              </a:ext>
+            </a:extLst>
+          </a:blip>
+          <a:stretch>
+            <a:fillRect/>
+          </a:stretch>
+        </p:blipFill>
+        <p:spPr>
+          <a:xfrm>
+            <a:off x="151129" y="442005"/>
+            <a:ext cx="663146" cy="663146"/>
+          </a:xfrm>
+          <a:prstGeom prst="rect">
+            <a:avLst/>
+          </a:prstGeom>
+        </p:spPr>
+      </p:pic>
+      <p:sp>
+        <p:nvSpPr>
+          <p:cNvPr id="9" name="Shape 237"/>
+          <p:cNvSpPr txBox="1">
+            <a:spLocks noGrp="1"/>
+          </p:cNvSpPr>
+          <p:nvPr>
+            <p:ph type="body" idx="1"/>
+          </p:nvPr>
+        </p:nvSpPr>
+        <p:spPr>
+          <a:xfrm>
+            <a:off x="554601" y="1650424"/>
+            <a:ext cx="8471579" cy="2862119"/>
+          </a:xfrm>
+          <a:prstGeom prst="rect">
+            <a:avLst/>
+          </a:prstGeom>
+        </p:spPr>
+        <p:txBody>
+          <a:bodyPr wrap="square" lIns="91425" tIns="91425" rIns="91425" bIns="91425" anchor="ctr" anchorCtr="0">
+            <a:noAutofit/>
+          </a:bodyPr>
+          <a:lstStyle/>
+          <a:p>
+            <a:r>
+              <a:rPr lang="en-US" dirty="0" smtClean="0"/>
+              <a:t>Day 1 </a:t>
+            </a:r>
+            <a:r>
+              <a:rPr lang="mr-IN" dirty="0" smtClean="0"/>
+              <a:t>–</a:t>
+            </a:r>
+            <a:r>
+              <a:rPr lang="en-US" dirty="0" smtClean="0"/>
+              <a:t> Observable, Operator (Filter, Transform, Combine</a:t>
+            </a:r>
+            <a:r>
+              <a:rPr lang="en-US" dirty="0" smtClean="0"/>
+              <a:t>)</a:t>
+            </a:r>
+            <a:endParaRPr lang="en-US" b="1" dirty="0" smtClean="0"/>
+          </a:p>
+          <a:p>
+            <a:r>
+              <a:rPr lang="en-US" dirty="0"/>
+              <a:t>Day </a:t>
+            </a:r>
+            <a:r>
+              <a:rPr lang="en-US" dirty="0" smtClean="0"/>
+              <a:t>2 </a:t>
+            </a:r>
+            <a:r>
+              <a:rPr lang="mr-IN" dirty="0"/>
+              <a:t>–</a:t>
+            </a:r>
+            <a:r>
+              <a:rPr lang="en-US" dirty="0"/>
+              <a:t> </a:t>
+            </a:r>
+            <a:r>
+              <a:rPr lang="en-US" dirty="0" smtClean="0"/>
+              <a:t>Subject (</a:t>
+            </a:r>
+            <a:r>
+              <a:rPr lang="en-US" dirty="0" err="1" smtClean="0"/>
+              <a:t>flatMap</a:t>
+            </a:r>
+            <a:r>
+              <a:rPr lang="en-US" dirty="0" smtClean="0"/>
+              <a:t>, </a:t>
+            </a:r>
+            <a:r>
+              <a:rPr lang="en-US" dirty="0" err="1" smtClean="0"/>
+              <a:t>flatMapFirst</a:t>
+            </a:r>
+            <a:r>
+              <a:rPr lang="en-US" dirty="0" smtClean="0"/>
+              <a:t>, </a:t>
+            </a:r>
+            <a:r>
+              <a:rPr lang="en-US" dirty="0" err="1" smtClean="0"/>
+              <a:t>flatMapLatest</a:t>
+            </a:r>
+            <a:r>
+              <a:rPr lang="en-US" dirty="0" smtClean="0"/>
+              <a:t>)</a:t>
+            </a:r>
+            <a:endParaRPr lang="en-US" b="1" dirty="0"/>
+          </a:p>
+          <a:p>
+            <a:r>
+              <a:rPr lang="en-US" dirty="0"/>
+              <a:t>Day </a:t>
+            </a:r>
+            <a:r>
+              <a:rPr lang="en-US" dirty="0" smtClean="0"/>
+              <a:t>3 </a:t>
+            </a:r>
+            <a:r>
+              <a:rPr lang="mr-IN" dirty="0"/>
+              <a:t>–</a:t>
+            </a:r>
+            <a:r>
+              <a:rPr lang="en-US" dirty="0"/>
+              <a:t> </a:t>
+            </a:r>
+            <a:r>
+              <a:rPr lang="en-US" dirty="0" smtClean="0"/>
+              <a:t>Two VCs communications with Subject, </a:t>
+            </a:r>
+            <a:r>
+              <a:rPr lang="en-US" dirty="0" err="1" smtClean="0"/>
+              <a:t>RxCocoa</a:t>
+            </a:r>
+            <a:r>
+              <a:rPr lang="en-US" dirty="0" smtClean="0"/>
+              <a:t> (Button</a:t>
+            </a:r>
+            <a:r>
+              <a:rPr lang="en-US" dirty="0" smtClean="0"/>
+              <a:t>)</a:t>
+            </a:r>
+            <a:endParaRPr lang="en-US" b="1" dirty="0"/>
+          </a:p>
+          <a:p>
+            <a:r>
+              <a:rPr lang="en-US" b="1" dirty="0"/>
+              <a:t>Day </a:t>
+            </a:r>
+            <a:r>
+              <a:rPr lang="en-US" b="1" dirty="0" smtClean="0"/>
+              <a:t>4 </a:t>
+            </a:r>
+            <a:r>
+              <a:rPr lang="mr-IN" b="1" dirty="0"/>
+              <a:t>–</a:t>
+            </a:r>
+            <a:r>
+              <a:rPr lang="en-US" b="1" dirty="0"/>
+              <a:t> </a:t>
+            </a:r>
+            <a:r>
+              <a:rPr lang="en-US" b="1" dirty="0" smtClean="0"/>
+              <a:t>Sequential, Merged Observable </a:t>
+            </a:r>
+            <a:r>
+              <a:rPr lang="en-US" b="1" dirty="0" smtClean="0"/>
+              <a:t>Calls</a:t>
+            </a:r>
+          </a:p>
+          <a:p>
+            <a:endParaRPr lang="en-US" b="1" dirty="0"/>
+          </a:p>
+          <a:p>
+            <a:r>
+              <a:rPr lang="en-US" dirty="0"/>
+              <a:t>Day </a:t>
+            </a:r>
+            <a:r>
+              <a:rPr lang="en-US" dirty="0" smtClean="0"/>
+              <a:t>5 </a:t>
+            </a:r>
+            <a:r>
+              <a:rPr lang="mr-IN" dirty="0"/>
+              <a:t>–</a:t>
+            </a:r>
+            <a:r>
+              <a:rPr lang="en-US" dirty="0"/>
+              <a:t> </a:t>
+            </a:r>
+            <a:r>
+              <a:rPr lang="en-US" dirty="0" err="1" smtClean="0"/>
+              <a:t>RxCocoa</a:t>
+            </a:r>
+            <a:r>
+              <a:rPr lang="en-US" dirty="0" smtClean="0"/>
+              <a:t>, UI Binding (Button, </a:t>
+            </a:r>
+            <a:r>
+              <a:rPr lang="en-US" dirty="0" err="1" smtClean="0"/>
+              <a:t>TextField</a:t>
+            </a:r>
+            <a:r>
+              <a:rPr lang="en-US" dirty="0" smtClean="0"/>
+              <a:t>, Label, </a:t>
+            </a:r>
+            <a:r>
+              <a:rPr lang="en-US" dirty="0" err="1" smtClean="0"/>
+              <a:t>TableView</a:t>
+            </a:r>
+            <a:r>
+              <a:rPr lang="en-US" dirty="0" smtClean="0"/>
+              <a:t>)</a:t>
+            </a:r>
+            <a:endParaRPr lang="en-US" dirty="0"/>
+          </a:p>
+          <a:p>
+            <a:endParaRPr lang="en-US" dirty="0" smtClean="0"/>
+          </a:p>
+        </p:txBody>
+      </p:sp>
+    </p:spTree>
+    <p:extLst>
+      <p:ext uri="{BB962C8B-B14F-4D97-AF65-F5344CB8AC3E}">
+        <p14:creationId xmlns:p14="http://schemas.microsoft.com/office/powerpoint/2010/main" val="19347929"/>
+      </p:ext>
+    </p:extLst>
+  </p:cSld>
+  <p:clrMapOvr>
+    <a:masterClrMapping/>
+  </p:clrMapOvr>
+  <p:timing>
+    <p:tnLst>
+      <p:par>
+        <p:cTn xmlns:p14="http://schemas.microsoft.com/office/powerpoint/2010/main" id="1" dur="indefinite" restart="never" nodeType="tmRoot"/>
+      </p:par>
+    </p:tnLst>
+  </p:timing>
+</p:sld>
+</file>
+
+<file path=ppt/slides/slide3.xml><?xml version="1.0" encoding="utf-8"?>
+<p:sld xmlns:a="http://schemas.openxmlformats.org/drawingml/2006/main" xmlns:r="http://schemas.openxmlformats.org/officeDocument/2006/relationships" xmlns:p="http://schemas.openxmlformats.org/presentationml/2006/main">
+  <p:cSld>
+    <p:spTree>
+      <p:nvGrpSpPr>
+        <p:cNvPr id="1" name="Shape 188"/>
+        <p:cNvGrpSpPr/>
+        <p:nvPr/>
+      </p:nvGrpSpPr>
+      <p:grpSpPr>
+        <a:xfrm>
+          <a:off x="0" y="0"/>
+          <a:ext cx="0" cy="0"/>
+          <a:chOff x="0" y="0"/>
+          <a:chExt cx="0" cy="0"/>
+        </a:xfrm>
+      </p:grpSpPr>
+      <p:sp>
+        <p:nvSpPr>
+          <p:cNvPr id="189" name="Shape 189"/>
+          <p:cNvSpPr txBox="1">
+            <a:spLocks noGrp="1"/>
+          </p:cNvSpPr>
+          <p:nvPr>
+            <p:ph type="title"/>
+          </p:nvPr>
+        </p:nvSpPr>
+        <p:spPr>
+          <a:xfrm>
+            <a:off x="814275" y="392575"/>
+            <a:ext cx="5258400" cy="766200"/>
+          </a:xfrm>
+          <a:prstGeom prst="rect">
+            <a:avLst/>
+          </a:prstGeom>
+        </p:spPr>
+        <p:txBody>
+          <a:bodyPr wrap="square" lIns="91425" tIns="91425" rIns="91425" bIns="91425" anchor="ctr" anchorCtr="0">
+            <a:noAutofit/>
+          </a:bodyPr>
+          <a:lstStyle/>
+          <a:p>
+            <a:pPr lvl="0" rtl="0">
+              <a:spcBef>
+                <a:spcPts val="0"/>
+              </a:spcBef>
+              <a:buNone/>
+            </a:pPr>
+            <a:r>
+              <a:rPr lang="en-US" dirty="0" err="1" smtClean="0"/>
               <a:t>Enum</a:t>
             </a:r>
             <a:r>
@@ -4078,7 +4531,7 @@
             </a:pPr>
             <a:fld id="{00000000-1234-1234-1234-123412341234}" type="slidenum">
               <a:rPr lang="en"/>
-              <a:t>2</a:t>
+              <a:t>3</a:t>
             </a:fld>
             <a:endParaRPr lang="en"/>
           </a:p>
@@ -4164,7 +4617,7 @@
 </p:sld>
 </file>
 
-<file path=ppt/slides/slide3.xml><?xml version="1.0" encoding="utf-8"?>
+<file path=ppt/slides/slide4.xml><?xml version="1.0" encoding="utf-8"?>
 <p:sld xmlns:a="http://schemas.openxmlformats.org/drawingml/2006/main" xmlns:r="http://schemas.openxmlformats.org/officeDocument/2006/relationships" xmlns:p="http://schemas.openxmlformats.org/presentationml/2006/main">
   <p:cSld>
     <p:spTree>
@@ -4247,7 +4700,7 @@
             </a:pPr>
             <a:fld id="{00000000-1234-1234-1234-123412341234}" type="slidenum">
               <a:rPr lang="en"/>
-              <a:t>3</a:t>
+              <a:t>4</a:t>
             </a:fld>
             <a:endParaRPr lang="en"/>
           </a:p>
@@ -4363,7 +4816,7 @@
 </p:sld>
 </file>
 
-<file path=ppt/slides/slide4.xml><?xml version="1.0" encoding="utf-8"?>
+<file path=ppt/slides/slide5.xml><?xml version="1.0" encoding="utf-8"?>
 <p:sld xmlns:a="http://schemas.openxmlformats.org/drawingml/2006/main" xmlns:r="http://schemas.openxmlformats.org/officeDocument/2006/relationships" xmlns:p="http://schemas.openxmlformats.org/presentationml/2006/main">
   <p:cSld>
     <p:spTree>
@@ -4446,7 +4899,7 @@
             </a:pPr>
             <a:fld id="{00000000-1234-1234-1234-123412341234}" type="slidenum">
               <a:rPr lang="en"/>
-              <a:t>4</a:t>
+              <a:t>5</a:t>
             </a:fld>
             <a:endParaRPr lang="en"/>
           </a:p>
@@ -4546,1578 +4999,6 @@
     <p:extLst>
       <p:ext uri="{BB962C8B-B14F-4D97-AF65-F5344CB8AC3E}">
         <p14:creationId xmlns:p14="http://schemas.microsoft.com/office/powerpoint/2010/main" val="3022908544"/>
-      </p:ext>
-    </p:extLst>
-  </p:cSld>
-  <p:clrMapOvr>
-    <a:masterClrMapping/>
-  </p:clrMapOvr>
-  <p:timing>
-    <p:tnLst>
-      <p:par>
-        <p:cTn xmlns:p14="http://schemas.microsoft.com/office/powerpoint/2010/main" id="1" dur="indefinite" restart="never" nodeType="tmRoot"/>
-      </p:par>
-    </p:tnLst>
-  </p:timing>
-</p:sld>
-</file>
-
-<file path=ppt/slides/slide5.xml><?xml version="1.0" encoding="utf-8"?>
-<p:sld xmlns:a="http://schemas.openxmlformats.org/drawingml/2006/main" xmlns:r="http://schemas.openxmlformats.org/officeDocument/2006/relationships" xmlns:p="http://schemas.openxmlformats.org/presentationml/2006/main">
-  <p:cSld>
-    <p:spTree>
-      <p:nvGrpSpPr>
-        <p:cNvPr id="1" name="Shape 188"/>
-        <p:cNvGrpSpPr/>
-        <p:nvPr/>
-      </p:nvGrpSpPr>
-      <p:grpSpPr>
-        <a:xfrm>
-          <a:off x="0" y="0"/>
-          <a:ext cx="0" cy="0"/>
-          <a:chOff x="0" y="0"/>
-          <a:chExt cx="0" cy="0"/>
-        </a:xfrm>
-      </p:grpSpPr>
-      <p:sp>
-        <p:nvSpPr>
-          <p:cNvPr id="189" name="Shape 189"/>
-          <p:cNvSpPr txBox="1">
-            <a:spLocks noGrp="1"/>
-          </p:cNvSpPr>
-          <p:nvPr>
-            <p:ph type="title"/>
-          </p:nvPr>
-        </p:nvSpPr>
-        <p:spPr>
-          <a:xfrm>
-            <a:off x="814275" y="392575"/>
-            <a:ext cx="5258400" cy="766200"/>
-          </a:xfrm>
-          <a:prstGeom prst="rect">
-            <a:avLst/>
-          </a:prstGeom>
-        </p:spPr>
-        <p:txBody>
-          <a:bodyPr wrap="square" lIns="91425" tIns="91425" rIns="91425" bIns="91425" anchor="ctr" anchorCtr="0">
-            <a:noAutofit/>
-          </a:bodyPr>
-          <a:lstStyle/>
-          <a:p>
-            <a:pPr lvl="0" rtl="0">
-              <a:spcBef>
-                <a:spcPts val="0"/>
-              </a:spcBef>
-              <a:buNone/>
-            </a:pPr>
-            <a:r>
-              <a:rPr lang="en-US" dirty="0" smtClean="0"/>
-              <a:t>Traditional</a:t>
-            </a:r>
-            <a:endParaRPr lang="en" dirty="0"/>
-          </a:p>
-        </p:txBody>
-      </p:sp>
-      <p:sp>
-        <p:nvSpPr>
-          <p:cNvPr id="192" name="Shape 192"/>
-          <p:cNvSpPr txBox="1">
-            <a:spLocks noGrp="1"/>
-          </p:cNvSpPr>
-          <p:nvPr>
-            <p:ph type="sldNum" idx="12"/>
-          </p:nvPr>
-        </p:nvSpPr>
-        <p:spPr>
-          <a:xfrm>
-            <a:off x="7618000" y="4636500"/>
-            <a:ext cx="1487400" cy="315600"/>
-          </a:xfrm>
-          <a:prstGeom prst="rect">
-            <a:avLst/>
-          </a:prstGeom>
-        </p:spPr>
-        <p:txBody>
-          <a:bodyPr wrap="square" lIns="91425" tIns="91425" rIns="91425" bIns="91425" anchor="ctr" anchorCtr="0">
-            <a:noAutofit/>
-          </a:bodyPr>
-          <a:lstStyle/>
-          <a:p>
-            <a:pPr lvl="0">
-              <a:spcBef>
-                <a:spcPts val="0"/>
-              </a:spcBef>
-              <a:buNone/>
-            </a:pPr>
-            <a:fld id="{00000000-1234-1234-1234-123412341234}" type="slidenum">
-              <a:rPr lang="en"/>
-              <a:t>5</a:t>
-            </a:fld>
-            <a:endParaRPr lang="en"/>
-          </a:p>
-        </p:txBody>
-      </p:sp>
-      <p:grpSp>
-        <p:nvGrpSpPr>
-          <p:cNvPr id="194" name="Shape 194"/>
-          <p:cNvGrpSpPr/>
-          <p:nvPr/>
-        </p:nvGrpSpPr>
-        <p:grpSpPr>
-          <a:xfrm>
-            <a:off x="293683" y="574116"/>
-            <a:ext cx="309041" cy="403123"/>
-            <a:chOff x="590250" y="244200"/>
-            <a:chExt cx="407975" cy="532175"/>
-          </a:xfrm>
-        </p:grpSpPr>
-        <p:sp>
-          <p:nvSpPr>
-            <p:cNvPr id="195" name="Shape 195"/>
-            <p:cNvSpPr/>
-            <p:nvPr/>
-          </p:nvSpPr>
-          <p:spPr>
-            <a:xfrm>
-              <a:off x="623125" y="313625"/>
-              <a:ext cx="375100" cy="462750"/>
-            </a:xfrm>
-            <a:custGeom>
-              <a:avLst/>
-              <a:gdLst/>
-              <a:ahLst/>
-              <a:cxnLst/>
-              <a:rect l="0" t="0" r="0" b="0"/>
-              <a:pathLst>
-                <a:path w="15004" h="18510" fill="none" extrusionOk="0">
-                  <a:moveTo>
-                    <a:pt x="1" y="17536"/>
-                  </a:moveTo>
-                  <a:lnTo>
-                    <a:pt x="1" y="17536"/>
-                  </a:lnTo>
-                  <a:lnTo>
-                    <a:pt x="1" y="17536"/>
-                  </a:lnTo>
-                  <a:lnTo>
-                    <a:pt x="25" y="17682"/>
-                  </a:lnTo>
-                  <a:lnTo>
-                    <a:pt x="49" y="17852"/>
-                  </a:lnTo>
-                  <a:lnTo>
-                    <a:pt x="123" y="18023"/>
-                  </a:lnTo>
-                  <a:lnTo>
-                    <a:pt x="220" y="18193"/>
-                  </a:lnTo>
-                  <a:lnTo>
-                    <a:pt x="293" y="18291"/>
-                  </a:lnTo>
-                  <a:lnTo>
-                    <a:pt x="390" y="18364"/>
-                  </a:lnTo>
-                  <a:lnTo>
-                    <a:pt x="488" y="18412"/>
-                  </a:lnTo>
-                  <a:lnTo>
-                    <a:pt x="610" y="18461"/>
-                  </a:lnTo>
-                  <a:lnTo>
-                    <a:pt x="756" y="18510"/>
-                  </a:lnTo>
-                  <a:lnTo>
-                    <a:pt x="926" y="18510"/>
-                  </a:lnTo>
-                  <a:lnTo>
-                    <a:pt x="14468" y="18510"/>
-                  </a:lnTo>
-                  <a:lnTo>
-                    <a:pt x="14468" y="18510"/>
-                  </a:lnTo>
-                  <a:lnTo>
-                    <a:pt x="14541" y="18510"/>
-                  </a:lnTo>
-                  <a:lnTo>
-                    <a:pt x="14614" y="18485"/>
-                  </a:lnTo>
-                  <a:lnTo>
-                    <a:pt x="14736" y="18412"/>
-                  </a:lnTo>
-                  <a:lnTo>
-                    <a:pt x="14833" y="18291"/>
-                  </a:lnTo>
-                  <a:lnTo>
-                    <a:pt x="14906" y="18144"/>
-                  </a:lnTo>
-                  <a:lnTo>
-                    <a:pt x="14955" y="17974"/>
-                  </a:lnTo>
-                  <a:lnTo>
-                    <a:pt x="14979" y="17779"/>
-                  </a:lnTo>
-                  <a:lnTo>
-                    <a:pt x="15003" y="17438"/>
-                  </a:lnTo>
-                  <a:lnTo>
-                    <a:pt x="15003" y="487"/>
-                  </a:lnTo>
-                  <a:lnTo>
-                    <a:pt x="15003" y="487"/>
-                  </a:lnTo>
-                  <a:lnTo>
-                    <a:pt x="15003" y="341"/>
-                  </a:lnTo>
-                  <a:lnTo>
-                    <a:pt x="14979" y="219"/>
-                  </a:lnTo>
-                  <a:lnTo>
-                    <a:pt x="14955" y="146"/>
-                  </a:lnTo>
-                  <a:lnTo>
-                    <a:pt x="14906" y="73"/>
-                  </a:lnTo>
-                  <a:lnTo>
-                    <a:pt x="14833" y="49"/>
-                  </a:lnTo>
-                  <a:lnTo>
-                    <a:pt x="14736" y="24"/>
-                  </a:lnTo>
-                  <a:lnTo>
-                    <a:pt x="14468" y="0"/>
-                  </a:lnTo>
-                </a:path>
-              </a:pathLst>
-            </a:custGeom>
-            <a:noFill/>
-            <a:ln w="12175" cap="rnd" cmpd="sng">
-              <a:solidFill>
-                <a:srgbClr val="FF9800"/>
-              </a:solidFill>
-              <a:prstDash val="solid"/>
-              <a:round/>
-              <a:headEnd type="none" w="med" len="med"/>
-              <a:tailEnd type="none" w="med" len="med"/>
-            </a:ln>
-          </p:spPr>
-          <p:txBody>
-            <a:bodyPr wrap="square" lIns="91425" tIns="91425" rIns="91425" bIns="91425" anchor="ctr" anchorCtr="0">
-              <a:noAutofit/>
-            </a:bodyPr>
-            <a:lstStyle/>
-            <a:p>
-              <a:pPr lvl="0">
-                <a:spcBef>
-                  <a:spcPts val="0"/>
-                </a:spcBef>
-                <a:buNone/>
-              </a:pPr>
-              <a:endParaRPr/>
-            </a:p>
-          </p:txBody>
-        </p:sp>
-        <p:sp>
-          <p:nvSpPr>
-            <p:cNvPr id="196" name="Shape 196"/>
-            <p:cNvSpPr/>
-            <p:nvPr/>
-          </p:nvSpPr>
-          <p:spPr>
-            <a:xfrm>
-              <a:off x="590250" y="269775"/>
-              <a:ext cx="377525" cy="462775"/>
-            </a:xfrm>
-            <a:custGeom>
-              <a:avLst/>
-              <a:gdLst/>
-              <a:ahLst/>
-              <a:cxnLst/>
-              <a:rect l="0" t="0" r="0" b="0"/>
-              <a:pathLst>
-                <a:path w="15101" h="18511" fill="none" extrusionOk="0">
-                  <a:moveTo>
-                    <a:pt x="14321" y="0"/>
-                  </a:moveTo>
-                  <a:lnTo>
-                    <a:pt x="780" y="0"/>
-                  </a:lnTo>
-                  <a:lnTo>
-                    <a:pt x="780" y="0"/>
-                  </a:lnTo>
-                  <a:lnTo>
-                    <a:pt x="634" y="25"/>
-                  </a:lnTo>
-                  <a:lnTo>
-                    <a:pt x="488" y="74"/>
-                  </a:lnTo>
-                  <a:lnTo>
-                    <a:pt x="342" y="122"/>
-                  </a:lnTo>
-                  <a:lnTo>
-                    <a:pt x="220" y="220"/>
-                  </a:lnTo>
-                  <a:lnTo>
-                    <a:pt x="122" y="341"/>
-                  </a:lnTo>
-                  <a:lnTo>
-                    <a:pt x="74" y="488"/>
-                  </a:lnTo>
-                  <a:lnTo>
-                    <a:pt x="25" y="634"/>
-                  </a:lnTo>
-                  <a:lnTo>
-                    <a:pt x="1" y="780"/>
-                  </a:lnTo>
-                  <a:lnTo>
-                    <a:pt x="1" y="17731"/>
-                  </a:lnTo>
-                  <a:lnTo>
-                    <a:pt x="1" y="17731"/>
-                  </a:lnTo>
-                  <a:lnTo>
-                    <a:pt x="25" y="17877"/>
-                  </a:lnTo>
-                  <a:lnTo>
-                    <a:pt x="74" y="18023"/>
-                  </a:lnTo>
-                  <a:lnTo>
-                    <a:pt x="122" y="18169"/>
-                  </a:lnTo>
-                  <a:lnTo>
-                    <a:pt x="220" y="18291"/>
-                  </a:lnTo>
-                  <a:lnTo>
-                    <a:pt x="342" y="18388"/>
-                  </a:lnTo>
-                  <a:lnTo>
-                    <a:pt x="488" y="18437"/>
-                  </a:lnTo>
-                  <a:lnTo>
-                    <a:pt x="634" y="18486"/>
-                  </a:lnTo>
-                  <a:lnTo>
-                    <a:pt x="780" y="18510"/>
-                  </a:lnTo>
-                  <a:lnTo>
-                    <a:pt x="14321" y="18510"/>
-                  </a:lnTo>
-                  <a:lnTo>
-                    <a:pt x="14321" y="18510"/>
-                  </a:lnTo>
-                  <a:lnTo>
-                    <a:pt x="14467" y="18486"/>
-                  </a:lnTo>
-                  <a:lnTo>
-                    <a:pt x="14614" y="18437"/>
-                  </a:lnTo>
-                  <a:lnTo>
-                    <a:pt x="14760" y="18388"/>
-                  </a:lnTo>
-                  <a:lnTo>
-                    <a:pt x="14881" y="18291"/>
-                  </a:lnTo>
-                  <a:lnTo>
-                    <a:pt x="14979" y="18169"/>
-                  </a:lnTo>
-                  <a:lnTo>
-                    <a:pt x="15028" y="18023"/>
-                  </a:lnTo>
-                  <a:lnTo>
-                    <a:pt x="15076" y="17877"/>
-                  </a:lnTo>
-                  <a:lnTo>
-                    <a:pt x="15101" y="17731"/>
-                  </a:lnTo>
-                  <a:lnTo>
-                    <a:pt x="15101" y="780"/>
-                  </a:lnTo>
-                  <a:lnTo>
-                    <a:pt x="15101" y="780"/>
-                  </a:lnTo>
-                  <a:lnTo>
-                    <a:pt x="15076" y="634"/>
-                  </a:lnTo>
-                  <a:lnTo>
-                    <a:pt x="15028" y="488"/>
-                  </a:lnTo>
-                  <a:lnTo>
-                    <a:pt x="14979" y="341"/>
-                  </a:lnTo>
-                  <a:lnTo>
-                    <a:pt x="14881" y="220"/>
-                  </a:lnTo>
-                  <a:lnTo>
-                    <a:pt x="14760" y="122"/>
-                  </a:lnTo>
-                  <a:lnTo>
-                    <a:pt x="14614" y="74"/>
-                  </a:lnTo>
-                  <a:lnTo>
-                    <a:pt x="14467" y="25"/>
-                  </a:lnTo>
-                  <a:lnTo>
-                    <a:pt x="14321" y="0"/>
-                  </a:lnTo>
-                  <a:lnTo>
-                    <a:pt x="14321" y="0"/>
-                  </a:lnTo>
-                </a:path>
-              </a:pathLst>
-            </a:custGeom>
-            <a:noFill/>
-            <a:ln w="12175" cap="rnd" cmpd="sng">
-              <a:solidFill>
-                <a:srgbClr val="FF9800"/>
-              </a:solidFill>
-              <a:prstDash val="solid"/>
-              <a:round/>
-              <a:headEnd type="none" w="med" len="med"/>
-              <a:tailEnd type="none" w="med" len="med"/>
-            </a:ln>
-          </p:spPr>
-          <p:txBody>
-            <a:bodyPr wrap="square" lIns="91425" tIns="91425" rIns="91425" bIns="91425" anchor="ctr" anchorCtr="0">
-              <a:noAutofit/>
-            </a:bodyPr>
-            <a:lstStyle/>
-            <a:p>
-              <a:pPr lvl="0">
-                <a:spcBef>
-                  <a:spcPts val="0"/>
-                </a:spcBef>
-                <a:buNone/>
-              </a:pPr>
-              <a:endParaRPr/>
-            </a:p>
-          </p:txBody>
-        </p:sp>
-        <p:sp>
-          <p:nvSpPr>
-            <p:cNvPr id="197" name="Shape 197"/>
-            <p:cNvSpPr/>
-            <p:nvPr/>
-          </p:nvSpPr>
-          <p:spPr>
-            <a:xfrm>
-              <a:off x="796650" y="274025"/>
-              <a:ext cx="45100" cy="45100"/>
-            </a:xfrm>
-            <a:custGeom>
-              <a:avLst/>
-              <a:gdLst/>
-              <a:ahLst/>
-              <a:cxnLst/>
-              <a:rect l="0" t="0" r="0" b="0"/>
-              <a:pathLst>
-                <a:path w="1804" h="1804" fill="none" extrusionOk="0">
-                  <a:moveTo>
-                    <a:pt x="902" y="1"/>
-                  </a:moveTo>
-                  <a:lnTo>
-                    <a:pt x="902" y="1"/>
-                  </a:lnTo>
-                  <a:lnTo>
-                    <a:pt x="1073" y="25"/>
-                  </a:lnTo>
-                  <a:lnTo>
-                    <a:pt x="1243" y="74"/>
-                  </a:lnTo>
-                  <a:lnTo>
-                    <a:pt x="1414" y="147"/>
-                  </a:lnTo>
-                  <a:lnTo>
-                    <a:pt x="1535" y="269"/>
-                  </a:lnTo>
-                  <a:lnTo>
-                    <a:pt x="1657" y="391"/>
-                  </a:lnTo>
-                  <a:lnTo>
-                    <a:pt x="1730" y="561"/>
-                  </a:lnTo>
-                  <a:lnTo>
-                    <a:pt x="1779" y="732"/>
-                  </a:lnTo>
-                  <a:lnTo>
-                    <a:pt x="1803" y="902"/>
-                  </a:lnTo>
-                  <a:lnTo>
-                    <a:pt x="1803" y="902"/>
-                  </a:lnTo>
-                  <a:lnTo>
-                    <a:pt x="1779" y="1073"/>
-                  </a:lnTo>
-                  <a:lnTo>
-                    <a:pt x="1730" y="1243"/>
-                  </a:lnTo>
-                  <a:lnTo>
-                    <a:pt x="1657" y="1414"/>
-                  </a:lnTo>
-                  <a:lnTo>
-                    <a:pt x="1535" y="1535"/>
-                  </a:lnTo>
-                  <a:lnTo>
-                    <a:pt x="1414" y="1657"/>
-                  </a:lnTo>
-                  <a:lnTo>
-                    <a:pt x="1243" y="1730"/>
-                  </a:lnTo>
-                  <a:lnTo>
-                    <a:pt x="1073" y="1779"/>
-                  </a:lnTo>
-                  <a:lnTo>
-                    <a:pt x="902" y="1803"/>
-                  </a:lnTo>
-                  <a:lnTo>
-                    <a:pt x="902" y="1803"/>
-                  </a:lnTo>
-                  <a:lnTo>
-                    <a:pt x="732" y="1779"/>
-                  </a:lnTo>
-                  <a:lnTo>
-                    <a:pt x="561" y="1730"/>
-                  </a:lnTo>
-                  <a:lnTo>
-                    <a:pt x="391" y="1657"/>
-                  </a:lnTo>
-                  <a:lnTo>
-                    <a:pt x="269" y="1535"/>
-                  </a:lnTo>
-                  <a:lnTo>
-                    <a:pt x="147" y="1414"/>
-                  </a:lnTo>
-                  <a:lnTo>
-                    <a:pt x="74" y="1243"/>
-                  </a:lnTo>
-                  <a:lnTo>
-                    <a:pt x="25" y="1073"/>
-                  </a:lnTo>
-                  <a:lnTo>
-                    <a:pt x="1" y="902"/>
-                  </a:lnTo>
-                  <a:lnTo>
-                    <a:pt x="1" y="902"/>
-                  </a:lnTo>
-                  <a:lnTo>
-                    <a:pt x="25" y="732"/>
-                  </a:lnTo>
-                  <a:lnTo>
-                    <a:pt x="74" y="561"/>
-                  </a:lnTo>
-                  <a:lnTo>
-                    <a:pt x="147" y="391"/>
-                  </a:lnTo>
-                  <a:lnTo>
-                    <a:pt x="269" y="269"/>
-                  </a:lnTo>
-                  <a:lnTo>
-                    <a:pt x="391" y="147"/>
-                  </a:lnTo>
-                  <a:lnTo>
-                    <a:pt x="561" y="74"/>
-                  </a:lnTo>
-                  <a:lnTo>
-                    <a:pt x="732" y="25"/>
-                  </a:lnTo>
-                  <a:lnTo>
-                    <a:pt x="902" y="1"/>
-                  </a:lnTo>
-                  <a:lnTo>
-                    <a:pt x="902" y="1"/>
-                  </a:lnTo>
-                </a:path>
-              </a:pathLst>
-            </a:custGeom>
-            <a:noFill/>
-            <a:ln w="12175" cap="rnd" cmpd="sng">
-              <a:solidFill>
-                <a:srgbClr val="FF9800"/>
-              </a:solidFill>
-              <a:prstDash val="solid"/>
-              <a:round/>
-              <a:headEnd type="none" w="med" len="med"/>
-              <a:tailEnd type="none" w="med" len="med"/>
-            </a:ln>
-          </p:spPr>
-          <p:txBody>
-            <a:bodyPr wrap="square" lIns="91425" tIns="91425" rIns="91425" bIns="91425" anchor="ctr" anchorCtr="0">
-              <a:noAutofit/>
-            </a:bodyPr>
-            <a:lstStyle/>
-            <a:p>
-              <a:pPr lvl="0">
-                <a:spcBef>
-                  <a:spcPts val="0"/>
-                </a:spcBef>
-                <a:buNone/>
-              </a:pPr>
-              <a:endParaRPr/>
-            </a:p>
-          </p:txBody>
-        </p:sp>
-        <p:sp>
-          <p:nvSpPr>
-            <p:cNvPr id="198" name="Shape 198"/>
-            <p:cNvSpPr/>
-            <p:nvPr/>
-          </p:nvSpPr>
-          <p:spPr>
-            <a:xfrm>
-              <a:off x="713850" y="274025"/>
-              <a:ext cx="45075" cy="45100"/>
-            </a:xfrm>
-            <a:custGeom>
-              <a:avLst/>
-              <a:gdLst/>
-              <a:ahLst/>
-              <a:cxnLst/>
-              <a:rect l="0" t="0" r="0" b="0"/>
-              <a:pathLst>
-                <a:path w="1803" h="1804" fill="none" extrusionOk="0">
-                  <a:moveTo>
-                    <a:pt x="902" y="1"/>
-                  </a:moveTo>
-                  <a:lnTo>
-                    <a:pt x="902" y="1"/>
-                  </a:lnTo>
-                  <a:lnTo>
-                    <a:pt x="1072" y="25"/>
-                  </a:lnTo>
-                  <a:lnTo>
-                    <a:pt x="1243" y="74"/>
-                  </a:lnTo>
-                  <a:lnTo>
-                    <a:pt x="1413" y="147"/>
-                  </a:lnTo>
-                  <a:lnTo>
-                    <a:pt x="1535" y="269"/>
-                  </a:lnTo>
-                  <a:lnTo>
-                    <a:pt x="1657" y="391"/>
-                  </a:lnTo>
-                  <a:lnTo>
-                    <a:pt x="1730" y="561"/>
-                  </a:lnTo>
-                  <a:lnTo>
-                    <a:pt x="1779" y="732"/>
-                  </a:lnTo>
-                  <a:lnTo>
-                    <a:pt x="1803" y="902"/>
-                  </a:lnTo>
-                  <a:lnTo>
-                    <a:pt x="1803" y="902"/>
-                  </a:lnTo>
-                  <a:lnTo>
-                    <a:pt x="1779" y="1073"/>
-                  </a:lnTo>
-                  <a:lnTo>
-                    <a:pt x="1730" y="1243"/>
-                  </a:lnTo>
-                  <a:lnTo>
-                    <a:pt x="1657" y="1414"/>
-                  </a:lnTo>
-                  <a:lnTo>
-                    <a:pt x="1535" y="1535"/>
-                  </a:lnTo>
-                  <a:lnTo>
-                    <a:pt x="1413" y="1657"/>
-                  </a:lnTo>
-                  <a:lnTo>
-                    <a:pt x="1243" y="1730"/>
-                  </a:lnTo>
-                  <a:lnTo>
-                    <a:pt x="1072" y="1779"/>
-                  </a:lnTo>
-                  <a:lnTo>
-                    <a:pt x="902" y="1803"/>
-                  </a:lnTo>
-                  <a:lnTo>
-                    <a:pt x="902" y="1803"/>
-                  </a:lnTo>
-                  <a:lnTo>
-                    <a:pt x="731" y="1779"/>
-                  </a:lnTo>
-                  <a:lnTo>
-                    <a:pt x="561" y="1730"/>
-                  </a:lnTo>
-                  <a:lnTo>
-                    <a:pt x="390" y="1657"/>
-                  </a:lnTo>
-                  <a:lnTo>
-                    <a:pt x="269" y="1535"/>
-                  </a:lnTo>
-                  <a:lnTo>
-                    <a:pt x="147" y="1414"/>
-                  </a:lnTo>
-                  <a:lnTo>
-                    <a:pt x="74" y="1243"/>
-                  </a:lnTo>
-                  <a:lnTo>
-                    <a:pt x="25" y="1073"/>
-                  </a:lnTo>
-                  <a:lnTo>
-                    <a:pt x="1" y="902"/>
-                  </a:lnTo>
-                  <a:lnTo>
-                    <a:pt x="1" y="902"/>
-                  </a:lnTo>
-                  <a:lnTo>
-                    <a:pt x="25" y="732"/>
-                  </a:lnTo>
-                  <a:lnTo>
-                    <a:pt x="74" y="561"/>
-                  </a:lnTo>
-                  <a:lnTo>
-                    <a:pt x="147" y="391"/>
-                  </a:lnTo>
-                  <a:lnTo>
-                    <a:pt x="269" y="269"/>
-                  </a:lnTo>
-                  <a:lnTo>
-                    <a:pt x="390" y="147"/>
-                  </a:lnTo>
-                  <a:lnTo>
-                    <a:pt x="561" y="74"/>
-                  </a:lnTo>
-                  <a:lnTo>
-                    <a:pt x="731" y="25"/>
-                  </a:lnTo>
-                  <a:lnTo>
-                    <a:pt x="902" y="1"/>
-                  </a:lnTo>
-                  <a:lnTo>
-                    <a:pt x="902" y="1"/>
-                  </a:lnTo>
-                </a:path>
-              </a:pathLst>
-            </a:custGeom>
-            <a:noFill/>
-            <a:ln w="12175" cap="rnd" cmpd="sng">
-              <a:solidFill>
-                <a:srgbClr val="FF9800"/>
-              </a:solidFill>
-              <a:prstDash val="solid"/>
-              <a:round/>
-              <a:headEnd type="none" w="med" len="med"/>
-              <a:tailEnd type="none" w="med" len="med"/>
-            </a:ln>
-          </p:spPr>
-          <p:txBody>
-            <a:bodyPr wrap="square" lIns="91425" tIns="91425" rIns="91425" bIns="91425" anchor="ctr" anchorCtr="0">
-              <a:noAutofit/>
-            </a:bodyPr>
-            <a:lstStyle/>
-            <a:p>
-              <a:pPr lvl="0">
-                <a:spcBef>
-                  <a:spcPts val="0"/>
-                </a:spcBef>
-                <a:buNone/>
-              </a:pPr>
-              <a:endParaRPr/>
-            </a:p>
-          </p:txBody>
-        </p:sp>
-        <p:sp>
-          <p:nvSpPr>
-            <p:cNvPr id="199" name="Shape 199"/>
-            <p:cNvSpPr/>
-            <p:nvPr/>
-          </p:nvSpPr>
-          <p:spPr>
-            <a:xfrm>
-              <a:off x="631050" y="274025"/>
-              <a:ext cx="45075" cy="45100"/>
-            </a:xfrm>
-            <a:custGeom>
-              <a:avLst/>
-              <a:gdLst/>
-              <a:ahLst/>
-              <a:cxnLst/>
-              <a:rect l="0" t="0" r="0" b="0"/>
-              <a:pathLst>
-                <a:path w="1803" h="1804" fill="none" extrusionOk="0">
-                  <a:moveTo>
-                    <a:pt x="0" y="902"/>
-                  </a:moveTo>
-                  <a:lnTo>
-                    <a:pt x="0" y="902"/>
-                  </a:lnTo>
-                  <a:lnTo>
-                    <a:pt x="25" y="732"/>
-                  </a:lnTo>
-                  <a:lnTo>
-                    <a:pt x="73" y="561"/>
-                  </a:lnTo>
-                  <a:lnTo>
-                    <a:pt x="147" y="391"/>
-                  </a:lnTo>
-                  <a:lnTo>
-                    <a:pt x="268" y="269"/>
-                  </a:lnTo>
-                  <a:lnTo>
-                    <a:pt x="390" y="147"/>
-                  </a:lnTo>
-                  <a:lnTo>
-                    <a:pt x="561" y="74"/>
-                  </a:lnTo>
-                  <a:lnTo>
-                    <a:pt x="731" y="25"/>
-                  </a:lnTo>
-                  <a:lnTo>
-                    <a:pt x="902" y="1"/>
-                  </a:lnTo>
-                  <a:lnTo>
-                    <a:pt x="902" y="1"/>
-                  </a:lnTo>
-                  <a:lnTo>
-                    <a:pt x="1072" y="25"/>
-                  </a:lnTo>
-                  <a:lnTo>
-                    <a:pt x="1243" y="74"/>
-                  </a:lnTo>
-                  <a:lnTo>
-                    <a:pt x="1413" y="147"/>
-                  </a:lnTo>
-                  <a:lnTo>
-                    <a:pt x="1535" y="269"/>
-                  </a:lnTo>
-                  <a:lnTo>
-                    <a:pt x="1657" y="391"/>
-                  </a:lnTo>
-                  <a:lnTo>
-                    <a:pt x="1730" y="561"/>
-                  </a:lnTo>
-                  <a:lnTo>
-                    <a:pt x="1778" y="732"/>
-                  </a:lnTo>
-                  <a:lnTo>
-                    <a:pt x="1803" y="902"/>
-                  </a:lnTo>
-                  <a:lnTo>
-                    <a:pt x="1803" y="902"/>
-                  </a:lnTo>
-                  <a:lnTo>
-                    <a:pt x="1778" y="1073"/>
-                  </a:lnTo>
-                  <a:lnTo>
-                    <a:pt x="1730" y="1243"/>
-                  </a:lnTo>
-                  <a:lnTo>
-                    <a:pt x="1657" y="1414"/>
-                  </a:lnTo>
-                  <a:lnTo>
-                    <a:pt x="1535" y="1535"/>
-                  </a:lnTo>
-                  <a:lnTo>
-                    <a:pt x="1413" y="1657"/>
-                  </a:lnTo>
-                  <a:lnTo>
-                    <a:pt x="1243" y="1730"/>
-                  </a:lnTo>
-                  <a:lnTo>
-                    <a:pt x="1072" y="1779"/>
-                  </a:lnTo>
-                  <a:lnTo>
-                    <a:pt x="902" y="1803"/>
-                  </a:lnTo>
-                  <a:lnTo>
-                    <a:pt x="902" y="1803"/>
-                  </a:lnTo>
-                  <a:lnTo>
-                    <a:pt x="731" y="1779"/>
-                  </a:lnTo>
-                  <a:lnTo>
-                    <a:pt x="561" y="1730"/>
-                  </a:lnTo>
-                  <a:lnTo>
-                    <a:pt x="390" y="1657"/>
-                  </a:lnTo>
-                  <a:lnTo>
-                    <a:pt x="268" y="1535"/>
-                  </a:lnTo>
-                  <a:lnTo>
-                    <a:pt x="147" y="1414"/>
-                  </a:lnTo>
-                  <a:lnTo>
-                    <a:pt x="73" y="1243"/>
-                  </a:lnTo>
-                  <a:lnTo>
-                    <a:pt x="25" y="1073"/>
-                  </a:lnTo>
-                  <a:lnTo>
-                    <a:pt x="0" y="902"/>
-                  </a:lnTo>
-                  <a:lnTo>
-                    <a:pt x="0" y="902"/>
-                  </a:lnTo>
-                </a:path>
-              </a:pathLst>
-            </a:custGeom>
-            <a:noFill/>
-            <a:ln w="12175" cap="rnd" cmpd="sng">
-              <a:solidFill>
-                <a:srgbClr val="FF9800"/>
-              </a:solidFill>
-              <a:prstDash val="solid"/>
-              <a:round/>
-              <a:headEnd type="none" w="med" len="med"/>
-              <a:tailEnd type="none" w="med" len="med"/>
-            </a:ln>
-          </p:spPr>
-          <p:txBody>
-            <a:bodyPr wrap="square" lIns="91425" tIns="91425" rIns="91425" bIns="91425" anchor="ctr" anchorCtr="0">
-              <a:noAutofit/>
-            </a:bodyPr>
-            <a:lstStyle/>
-            <a:p>
-              <a:pPr lvl="0">
-                <a:spcBef>
-                  <a:spcPts val="0"/>
-                </a:spcBef>
-                <a:buNone/>
-              </a:pPr>
-              <a:endParaRPr/>
-            </a:p>
-          </p:txBody>
-        </p:sp>
-        <p:sp>
-          <p:nvSpPr>
-            <p:cNvPr id="200" name="Shape 200"/>
-            <p:cNvSpPr/>
-            <p:nvPr/>
-          </p:nvSpPr>
-          <p:spPr>
-            <a:xfrm>
-              <a:off x="649925" y="590050"/>
-              <a:ext cx="133975" cy="25"/>
-            </a:xfrm>
-            <a:custGeom>
-              <a:avLst/>
-              <a:gdLst/>
-              <a:ahLst/>
-              <a:cxnLst/>
-              <a:rect l="0" t="0" r="0" b="0"/>
-              <a:pathLst>
-                <a:path w="5359" h="1" fill="none" extrusionOk="0">
-                  <a:moveTo>
-                    <a:pt x="5358" y="0"/>
-                  </a:moveTo>
-                  <a:lnTo>
-                    <a:pt x="0" y="0"/>
-                  </a:lnTo>
-                </a:path>
-              </a:pathLst>
-            </a:custGeom>
-            <a:noFill/>
-            <a:ln w="12175" cap="rnd" cmpd="sng">
-              <a:solidFill>
-                <a:srgbClr val="FF9800"/>
-              </a:solidFill>
-              <a:prstDash val="solid"/>
-              <a:round/>
-              <a:headEnd type="none" w="med" len="med"/>
-              <a:tailEnd type="none" w="med" len="med"/>
-            </a:ln>
-          </p:spPr>
-          <p:txBody>
-            <a:bodyPr wrap="square" lIns="91425" tIns="91425" rIns="91425" bIns="91425" anchor="ctr" anchorCtr="0">
-              <a:noAutofit/>
-            </a:bodyPr>
-            <a:lstStyle/>
-            <a:p>
-              <a:pPr lvl="0">
-                <a:spcBef>
-                  <a:spcPts val="0"/>
-                </a:spcBef>
-                <a:buNone/>
-              </a:pPr>
-              <a:endParaRPr/>
-            </a:p>
-          </p:txBody>
-        </p:sp>
-        <p:sp>
-          <p:nvSpPr>
-            <p:cNvPr id="201" name="Shape 201"/>
-            <p:cNvSpPr/>
-            <p:nvPr/>
-          </p:nvSpPr>
-          <p:spPr>
-            <a:xfrm>
-              <a:off x="649925" y="534625"/>
-              <a:ext cx="255750" cy="25"/>
-            </a:xfrm>
-            <a:custGeom>
-              <a:avLst/>
-              <a:gdLst/>
-              <a:ahLst/>
-              <a:cxnLst/>
-              <a:rect l="0" t="0" r="0" b="0"/>
-              <a:pathLst>
-                <a:path w="10230" h="1" fill="none" extrusionOk="0">
-                  <a:moveTo>
-                    <a:pt x="10229" y="1"/>
-                  </a:moveTo>
-                  <a:lnTo>
-                    <a:pt x="0" y="1"/>
-                  </a:lnTo>
-                </a:path>
-              </a:pathLst>
-            </a:custGeom>
-            <a:noFill/>
-            <a:ln w="12175" cap="rnd" cmpd="sng">
-              <a:solidFill>
-                <a:srgbClr val="FF9800"/>
-              </a:solidFill>
-              <a:prstDash val="solid"/>
-              <a:round/>
-              <a:headEnd type="none" w="med" len="med"/>
-              <a:tailEnd type="none" w="med" len="med"/>
-            </a:ln>
-          </p:spPr>
-          <p:txBody>
-            <a:bodyPr wrap="square" lIns="91425" tIns="91425" rIns="91425" bIns="91425" anchor="ctr" anchorCtr="0">
-              <a:noAutofit/>
-            </a:bodyPr>
-            <a:lstStyle/>
-            <a:p>
-              <a:pPr lvl="0">
-                <a:spcBef>
-                  <a:spcPts val="0"/>
-                </a:spcBef>
-                <a:buNone/>
-              </a:pPr>
-              <a:endParaRPr/>
-            </a:p>
-          </p:txBody>
-        </p:sp>
-        <p:sp>
-          <p:nvSpPr>
-            <p:cNvPr id="202" name="Shape 202"/>
-            <p:cNvSpPr/>
-            <p:nvPr/>
-          </p:nvSpPr>
-          <p:spPr>
-            <a:xfrm>
-              <a:off x="649925" y="479825"/>
-              <a:ext cx="255750" cy="25"/>
-            </a:xfrm>
-            <a:custGeom>
-              <a:avLst/>
-              <a:gdLst/>
-              <a:ahLst/>
-              <a:cxnLst/>
-              <a:rect l="0" t="0" r="0" b="0"/>
-              <a:pathLst>
-                <a:path w="10230" h="1" fill="none" extrusionOk="0">
-                  <a:moveTo>
-                    <a:pt x="10229" y="1"/>
-                  </a:moveTo>
-                  <a:lnTo>
-                    <a:pt x="0" y="1"/>
-                  </a:lnTo>
-                </a:path>
-              </a:pathLst>
-            </a:custGeom>
-            <a:noFill/>
-            <a:ln w="12175" cap="rnd" cmpd="sng">
-              <a:solidFill>
-                <a:srgbClr val="FF9800"/>
-              </a:solidFill>
-              <a:prstDash val="solid"/>
-              <a:round/>
-              <a:headEnd type="none" w="med" len="med"/>
-              <a:tailEnd type="none" w="med" len="med"/>
-            </a:ln>
-          </p:spPr>
-          <p:txBody>
-            <a:bodyPr wrap="square" lIns="91425" tIns="91425" rIns="91425" bIns="91425" anchor="ctr" anchorCtr="0">
-              <a:noAutofit/>
-            </a:bodyPr>
-            <a:lstStyle/>
-            <a:p>
-              <a:pPr lvl="0">
-                <a:spcBef>
-                  <a:spcPts val="0"/>
-                </a:spcBef>
-                <a:buNone/>
-              </a:pPr>
-              <a:endParaRPr/>
-            </a:p>
-          </p:txBody>
-        </p:sp>
-        <p:sp>
-          <p:nvSpPr>
-            <p:cNvPr id="203" name="Shape 203"/>
-            <p:cNvSpPr/>
-            <p:nvPr/>
-          </p:nvSpPr>
-          <p:spPr>
-            <a:xfrm>
-              <a:off x="649925" y="424425"/>
-              <a:ext cx="255750" cy="25"/>
-            </a:xfrm>
-            <a:custGeom>
-              <a:avLst/>
-              <a:gdLst/>
-              <a:ahLst/>
-              <a:cxnLst/>
-              <a:rect l="0" t="0" r="0" b="0"/>
-              <a:pathLst>
-                <a:path w="10230" h="1" fill="none" extrusionOk="0">
-                  <a:moveTo>
-                    <a:pt x="10229" y="1"/>
-                  </a:moveTo>
-                  <a:lnTo>
-                    <a:pt x="0" y="1"/>
-                  </a:lnTo>
-                </a:path>
-              </a:pathLst>
-            </a:custGeom>
-            <a:noFill/>
-            <a:ln w="12175" cap="rnd" cmpd="sng">
-              <a:solidFill>
-                <a:srgbClr val="FF9800"/>
-              </a:solidFill>
-              <a:prstDash val="solid"/>
-              <a:round/>
-              <a:headEnd type="none" w="med" len="med"/>
-              <a:tailEnd type="none" w="med" len="med"/>
-            </a:ln>
-          </p:spPr>
-          <p:txBody>
-            <a:bodyPr wrap="square" lIns="91425" tIns="91425" rIns="91425" bIns="91425" anchor="ctr" anchorCtr="0">
-              <a:noAutofit/>
-            </a:bodyPr>
-            <a:lstStyle/>
-            <a:p>
-              <a:pPr lvl="0">
-                <a:spcBef>
-                  <a:spcPts val="0"/>
-                </a:spcBef>
-                <a:buNone/>
-              </a:pPr>
-              <a:endParaRPr/>
-            </a:p>
-          </p:txBody>
-        </p:sp>
-        <p:sp>
-          <p:nvSpPr>
-            <p:cNvPr id="204" name="Shape 204"/>
-            <p:cNvSpPr/>
-            <p:nvPr/>
-          </p:nvSpPr>
-          <p:spPr>
-            <a:xfrm>
-              <a:off x="879475" y="274025"/>
-              <a:ext cx="45075" cy="45100"/>
-            </a:xfrm>
-            <a:custGeom>
-              <a:avLst/>
-              <a:gdLst/>
-              <a:ahLst/>
-              <a:cxnLst/>
-              <a:rect l="0" t="0" r="0" b="0"/>
-              <a:pathLst>
-                <a:path w="1803" h="1804" fill="none" extrusionOk="0">
-                  <a:moveTo>
-                    <a:pt x="901" y="1803"/>
-                  </a:moveTo>
-                  <a:lnTo>
-                    <a:pt x="901" y="1803"/>
-                  </a:lnTo>
-                  <a:lnTo>
-                    <a:pt x="731" y="1779"/>
-                  </a:lnTo>
-                  <a:lnTo>
-                    <a:pt x="560" y="1730"/>
-                  </a:lnTo>
-                  <a:lnTo>
-                    <a:pt x="390" y="1657"/>
-                  </a:lnTo>
-                  <a:lnTo>
-                    <a:pt x="268" y="1535"/>
-                  </a:lnTo>
-                  <a:lnTo>
-                    <a:pt x="146" y="1414"/>
-                  </a:lnTo>
-                  <a:lnTo>
-                    <a:pt x="73" y="1243"/>
-                  </a:lnTo>
-                  <a:lnTo>
-                    <a:pt x="25" y="1073"/>
-                  </a:lnTo>
-                  <a:lnTo>
-                    <a:pt x="0" y="902"/>
-                  </a:lnTo>
-                  <a:lnTo>
-                    <a:pt x="0" y="902"/>
-                  </a:lnTo>
-                  <a:lnTo>
-                    <a:pt x="25" y="732"/>
-                  </a:lnTo>
-                  <a:lnTo>
-                    <a:pt x="73" y="561"/>
-                  </a:lnTo>
-                  <a:lnTo>
-                    <a:pt x="146" y="391"/>
-                  </a:lnTo>
-                  <a:lnTo>
-                    <a:pt x="268" y="269"/>
-                  </a:lnTo>
-                  <a:lnTo>
-                    <a:pt x="390" y="147"/>
-                  </a:lnTo>
-                  <a:lnTo>
-                    <a:pt x="560" y="74"/>
-                  </a:lnTo>
-                  <a:lnTo>
-                    <a:pt x="731" y="25"/>
-                  </a:lnTo>
-                  <a:lnTo>
-                    <a:pt x="901" y="1"/>
-                  </a:lnTo>
-                  <a:lnTo>
-                    <a:pt x="901" y="1"/>
-                  </a:lnTo>
-                  <a:lnTo>
-                    <a:pt x="1072" y="25"/>
-                  </a:lnTo>
-                  <a:lnTo>
-                    <a:pt x="1242" y="74"/>
-                  </a:lnTo>
-                  <a:lnTo>
-                    <a:pt x="1413" y="147"/>
-                  </a:lnTo>
-                  <a:lnTo>
-                    <a:pt x="1535" y="269"/>
-                  </a:lnTo>
-                  <a:lnTo>
-                    <a:pt x="1656" y="391"/>
-                  </a:lnTo>
-                  <a:lnTo>
-                    <a:pt x="1729" y="561"/>
-                  </a:lnTo>
-                  <a:lnTo>
-                    <a:pt x="1778" y="732"/>
-                  </a:lnTo>
-                  <a:lnTo>
-                    <a:pt x="1802" y="902"/>
-                  </a:lnTo>
-                  <a:lnTo>
-                    <a:pt x="1802" y="902"/>
-                  </a:lnTo>
-                  <a:lnTo>
-                    <a:pt x="1778" y="1073"/>
-                  </a:lnTo>
-                  <a:lnTo>
-                    <a:pt x="1729" y="1243"/>
-                  </a:lnTo>
-                  <a:lnTo>
-                    <a:pt x="1656" y="1414"/>
-                  </a:lnTo>
-                  <a:lnTo>
-                    <a:pt x="1535" y="1535"/>
-                  </a:lnTo>
-                  <a:lnTo>
-                    <a:pt x="1413" y="1657"/>
-                  </a:lnTo>
-                  <a:lnTo>
-                    <a:pt x="1242" y="1730"/>
-                  </a:lnTo>
-                  <a:lnTo>
-                    <a:pt x="1072" y="1779"/>
-                  </a:lnTo>
-                  <a:lnTo>
-                    <a:pt x="901" y="1803"/>
-                  </a:lnTo>
-                  <a:lnTo>
-                    <a:pt x="901" y="1803"/>
-                  </a:lnTo>
-                </a:path>
-              </a:pathLst>
-            </a:custGeom>
-            <a:noFill/>
-            <a:ln w="12175" cap="rnd" cmpd="sng">
-              <a:solidFill>
-                <a:srgbClr val="FF9800"/>
-              </a:solidFill>
-              <a:prstDash val="solid"/>
-              <a:round/>
-              <a:headEnd type="none" w="med" len="med"/>
-              <a:tailEnd type="none" w="med" len="med"/>
-            </a:ln>
-          </p:spPr>
-          <p:txBody>
-            <a:bodyPr wrap="square" lIns="91425" tIns="91425" rIns="91425" bIns="91425" anchor="ctr" anchorCtr="0">
-              <a:noAutofit/>
-            </a:bodyPr>
-            <a:lstStyle/>
-            <a:p>
-              <a:pPr lvl="0">
-                <a:spcBef>
-                  <a:spcPts val="0"/>
-                </a:spcBef>
-                <a:buNone/>
-              </a:pPr>
-              <a:endParaRPr/>
-            </a:p>
-          </p:txBody>
-        </p:sp>
-        <p:sp>
-          <p:nvSpPr>
-            <p:cNvPr id="205" name="Shape 205"/>
-            <p:cNvSpPr/>
-            <p:nvPr/>
-          </p:nvSpPr>
-          <p:spPr>
-            <a:xfrm>
-              <a:off x="654800" y="244200"/>
-              <a:ext cx="25" cy="51175"/>
-            </a:xfrm>
-            <a:custGeom>
-              <a:avLst/>
-              <a:gdLst/>
-              <a:ahLst/>
-              <a:cxnLst/>
-              <a:rect l="0" t="0" r="0" b="0"/>
-              <a:pathLst>
-                <a:path w="1" h="2047" fill="none" extrusionOk="0">
-                  <a:moveTo>
-                    <a:pt x="0" y="1"/>
-                  </a:moveTo>
-                  <a:lnTo>
-                    <a:pt x="0" y="2046"/>
-                  </a:lnTo>
-                </a:path>
-              </a:pathLst>
-            </a:custGeom>
-            <a:noFill/>
-            <a:ln w="12175" cap="rnd" cmpd="sng">
-              <a:solidFill>
-                <a:srgbClr val="FF9800"/>
-              </a:solidFill>
-              <a:prstDash val="solid"/>
-              <a:round/>
-              <a:headEnd type="none" w="med" len="med"/>
-              <a:tailEnd type="none" w="med" len="med"/>
-            </a:ln>
-          </p:spPr>
-          <p:txBody>
-            <a:bodyPr wrap="square" lIns="91425" tIns="91425" rIns="91425" bIns="91425" anchor="ctr" anchorCtr="0">
-              <a:noAutofit/>
-            </a:bodyPr>
-            <a:lstStyle/>
-            <a:p>
-              <a:pPr lvl="0">
-                <a:spcBef>
-                  <a:spcPts val="0"/>
-                </a:spcBef>
-                <a:buNone/>
-              </a:pPr>
-              <a:endParaRPr/>
-            </a:p>
-          </p:txBody>
-        </p:sp>
-        <p:sp>
-          <p:nvSpPr>
-            <p:cNvPr id="206" name="Shape 206"/>
-            <p:cNvSpPr/>
-            <p:nvPr/>
-          </p:nvSpPr>
-          <p:spPr>
-            <a:xfrm>
-              <a:off x="737600" y="244200"/>
-              <a:ext cx="25" cy="51175"/>
-            </a:xfrm>
-            <a:custGeom>
-              <a:avLst/>
-              <a:gdLst/>
-              <a:ahLst/>
-              <a:cxnLst/>
-              <a:rect l="0" t="0" r="0" b="0"/>
-              <a:pathLst>
-                <a:path w="1" h="2047" fill="none" extrusionOk="0">
-                  <a:moveTo>
-                    <a:pt x="1" y="1"/>
-                  </a:moveTo>
-                  <a:lnTo>
-                    <a:pt x="1" y="2046"/>
-                  </a:lnTo>
-                </a:path>
-              </a:pathLst>
-            </a:custGeom>
-            <a:noFill/>
-            <a:ln w="12175" cap="rnd" cmpd="sng">
-              <a:solidFill>
-                <a:srgbClr val="FF9800"/>
-              </a:solidFill>
-              <a:prstDash val="solid"/>
-              <a:round/>
-              <a:headEnd type="none" w="med" len="med"/>
-              <a:tailEnd type="none" w="med" len="med"/>
-            </a:ln>
-          </p:spPr>
-          <p:txBody>
-            <a:bodyPr wrap="square" lIns="91425" tIns="91425" rIns="91425" bIns="91425" anchor="ctr" anchorCtr="0">
-              <a:noAutofit/>
-            </a:bodyPr>
-            <a:lstStyle/>
-            <a:p>
-              <a:pPr lvl="0">
-                <a:spcBef>
-                  <a:spcPts val="0"/>
-                </a:spcBef>
-                <a:buNone/>
-              </a:pPr>
-              <a:endParaRPr/>
-            </a:p>
-          </p:txBody>
-        </p:sp>
-        <p:sp>
-          <p:nvSpPr>
-            <p:cNvPr id="207" name="Shape 207"/>
-            <p:cNvSpPr/>
-            <p:nvPr/>
-          </p:nvSpPr>
-          <p:spPr>
-            <a:xfrm>
-              <a:off x="820400" y="244200"/>
-              <a:ext cx="25" cy="51175"/>
-            </a:xfrm>
-            <a:custGeom>
-              <a:avLst/>
-              <a:gdLst/>
-              <a:ahLst/>
-              <a:cxnLst/>
-              <a:rect l="0" t="0" r="0" b="0"/>
-              <a:pathLst>
-                <a:path w="1" h="2047" fill="none" extrusionOk="0">
-                  <a:moveTo>
-                    <a:pt x="1" y="1"/>
-                  </a:moveTo>
-                  <a:lnTo>
-                    <a:pt x="1" y="2046"/>
-                  </a:lnTo>
-                </a:path>
-              </a:pathLst>
-            </a:custGeom>
-            <a:noFill/>
-            <a:ln w="12175" cap="rnd" cmpd="sng">
-              <a:solidFill>
-                <a:srgbClr val="FF9800"/>
-              </a:solidFill>
-              <a:prstDash val="solid"/>
-              <a:round/>
-              <a:headEnd type="none" w="med" len="med"/>
-              <a:tailEnd type="none" w="med" len="med"/>
-            </a:ln>
-          </p:spPr>
-          <p:txBody>
-            <a:bodyPr wrap="square" lIns="91425" tIns="91425" rIns="91425" bIns="91425" anchor="ctr" anchorCtr="0">
-              <a:noAutofit/>
-            </a:bodyPr>
-            <a:lstStyle/>
-            <a:p>
-              <a:pPr lvl="0">
-                <a:spcBef>
-                  <a:spcPts val="0"/>
-                </a:spcBef>
-                <a:buNone/>
-              </a:pPr>
-              <a:endParaRPr/>
-            </a:p>
-          </p:txBody>
-        </p:sp>
-        <p:sp>
-          <p:nvSpPr>
-            <p:cNvPr id="208" name="Shape 208"/>
-            <p:cNvSpPr/>
-            <p:nvPr/>
-          </p:nvSpPr>
-          <p:spPr>
-            <a:xfrm>
-              <a:off x="903225" y="244200"/>
-              <a:ext cx="25" cy="51175"/>
-            </a:xfrm>
-            <a:custGeom>
-              <a:avLst/>
-              <a:gdLst/>
-              <a:ahLst/>
-              <a:cxnLst/>
-              <a:rect l="0" t="0" r="0" b="0"/>
-              <a:pathLst>
-                <a:path w="1" h="2047" fill="none" extrusionOk="0">
-                  <a:moveTo>
-                    <a:pt x="0" y="1"/>
-                  </a:moveTo>
-                  <a:lnTo>
-                    <a:pt x="0" y="2046"/>
-                  </a:lnTo>
-                </a:path>
-              </a:pathLst>
-            </a:custGeom>
-            <a:noFill/>
-            <a:ln w="12175" cap="rnd" cmpd="sng">
-              <a:solidFill>
-                <a:srgbClr val="FF9800"/>
-              </a:solidFill>
-              <a:prstDash val="solid"/>
-              <a:round/>
-              <a:headEnd type="none" w="med" len="med"/>
-              <a:tailEnd type="none" w="med" len="med"/>
-            </a:ln>
-          </p:spPr>
-          <p:txBody>
-            <a:bodyPr wrap="square" lIns="91425" tIns="91425" rIns="91425" bIns="91425" anchor="ctr" anchorCtr="0">
-              <a:noAutofit/>
-            </a:bodyPr>
-            <a:lstStyle/>
-            <a:p>
-              <a:pPr lvl="0">
-                <a:spcBef>
-                  <a:spcPts val="0"/>
-                </a:spcBef>
-                <a:buNone/>
-              </a:pPr>
-              <a:endParaRPr/>
-            </a:p>
-          </p:txBody>
-        </p:sp>
-      </p:grpSp>
-      <p:pic>
-        <p:nvPicPr>
-          <p:cNvPr id="2" name="Picture 1" descr="Screen Shot 2017-12-04 at 10.43.02 PM.png"/>
-          <p:cNvPicPr>
-            <a:picLocks noChangeAspect="1"/>
-          </p:cNvPicPr>
-          <p:nvPr/>
-        </p:nvPicPr>
-        <p:blipFill>
-          <a:blip r:embed="rId3">
-            <a:extLst>
-              <a:ext uri="{28A0092B-C50C-407E-A947-70E740481C1C}">
-                <a14:useLocalDpi xmlns:a14="http://schemas.microsoft.com/office/drawing/2010/main" val="0"/>
-              </a:ext>
-            </a:extLst>
-          </a:blip>
-          <a:stretch>
-            <a:fillRect/>
-          </a:stretch>
-        </p:blipFill>
-        <p:spPr>
-          <a:xfrm>
-            <a:off x="178781" y="2048909"/>
-            <a:ext cx="8612282" cy="1495277"/>
-          </a:xfrm>
-          <a:prstGeom prst="rect">
-            <a:avLst/>
-          </a:prstGeom>
-        </p:spPr>
-      </p:pic>
-    </p:spTree>
-    <p:extLst>
-      <p:ext uri="{BB962C8B-B14F-4D97-AF65-F5344CB8AC3E}">
-        <p14:creationId xmlns:p14="http://schemas.microsoft.com/office/powerpoint/2010/main" val="1752670176"/>
       </p:ext>
     </p:extLst>
   </p:cSld>
@@ -7658,6 +6539,1578 @@
       </p:grpSp>
       <p:pic>
         <p:nvPicPr>
+          <p:cNvPr id="2" name="Picture 1" descr="Screen Shot 2017-12-04 at 10.43.02 PM.png"/>
+          <p:cNvPicPr>
+            <a:picLocks noChangeAspect="1"/>
+          </p:cNvPicPr>
+          <p:nvPr/>
+        </p:nvPicPr>
+        <p:blipFill>
+          <a:blip r:embed="rId3">
+            <a:extLst>
+              <a:ext uri="{28A0092B-C50C-407E-A947-70E740481C1C}">
+                <a14:useLocalDpi xmlns:a14="http://schemas.microsoft.com/office/drawing/2010/main" val="0"/>
+              </a:ext>
+            </a:extLst>
+          </a:blip>
+          <a:stretch>
+            <a:fillRect/>
+          </a:stretch>
+        </p:blipFill>
+        <p:spPr>
+          <a:xfrm>
+            <a:off x="178781" y="2048909"/>
+            <a:ext cx="8612282" cy="1495277"/>
+          </a:xfrm>
+          <a:prstGeom prst="rect">
+            <a:avLst/>
+          </a:prstGeom>
+        </p:spPr>
+      </p:pic>
+    </p:spTree>
+    <p:extLst>
+      <p:ext uri="{BB962C8B-B14F-4D97-AF65-F5344CB8AC3E}">
+        <p14:creationId xmlns:p14="http://schemas.microsoft.com/office/powerpoint/2010/main" val="1752670176"/>
+      </p:ext>
+    </p:extLst>
+  </p:cSld>
+  <p:clrMapOvr>
+    <a:masterClrMapping/>
+  </p:clrMapOvr>
+  <p:timing>
+    <p:tnLst>
+      <p:par>
+        <p:cTn xmlns:p14="http://schemas.microsoft.com/office/powerpoint/2010/main" id="1" dur="indefinite" restart="never" nodeType="tmRoot"/>
+      </p:par>
+    </p:tnLst>
+  </p:timing>
+</p:sld>
+</file>
+
+<file path=ppt/slides/slide7.xml><?xml version="1.0" encoding="utf-8"?>
+<p:sld xmlns:a="http://schemas.openxmlformats.org/drawingml/2006/main" xmlns:r="http://schemas.openxmlformats.org/officeDocument/2006/relationships" xmlns:p="http://schemas.openxmlformats.org/presentationml/2006/main">
+  <p:cSld>
+    <p:spTree>
+      <p:nvGrpSpPr>
+        <p:cNvPr id="1" name="Shape 188"/>
+        <p:cNvGrpSpPr/>
+        <p:nvPr/>
+      </p:nvGrpSpPr>
+      <p:grpSpPr>
+        <a:xfrm>
+          <a:off x="0" y="0"/>
+          <a:ext cx="0" cy="0"/>
+          <a:chOff x="0" y="0"/>
+          <a:chExt cx="0" cy="0"/>
+        </a:xfrm>
+      </p:grpSpPr>
+      <p:sp>
+        <p:nvSpPr>
+          <p:cNvPr id="189" name="Shape 189"/>
+          <p:cNvSpPr txBox="1">
+            <a:spLocks noGrp="1"/>
+          </p:cNvSpPr>
+          <p:nvPr>
+            <p:ph type="title"/>
+          </p:nvPr>
+        </p:nvSpPr>
+        <p:spPr>
+          <a:xfrm>
+            <a:off x="814275" y="392575"/>
+            <a:ext cx="5258400" cy="766200"/>
+          </a:xfrm>
+          <a:prstGeom prst="rect">
+            <a:avLst/>
+          </a:prstGeom>
+        </p:spPr>
+        <p:txBody>
+          <a:bodyPr wrap="square" lIns="91425" tIns="91425" rIns="91425" bIns="91425" anchor="ctr" anchorCtr="0">
+            <a:noAutofit/>
+          </a:bodyPr>
+          <a:lstStyle/>
+          <a:p>
+            <a:pPr lvl="0" rtl="0">
+              <a:spcBef>
+                <a:spcPts val="0"/>
+              </a:spcBef>
+              <a:buNone/>
+            </a:pPr>
+            <a:r>
+              <a:rPr lang="en-US" dirty="0" smtClean="0"/>
+              <a:t>Traditional</a:t>
+            </a:r>
+            <a:endParaRPr lang="en" dirty="0"/>
+          </a:p>
+        </p:txBody>
+      </p:sp>
+      <p:sp>
+        <p:nvSpPr>
+          <p:cNvPr id="192" name="Shape 192"/>
+          <p:cNvSpPr txBox="1">
+            <a:spLocks noGrp="1"/>
+          </p:cNvSpPr>
+          <p:nvPr>
+            <p:ph type="sldNum" idx="12"/>
+          </p:nvPr>
+        </p:nvSpPr>
+        <p:spPr>
+          <a:xfrm>
+            <a:off x="7618000" y="4636500"/>
+            <a:ext cx="1487400" cy="315600"/>
+          </a:xfrm>
+          <a:prstGeom prst="rect">
+            <a:avLst/>
+          </a:prstGeom>
+        </p:spPr>
+        <p:txBody>
+          <a:bodyPr wrap="square" lIns="91425" tIns="91425" rIns="91425" bIns="91425" anchor="ctr" anchorCtr="0">
+            <a:noAutofit/>
+          </a:bodyPr>
+          <a:lstStyle/>
+          <a:p>
+            <a:pPr lvl="0">
+              <a:spcBef>
+                <a:spcPts val="0"/>
+              </a:spcBef>
+              <a:buNone/>
+            </a:pPr>
+            <a:fld id="{00000000-1234-1234-1234-123412341234}" type="slidenum">
+              <a:rPr lang="en"/>
+              <a:t>7</a:t>
+            </a:fld>
+            <a:endParaRPr lang="en"/>
+          </a:p>
+        </p:txBody>
+      </p:sp>
+      <p:grpSp>
+        <p:nvGrpSpPr>
+          <p:cNvPr id="194" name="Shape 194"/>
+          <p:cNvGrpSpPr/>
+          <p:nvPr/>
+        </p:nvGrpSpPr>
+        <p:grpSpPr>
+          <a:xfrm>
+            <a:off x="293683" y="574116"/>
+            <a:ext cx="309041" cy="403123"/>
+            <a:chOff x="590250" y="244200"/>
+            <a:chExt cx="407975" cy="532175"/>
+          </a:xfrm>
+        </p:grpSpPr>
+        <p:sp>
+          <p:nvSpPr>
+            <p:cNvPr id="195" name="Shape 195"/>
+            <p:cNvSpPr/>
+            <p:nvPr/>
+          </p:nvSpPr>
+          <p:spPr>
+            <a:xfrm>
+              <a:off x="623125" y="313625"/>
+              <a:ext cx="375100" cy="462750"/>
+            </a:xfrm>
+            <a:custGeom>
+              <a:avLst/>
+              <a:gdLst/>
+              <a:ahLst/>
+              <a:cxnLst/>
+              <a:rect l="0" t="0" r="0" b="0"/>
+              <a:pathLst>
+                <a:path w="15004" h="18510" fill="none" extrusionOk="0">
+                  <a:moveTo>
+                    <a:pt x="1" y="17536"/>
+                  </a:moveTo>
+                  <a:lnTo>
+                    <a:pt x="1" y="17536"/>
+                  </a:lnTo>
+                  <a:lnTo>
+                    <a:pt x="1" y="17536"/>
+                  </a:lnTo>
+                  <a:lnTo>
+                    <a:pt x="25" y="17682"/>
+                  </a:lnTo>
+                  <a:lnTo>
+                    <a:pt x="49" y="17852"/>
+                  </a:lnTo>
+                  <a:lnTo>
+                    <a:pt x="123" y="18023"/>
+                  </a:lnTo>
+                  <a:lnTo>
+                    <a:pt x="220" y="18193"/>
+                  </a:lnTo>
+                  <a:lnTo>
+                    <a:pt x="293" y="18291"/>
+                  </a:lnTo>
+                  <a:lnTo>
+                    <a:pt x="390" y="18364"/>
+                  </a:lnTo>
+                  <a:lnTo>
+                    <a:pt x="488" y="18412"/>
+                  </a:lnTo>
+                  <a:lnTo>
+                    <a:pt x="610" y="18461"/>
+                  </a:lnTo>
+                  <a:lnTo>
+                    <a:pt x="756" y="18510"/>
+                  </a:lnTo>
+                  <a:lnTo>
+                    <a:pt x="926" y="18510"/>
+                  </a:lnTo>
+                  <a:lnTo>
+                    <a:pt x="14468" y="18510"/>
+                  </a:lnTo>
+                  <a:lnTo>
+                    <a:pt x="14468" y="18510"/>
+                  </a:lnTo>
+                  <a:lnTo>
+                    <a:pt x="14541" y="18510"/>
+                  </a:lnTo>
+                  <a:lnTo>
+                    <a:pt x="14614" y="18485"/>
+                  </a:lnTo>
+                  <a:lnTo>
+                    <a:pt x="14736" y="18412"/>
+                  </a:lnTo>
+                  <a:lnTo>
+                    <a:pt x="14833" y="18291"/>
+                  </a:lnTo>
+                  <a:lnTo>
+                    <a:pt x="14906" y="18144"/>
+                  </a:lnTo>
+                  <a:lnTo>
+                    <a:pt x="14955" y="17974"/>
+                  </a:lnTo>
+                  <a:lnTo>
+                    <a:pt x="14979" y="17779"/>
+                  </a:lnTo>
+                  <a:lnTo>
+                    <a:pt x="15003" y="17438"/>
+                  </a:lnTo>
+                  <a:lnTo>
+                    <a:pt x="15003" y="487"/>
+                  </a:lnTo>
+                  <a:lnTo>
+                    <a:pt x="15003" y="487"/>
+                  </a:lnTo>
+                  <a:lnTo>
+                    <a:pt x="15003" y="341"/>
+                  </a:lnTo>
+                  <a:lnTo>
+                    <a:pt x="14979" y="219"/>
+                  </a:lnTo>
+                  <a:lnTo>
+                    <a:pt x="14955" y="146"/>
+                  </a:lnTo>
+                  <a:lnTo>
+                    <a:pt x="14906" y="73"/>
+                  </a:lnTo>
+                  <a:lnTo>
+                    <a:pt x="14833" y="49"/>
+                  </a:lnTo>
+                  <a:lnTo>
+                    <a:pt x="14736" y="24"/>
+                  </a:lnTo>
+                  <a:lnTo>
+                    <a:pt x="14468" y="0"/>
+                  </a:lnTo>
+                </a:path>
+              </a:pathLst>
+            </a:custGeom>
+            <a:noFill/>
+            <a:ln w="12175" cap="rnd" cmpd="sng">
+              <a:solidFill>
+                <a:srgbClr val="FF9800"/>
+              </a:solidFill>
+              <a:prstDash val="solid"/>
+              <a:round/>
+              <a:headEnd type="none" w="med" len="med"/>
+              <a:tailEnd type="none" w="med" len="med"/>
+            </a:ln>
+          </p:spPr>
+          <p:txBody>
+            <a:bodyPr wrap="square" lIns="91425" tIns="91425" rIns="91425" bIns="91425" anchor="ctr" anchorCtr="0">
+              <a:noAutofit/>
+            </a:bodyPr>
+            <a:lstStyle/>
+            <a:p>
+              <a:pPr lvl="0">
+                <a:spcBef>
+                  <a:spcPts val="0"/>
+                </a:spcBef>
+                <a:buNone/>
+              </a:pPr>
+              <a:endParaRPr/>
+            </a:p>
+          </p:txBody>
+        </p:sp>
+        <p:sp>
+          <p:nvSpPr>
+            <p:cNvPr id="196" name="Shape 196"/>
+            <p:cNvSpPr/>
+            <p:nvPr/>
+          </p:nvSpPr>
+          <p:spPr>
+            <a:xfrm>
+              <a:off x="590250" y="269775"/>
+              <a:ext cx="377525" cy="462775"/>
+            </a:xfrm>
+            <a:custGeom>
+              <a:avLst/>
+              <a:gdLst/>
+              <a:ahLst/>
+              <a:cxnLst/>
+              <a:rect l="0" t="0" r="0" b="0"/>
+              <a:pathLst>
+                <a:path w="15101" h="18511" fill="none" extrusionOk="0">
+                  <a:moveTo>
+                    <a:pt x="14321" y="0"/>
+                  </a:moveTo>
+                  <a:lnTo>
+                    <a:pt x="780" y="0"/>
+                  </a:lnTo>
+                  <a:lnTo>
+                    <a:pt x="780" y="0"/>
+                  </a:lnTo>
+                  <a:lnTo>
+                    <a:pt x="634" y="25"/>
+                  </a:lnTo>
+                  <a:lnTo>
+                    <a:pt x="488" y="74"/>
+                  </a:lnTo>
+                  <a:lnTo>
+                    <a:pt x="342" y="122"/>
+                  </a:lnTo>
+                  <a:lnTo>
+                    <a:pt x="220" y="220"/>
+                  </a:lnTo>
+                  <a:lnTo>
+                    <a:pt x="122" y="341"/>
+                  </a:lnTo>
+                  <a:lnTo>
+                    <a:pt x="74" y="488"/>
+                  </a:lnTo>
+                  <a:lnTo>
+                    <a:pt x="25" y="634"/>
+                  </a:lnTo>
+                  <a:lnTo>
+                    <a:pt x="1" y="780"/>
+                  </a:lnTo>
+                  <a:lnTo>
+                    <a:pt x="1" y="17731"/>
+                  </a:lnTo>
+                  <a:lnTo>
+                    <a:pt x="1" y="17731"/>
+                  </a:lnTo>
+                  <a:lnTo>
+                    <a:pt x="25" y="17877"/>
+                  </a:lnTo>
+                  <a:lnTo>
+                    <a:pt x="74" y="18023"/>
+                  </a:lnTo>
+                  <a:lnTo>
+                    <a:pt x="122" y="18169"/>
+                  </a:lnTo>
+                  <a:lnTo>
+                    <a:pt x="220" y="18291"/>
+                  </a:lnTo>
+                  <a:lnTo>
+                    <a:pt x="342" y="18388"/>
+                  </a:lnTo>
+                  <a:lnTo>
+                    <a:pt x="488" y="18437"/>
+                  </a:lnTo>
+                  <a:lnTo>
+                    <a:pt x="634" y="18486"/>
+                  </a:lnTo>
+                  <a:lnTo>
+                    <a:pt x="780" y="18510"/>
+                  </a:lnTo>
+                  <a:lnTo>
+                    <a:pt x="14321" y="18510"/>
+                  </a:lnTo>
+                  <a:lnTo>
+                    <a:pt x="14321" y="18510"/>
+                  </a:lnTo>
+                  <a:lnTo>
+                    <a:pt x="14467" y="18486"/>
+                  </a:lnTo>
+                  <a:lnTo>
+                    <a:pt x="14614" y="18437"/>
+                  </a:lnTo>
+                  <a:lnTo>
+                    <a:pt x="14760" y="18388"/>
+                  </a:lnTo>
+                  <a:lnTo>
+                    <a:pt x="14881" y="18291"/>
+                  </a:lnTo>
+                  <a:lnTo>
+                    <a:pt x="14979" y="18169"/>
+                  </a:lnTo>
+                  <a:lnTo>
+                    <a:pt x="15028" y="18023"/>
+                  </a:lnTo>
+                  <a:lnTo>
+                    <a:pt x="15076" y="17877"/>
+                  </a:lnTo>
+                  <a:lnTo>
+                    <a:pt x="15101" y="17731"/>
+                  </a:lnTo>
+                  <a:lnTo>
+                    <a:pt x="15101" y="780"/>
+                  </a:lnTo>
+                  <a:lnTo>
+                    <a:pt x="15101" y="780"/>
+                  </a:lnTo>
+                  <a:lnTo>
+                    <a:pt x="15076" y="634"/>
+                  </a:lnTo>
+                  <a:lnTo>
+                    <a:pt x="15028" y="488"/>
+                  </a:lnTo>
+                  <a:lnTo>
+                    <a:pt x="14979" y="341"/>
+                  </a:lnTo>
+                  <a:lnTo>
+                    <a:pt x="14881" y="220"/>
+                  </a:lnTo>
+                  <a:lnTo>
+                    <a:pt x="14760" y="122"/>
+                  </a:lnTo>
+                  <a:lnTo>
+                    <a:pt x="14614" y="74"/>
+                  </a:lnTo>
+                  <a:lnTo>
+                    <a:pt x="14467" y="25"/>
+                  </a:lnTo>
+                  <a:lnTo>
+                    <a:pt x="14321" y="0"/>
+                  </a:lnTo>
+                  <a:lnTo>
+                    <a:pt x="14321" y="0"/>
+                  </a:lnTo>
+                </a:path>
+              </a:pathLst>
+            </a:custGeom>
+            <a:noFill/>
+            <a:ln w="12175" cap="rnd" cmpd="sng">
+              <a:solidFill>
+                <a:srgbClr val="FF9800"/>
+              </a:solidFill>
+              <a:prstDash val="solid"/>
+              <a:round/>
+              <a:headEnd type="none" w="med" len="med"/>
+              <a:tailEnd type="none" w="med" len="med"/>
+            </a:ln>
+          </p:spPr>
+          <p:txBody>
+            <a:bodyPr wrap="square" lIns="91425" tIns="91425" rIns="91425" bIns="91425" anchor="ctr" anchorCtr="0">
+              <a:noAutofit/>
+            </a:bodyPr>
+            <a:lstStyle/>
+            <a:p>
+              <a:pPr lvl="0">
+                <a:spcBef>
+                  <a:spcPts val="0"/>
+                </a:spcBef>
+                <a:buNone/>
+              </a:pPr>
+              <a:endParaRPr/>
+            </a:p>
+          </p:txBody>
+        </p:sp>
+        <p:sp>
+          <p:nvSpPr>
+            <p:cNvPr id="197" name="Shape 197"/>
+            <p:cNvSpPr/>
+            <p:nvPr/>
+          </p:nvSpPr>
+          <p:spPr>
+            <a:xfrm>
+              <a:off x="796650" y="274025"/>
+              <a:ext cx="45100" cy="45100"/>
+            </a:xfrm>
+            <a:custGeom>
+              <a:avLst/>
+              <a:gdLst/>
+              <a:ahLst/>
+              <a:cxnLst/>
+              <a:rect l="0" t="0" r="0" b="0"/>
+              <a:pathLst>
+                <a:path w="1804" h="1804" fill="none" extrusionOk="0">
+                  <a:moveTo>
+                    <a:pt x="902" y="1"/>
+                  </a:moveTo>
+                  <a:lnTo>
+                    <a:pt x="902" y="1"/>
+                  </a:lnTo>
+                  <a:lnTo>
+                    <a:pt x="1073" y="25"/>
+                  </a:lnTo>
+                  <a:lnTo>
+                    <a:pt x="1243" y="74"/>
+                  </a:lnTo>
+                  <a:lnTo>
+                    <a:pt x="1414" y="147"/>
+                  </a:lnTo>
+                  <a:lnTo>
+                    <a:pt x="1535" y="269"/>
+                  </a:lnTo>
+                  <a:lnTo>
+                    <a:pt x="1657" y="391"/>
+                  </a:lnTo>
+                  <a:lnTo>
+                    <a:pt x="1730" y="561"/>
+                  </a:lnTo>
+                  <a:lnTo>
+                    <a:pt x="1779" y="732"/>
+                  </a:lnTo>
+                  <a:lnTo>
+                    <a:pt x="1803" y="902"/>
+                  </a:lnTo>
+                  <a:lnTo>
+                    <a:pt x="1803" y="902"/>
+                  </a:lnTo>
+                  <a:lnTo>
+                    <a:pt x="1779" y="1073"/>
+                  </a:lnTo>
+                  <a:lnTo>
+                    <a:pt x="1730" y="1243"/>
+                  </a:lnTo>
+                  <a:lnTo>
+                    <a:pt x="1657" y="1414"/>
+                  </a:lnTo>
+                  <a:lnTo>
+                    <a:pt x="1535" y="1535"/>
+                  </a:lnTo>
+                  <a:lnTo>
+                    <a:pt x="1414" y="1657"/>
+                  </a:lnTo>
+                  <a:lnTo>
+                    <a:pt x="1243" y="1730"/>
+                  </a:lnTo>
+                  <a:lnTo>
+                    <a:pt x="1073" y="1779"/>
+                  </a:lnTo>
+                  <a:lnTo>
+                    <a:pt x="902" y="1803"/>
+                  </a:lnTo>
+                  <a:lnTo>
+                    <a:pt x="902" y="1803"/>
+                  </a:lnTo>
+                  <a:lnTo>
+                    <a:pt x="732" y="1779"/>
+                  </a:lnTo>
+                  <a:lnTo>
+                    <a:pt x="561" y="1730"/>
+                  </a:lnTo>
+                  <a:lnTo>
+                    <a:pt x="391" y="1657"/>
+                  </a:lnTo>
+                  <a:lnTo>
+                    <a:pt x="269" y="1535"/>
+                  </a:lnTo>
+                  <a:lnTo>
+                    <a:pt x="147" y="1414"/>
+                  </a:lnTo>
+                  <a:lnTo>
+                    <a:pt x="74" y="1243"/>
+                  </a:lnTo>
+                  <a:lnTo>
+                    <a:pt x="25" y="1073"/>
+                  </a:lnTo>
+                  <a:lnTo>
+                    <a:pt x="1" y="902"/>
+                  </a:lnTo>
+                  <a:lnTo>
+                    <a:pt x="1" y="902"/>
+                  </a:lnTo>
+                  <a:lnTo>
+                    <a:pt x="25" y="732"/>
+                  </a:lnTo>
+                  <a:lnTo>
+                    <a:pt x="74" y="561"/>
+                  </a:lnTo>
+                  <a:lnTo>
+                    <a:pt x="147" y="391"/>
+                  </a:lnTo>
+                  <a:lnTo>
+                    <a:pt x="269" y="269"/>
+                  </a:lnTo>
+                  <a:lnTo>
+                    <a:pt x="391" y="147"/>
+                  </a:lnTo>
+                  <a:lnTo>
+                    <a:pt x="561" y="74"/>
+                  </a:lnTo>
+                  <a:lnTo>
+                    <a:pt x="732" y="25"/>
+                  </a:lnTo>
+                  <a:lnTo>
+                    <a:pt x="902" y="1"/>
+                  </a:lnTo>
+                  <a:lnTo>
+                    <a:pt x="902" y="1"/>
+                  </a:lnTo>
+                </a:path>
+              </a:pathLst>
+            </a:custGeom>
+            <a:noFill/>
+            <a:ln w="12175" cap="rnd" cmpd="sng">
+              <a:solidFill>
+                <a:srgbClr val="FF9800"/>
+              </a:solidFill>
+              <a:prstDash val="solid"/>
+              <a:round/>
+              <a:headEnd type="none" w="med" len="med"/>
+              <a:tailEnd type="none" w="med" len="med"/>
+            </a:ln>
+          </p:spPr>
+          <p:txBody>
+            <a:bodyPr wrap="square" lIns="91425" tIns="91425" rIns="91425" bIns="91425" anchor="ctr" anchorCtr="0">
+              <a:noAutofit/>
+            </a:bodyPr>
+            <a:lstStyle/>
+            <a:p>
+              <a:pPr lvl="0">
+                <a:spcBef>
+                  <a:spcPts val="0"/>
+                </a:spcBef>
+                <a:buNone/>
+              </a:pPr>
+              <a:endParaRPr/>
+            </a:p>
+          </p:txBody>
+        </p:sp>
+        <p:sp>
+          <p:nvSpPr>
+            <p:cNvPr id="198" name="Shape 198"/>
+            <p:cNvSpPr/>
+            <p:nvPr/>
+          </p:nvSpPr>
+          <p:spPr>
+            <a:xfrm>
+              <a:off x="713850" y="274025"/>
+              <a:ext cx="45075" cy="45100"/>
+            </a:xfrm>
+            <a:custGeom>
+              <a:avLst/>
+              <a:gdLst/>
+              <a:ahLst/>
+              <a:cxnLst/>
+              <a:rect l="0" t="0" r="0" b="0"/>
+              <a:pathLst>
+                <a:path w="1803" h="1804" fill="none" extrusionOk="0">
+                  <a:moveTo>
+                    <a:pt x="902" y="1"/>
+                  </a:moveTo>
+                  <a:lnTo>
+                    <a:pt x="902" y="1"/>
+                  </a:lnTo>
+                  <a:lnTo>
+                    <a:pt x="1072" y="25"/>
+                  </a:lnTo>
+                  <a:lnTo>
+                    <a:pt x="1243" y="74"/>
+                  </a:lnTo>
+                  <a:lnTo>
+                    <a:pt x="1413" y="147"/>
+                  </a:lnTo>
+                  <a:lnTo>
+                    <a:pt x="1535" y="269"/>
+                  </a:lnTo>
+                  <a:lnTo>
+                    <a:pt x="1657" y="391"/>
+                  </a:lnTo>
+                  <a:lnTo>
+                    <a:pt x="1730" y="561"/>
+                  </a:lnTo>
+                  <a:lnTo>
+                    <a:pt x="1779" y="732"/>
+                  </a:lnTo>
+                  <a:lnTo>
+                    <a:pt x="1803" y="902"/>
+                  </a:lnTo>
+                  <a:lnTo>
+                    <a:pt x="1803" y="902"/>
+                  </a:lnTo>
+                  <a:lnTo>
+                    <a:pt x="1779" y="1073"/>
+                  </a:lnTo>
+                  <a:lnTo>
+                    <a:pt x="1730" y="1243"/>
+                  </a:lnTo>
+                  <a:lnTo>
+                    <a:pt x="1657" y="1414"/>
+                  </a:lnTo>
+                  <a:lnTo>
+                    <a:pt x="1535" y="1535"/>
+                  </a:lnTo>
+                  <a:lnTo>
+                    <a:pt x="1413" y="1657"/>
+                  </a:lnTo>
+                  <a:lnTo>
+                    <a:pt x="1243" y="1730"/>
+                  </a:lnTo>
+                  <a:lnTo>
+                    <a:pt x="1072" y="1779"/>
+                  </a:lnTo>
+                  <a:lnTo>
+                    <a:pt x="902" y="1803"/>
+                  </a:lnTo>
+                  <a:lnTo>
+                    <a:pt x="902" y="1803"/>
+                  </a:lnTo>
+                  <a:lnTo>
+                    <a:pt x="731" y="1779"/>
+                  </a:lnTo>
+                  <a:lnTo>
+                    <a:pt x="561" y="1730"/>
+                  </a:lnTo>
+                  <a:lnTo>
+                    <a:pt x="390" y="1657"/>
+                  </a:lnTo>
+                  <a:lnTo>
+                    <a:pt x="269" y="1535"/>
+                  </a:lnTo>
+                  <a:lnTo>
+                    <a:pt x="147" y="1414"/>
+                  </a:lnTo>
+                  <a:lnTo>
+                    <a:pt x="74" y="1243"/>
+                  </a:lnTo>
+                  <a:lnTo>
+                    <a:pt x="25" y="1073"/>
+                  </a:lnTo>
+                  <a:lnTo>
+                    <a:pt x="1" y="902"/>
+                  </a:lnTo>
+                  <a:lnTo>
+                    <a:pt x="1" y="902"/>
+                  </a:lnTo>
+                  <a:lnTo>
+                    <a:pt x="25" y="732"/>
+                  </a:lnTo>
+                  <a:lnTo>
+                    <a:pt x="74" y="561"/>
+                  </a:lnTo>
+                  <a:lnTo>
+                    <a:pt x="147" y="391"/>
+                  </a:lnTo>
+                  <a:lnTo>
+                    <a:pt x="269" y="269"/>
+                  </a:lnTo>
+                  <a:lnTo>
+                    <a:pt x="390" y="147"/>
+                  </a:lnTo>
+                  <a:lnTo>
+                    <a:pt x="561" y="74"/>
+                  </a:lnTo>
+                  <a:lnTo>
+                    <a:pt x="731" y="25"/>
+                  </a:lnTo>
+                  <a:lnTo>
+                    <a:pt x="902" y="1"/>
+                  </a:lnTo>
+                  <a:lnTo>
+                    <a:pt x="902" y="1"/>
+                  </a:lnTo>
+                </a:path>
+              </a:pathLst>
+            </a:custGeom>
+            <a:noFill/>
+            <a:ln w="12175" cap="rnd" cmpd="sng">
+              <a:solidFill>
+                <a:srgbClr val="FF9800"/>
+              </a:solidFill>
+              <a:prstDash val="solid"/>
+              <a:round/>
+              <a:headEnd type="none" w="med" len="med"/>
+              <a:tailEnd type="none" w="med" len="med"/>
+            </a:ln>
+          </p:spPr>
+          <p:txBody>
+            <a:bodyPr wrap="square" lIns="91425" tIns="91425" rIns="91425" bIns="91425" anchor="ctr" anchorCtr="0">
+              <a:noAutofit/>
+            </a:bodyPr>
+            <a:lstStyle/>
+            <a:p>
+              <a:pPr lvl="0">
+                <a:spcBef>
+                  <a:spcPts val="0"/>
+                </a:spcBef>
+                <a:buNone/>
+              </a:pPr>
+              <a:endParaRPr/>
+            </a:p>
+          </p:txBody>
+        </p:sp>
+        <p:sp>
+          <p:nvSpPr>
+            <p:cNvPr id="199" name="Shape 199"/>
+            <p:cNvSpPr/>
+            <p:nvPr/>
+          </p:nvSpPr>
+          <p:spPr>
+            <a:xfrm>
+              <a:off x="631050" y="274025"/>
+              <a:ext cx="45075" cy="45100"/>
+            </a:xfrm>
+            <a:custGeom>
+              <a:avLst/>
+              <a:gdLst/>
+              <a:ahLst/>
+              <a:cxnLst/>
+              <a:rect l="0" t="0" r="0" b="0"/>
+              <a:pathLst>
+                <a:path w="1803" h="1804" fill="none" extrusionOk="0">
+                  <a:moveTo>
+                    <a:pt x="0" y="902"/>
+                  </a:moveTo>
+                  <a:lnTo>
+                    <a:pt x="0" y="902"/>
+                  </a:lnTo>
+                  <a:lnTo>
+                    <a:pt x="25" y="732"/>
+                  </a:lnTo>
+                  <a:lnTo>
+                    <a:pt x="73" y="561"/>
+                  </a:lnTo>
+                  <a:lnTo>
+                    <a:pt x="147" y="391"/>
+                  </a:lnTo>
+                  <a:lnTo>
+                    <a:pt x="268" y="269"/>
+                  </a:lnTo>
+                  <a:lnTo>
+                    <a:pt x="390" y="147"/>
+                  </a:lnTo>
+                  <a:lnTo>
+                    <a:pt x="561" y="74"/>
+                  </a:lnTo>
+                  <a:lnTo>
+                    <a:pt x="731" y="25"/>
+                  </a:lnTo>
+                  <a:lnTo>
+                    <a:pt x="902" y="1"/>
+                  </a:lnTo>
+                  <a:lnTo>
+                    <a:pt x="902" y="1"/>
+                  </a:lnTo>
+                  <a:lnTo>
+                    <a:pt x="1072" y="25"/>
+                  </a:lnTo>
+                  <a:lnTo>
+                    <a:pt x="1243" y="74"/>
+                  </a:lnTo>
+                  <a:lnTo>
+                    <a:pt x="1413" y="147"/>
+                  </a:lnTo>
+                  <a:lnTo>
+                    <a:pt x="1535" y="269"/>
+                  </a:lnTo>
+                  <a:lnTo>
+                    <a:pt x="1657" y="391"/>
+                  </a:lnTo>
+                  <a:lnTo>
+                    <a:pt x="1730" y="561"/>
+                  </a:lnTo>
+                  <a:lnTo>
+                    <a:pt x="1778" y="732"/>
+                  </a:lnTo>
+                  <a:lnTo>
+                    <a:pt x="1803" y="902"/>
+                  </a:lnTo>
+                  <a:lnTo>
+                    <a:pt x="1803" y="902"/>
+                  </a:lnTo>
+                  <a:lnTo>
+                    <a:pt x="1778" y="1073"/>
+                  </a:lnTo>
+                  <a:lnTo>
+                    <a:pt x="1730" y="1243"/>
+                  </a:lnTo>
+                  <a:lnTo>
+                    <a:pt x="1657" y="1414"/>
+                  </a:lnTo>
+                  <a:lnTo>
+                    <a:pt x="1535" y="1535"/>
+                  </a:lnTo>
+                  <a:lnTo>
+                    <a:pt x="1413" y="1657"/>
+                  </a:lnTo>
+                  <a:lnTo>
+                    <a:pt x="1243" y="1730"/>
+                  </a:lnTo>
+                  <a:lnTo>
+                    <a:pt x="1072" y="1779"/>
+                  </a:lnTo>
+                  <a:lnTo>
+                    <a:pt x="902" y="1803"/>
+                  </a:lnTo>
+                  <a:lnTo>
+                    <a:pt x="902" y="1803"/>
+                  </a:lnTo>
+                  <a:lnTo>
+                    <a:pt x="731" y="1779"/>
+                  </a:lnTo>
+                  <a:lnTo>
+                    <a:pt x="561" y="1730"/>
+                  </a:lnTo>
+                  <a:lnTo>
+                    <a:pt x="390" y="1657"/>
+                  </a:lnTo>
+                  <a:lnTo>
+                    <a:pt x="268" y="1535"/>
+                  </a:lnTo>
+                  <a:lnTo>
+                    <a:pt x="147" y="1414"/>
+                  </a:lnTo>
+                  <a:lnTo>
+                    <a:pt x="73" y="1243"/>
+                  </a:lnTo>
+                  <a:lnTo>
+                    <a:pt x="25" y="1073"/>
+                  </a:lnTo>
+                  <a:lnTo>
+                    <a:pt x="0" y="902"/>
+                  </a:lnTo>
+                  <a:lnTo>
+                    <a:pt x="0" y="902"/>
+                  </a:lnTo>
+                </a:path>
+              </a:pathLst>
+            </a:custGeom>
+            <a:noFill/>
+            <a:ln w="12175" cap="rnd" cmpd="sng">
+              <a:solidFill>
+                <a:srgbClr val="FF9800"/>
+              </a:solidFill>
+              <a:prstDash val="solid"/>
+              <a:round/>
+              <a:headEnd type="none" w="med" len="med"/>
+              <a:tailEnd type="none" w="med" len="med"/>
+            </a:ln>
+          </p:spPr>
+          <p:txBody>
+            <a:bodyPr wrap="square" lIns="91425" tIns="91425" rIns="91425" bIns="91425" anchor="ctr" anchorCtr="0">
+              <a:noAutofit/>
+            </a:bodyPr>
+            <a:lstStyle/>
+            <a:p>
+              <a:pPr lvl="0">
+                <a:spcBef>
+                  <a:spcPts val="0"/>
+                </a:spcBef>
+                <a:buNone/>
+              </a:pPr>
+              <a:endParaRPr/>
+            </a:p>
+          </p:txBody>
+        </p:sp>
+        <p:sp>
+          <p:nvSpPr>
+            <p:cNvPr id="200" name="Shape 200"/>
+            <p:cNvSpPr/>
+            <p:nvPr/>
+          </p:nvSpPr>
+          <p:spPr>
+            <a:xfrm>
+              <a:off x="649925" y="590050"/>
+              <a:ext cx="133975" cy="25"/>
+            </a:xfrm>
+            <a:custGeom>
+              <a:avLst/>
+              <a:gdLst/>
+              <a:ahLst/>
+              <a:cxnLst/>
+              <a:rect l="0" t="0" r="0" b="0"/>
+              <a:pathLst>
+                <a:path w="5359" h="1" fill="none" extrusionOk="0">
+                  <a:moveTo>
+                    <a:pt x="5358" y="0"/>
+                  </a:moveTo>
+                  <a:lnTo>
+                    <a:pt x="0" y="0"/>
+                  </a:lnTo>
+                </a:path>
+              </a:pathLst>
+            </a:custGeom>
+            <a:noFill/>
+            <a:ln w="12175" cap="rnd" cmpd="sng">
+              <a:solidFill>
+                <a:srgbClr val="FF9800"/>
+              </a:solidFill>
+              <a:prstDash val="solid"/>
+              <a:round/>
+              <a:headEnd type="none" w="med" len="med"/>
+              <a:tailEnd type="none" w="med" len="med"/>
+            </a:ln>
+          </p:spPr>
+          <p:txBody>
+            <a:bodyPr wrap="square" lIns="91425" tIns="91425" rIns="91425" bIns="91425" anchor="ctr" anchorCtr="0">
+              <a:noAutofit/>
+            </a:bodyPr>
+            <a:lstStyle/>
+            <a:p>
+              <a:pPr lvl="0">
+                <a:spcBef>
+                  <a:spcPts val="0"/>
+                </a:spcBef>
+                <a:buNone/>
+              </a:pPr>
+              <a:endParaRPr/>
+            </a:p>
+          </p:txBody>
+        </p:sp>
+        <p:sp>
+          <p:nvSpPr>
+            <p:cNvPr id="201" name="Shape 201"/>
+            <p:cNvSpPr/>
+            <p:nvPr/>
+          </p:nvSpPr>
+          <p:spPr>
+            <a:xfrm>
+              <a:off x="649925" y="534625"/>
+              <a:ext cx="255750" cy="25"/>
+            </a:xfrm>
+            <a:custGeom>
+              <a:avLst/>
+              <a:gdLst/>
+              <a:ahLst/>
+              <a:cxnLst/>
+              <a:rect l="0" t="0" r="0" b="0"/>
+              <a:pathLst>
+                <a:path w="10230" h="1" fill="none" extrusionOk="0">
+                  <a:moveTo>
+                    <a:pt x="10229" y="1"/>
+                  </a:moveTo>
+                  <a:lnTo>
+                    <a:pt x="0" y="1"/>
+                  </a:lnTo>
+                </a:path>
+              </a:pathLst>
+            </a:custGeom>
+            <a:noFill/>
+            <a:ln w="12175" cap="rnd" cmpd="sng">
+              <a:solidFill>
+                <a:srgbClr val="FF9800"/>
+              </a:solidFill>
+              <a:prstDash val="solid"/>
+              <a:round/>
+              <a:headEnd type="none" w="med" len="med"/>
+              <a:tailEnd type="none" w="med" len="med"/>
+            </a:ln>
+          </p:spPr>
+          <p:txBody>
+            <a:bodyPr wrap="square" lIns="91425" tIns="91425" rIns="91425" bIns="91425" anchor="ctr" anchorCtr="0">
+              <a:noAutofit/>
+            </a:bodyPr>
+            <a:lstStyle/>
+            <a:p>
+              <a:pPr lvl="0">
+                <a:spcBef>
+                  <a:spcPts val="0"/>
+                </a:spcBef>
+                <a:buNone/>
+              </a:pPr>
+              <a:endParaRPr/>
+            </a:p>
+          </p:txBody>
+        </p:sp>
+        <p:sp>
+          <p:nvSpPr>
+            <p:cNvPr id="202" name="Shape 202"/>
+            <p:cNvSpPr/>
+            <p:nvPr/>
+          </p:nvSpPr>
+          <p:spPr>
+            <a:xfrm>
+              <a:off x="649925" y="479825"/>
+              <a:ext cx="255750" cy="25"/>
+            </a:xfrm>
+            <a:custGeom>
+              <a:avLst/>
+              <a:gdLst/>
+              <a:ahLst/>
+              <a:cxnLst/>
+              <a:rect l="0" t="0" r="0" b="0"/>
+              <a:pathLst>
+                <a:path w="10230" h="1" fill="none" extrusionOk="0">
+                  <a:moveTo>
+                    <a:pt x="10229" y="1"/>
+                  </a:moveTo>
+                  <a:lnTo>
+                    <a:pt x="0" y="1"/>
+                  </a:lnTo>
+                </a:path>
+              </a:pathLst>
+            </a:custGeom>
+            <a:noFill/>
+            <a:ln w="12175" cap="rnd" cmpd="sng">
+              <a:solidFill>
+                <a:srgbClr val="FF9800"/>
+              </a:solidFill>
+              <a:prstDash val="solid"/>
+              <a:round/>
+              <a:headEnd type="none" w="med" len="med"/>
+              <a:tailEnd type="none" w="med" len="med"/>
+            </a:ln>
+          </p:spPr>
+          <p:txBody>
+            <a:bodyPr wrap="square" lIns="91425" tIns="91425" rIns="91425" bIns="91425" anchor="ctr" anchorCtr="0">
+              <a:noAutofit/>
+            </a:bodyPr>
+            <a:lstStyle/>
+            <a:p>
+              <a:pPr lvl="0">
+                <a:spcBef>
+                  <a:spcPts val="0"/>
+                </a:spcBef>
+                <a:buNone/>
+              </a:pPr>
+              <a:endParaRPr/>
+            </a:p>
+          </p:txBody>
+        </p:sp>
+        <p:sp>
+          <p:nvSpPr>
+            <p:cNvPr id="203" name="Shape 203"/>
+            <p:cNvSpPr/>
+            <p:nvPr/>
+          </p:nvSpPr>
+          <p:spPr>
+            <a:xfrm>
+              <a:off x="649925" y="424425"/>
+              <a:ext cx="255750" cy="25"/>
+            </a:xfrm>
+            <a:custGeom>
+              <a:avLst/>
+              <a:gdLst/>
+              <a:ahLst/>
+              <a:cxnLst/>
+              <a:rect l="0" t="0" r="0" b="0"/>
+              <a:pathLst>
+                <a:path w="10230" h="1" fill="none" extrusionOk="0">
+                  <a:moveTo>
+                    <a:pt x="10229" y="1"/>
+                  </a:moveTo>
+                  <a:lnTo>
+                    <a:pt x="0" y="1"/>
+                  </a:lnTo>
+                </a:path>
+              </a:pathLst>
+            </a:custGeom>
+            <a:noFill/>
+            <a:ln w="12175" cap="rnd" cmpd="sng">
+              <a:solidFill>
+                <a:srgbClr val="FF9800"/>
+              </a:solidFill>
+              <a:prstDash val="solid"/>
+              <a:round/>
+              <a:headEnd type="none" w="med" len="med"/>
+              <a:tailEnd type="none" w="med" len="med"/>
+            </a:ln>
+          </p:spPr>
+          <p:txBody>
+            <a:bodyPr wrap="square" lIns="91425" tIns="91425" rIns="91425" bIns="91425" anchor="ctr" anchorCtr="0">
+              <a:noAutofit/>
+            </a:bodyPr>
+            <a:lstStyle/>
+            <a:p>
+              <a:pPr lvl="0">
+                <a:spcBef>
+                  <a:spcPts val="0"/>
+                </a:spcBef>
+                <a:buNone/>
+              </a:pPr>
+              <a:endParaRPr/>
+            </a:p>
+          </p:txBody>
+        </p:sp>
+        <p:sp>
+          <p:nvSpPr>
+            <p:cNvPr id="204" name="Shape 204"/>
+            <p:cNvSpPr/>
+            <p:nvPr/>
+          </p:nvSpPr>
+          <p:spPr>
+            <a:xfrm>
+              <a:off x="879475" y="274025"/>
+              <a:ext cx="45075" cy="45100"/>
+            </a:xfrm>
+            <a:custGeom>
+              <a:avLst/>
+              <a:gdLst/>
+              <a:ahLst/>
+              <a:cxnLst/>
+              <a:rect l="0" t="0" r="0" b="0"/>
+              <a:pathLst>
+                <a:path w="1803" h="1804" fill="none" extrusionOk="0">
+                  <a:moveTo>
+                    <a:pt x="901" y="1803"/>
+                  </a:moveTo>
+                  <a:lnTo>
+                    <a:pt x="901" y="1803"/>
+                  </a:lnTo>
+                  <a:lnTo>
+                    <a:pt x="731" y="1779"/>
+                  </a:lnTo>
+                  <a:lnTo>
+                    <a:pt x="560" y="1730"/>
+                  </a:lnTo>
+                  <a:lnTo>
+                    <a:pt x="390" y="1657"/>
+                  </a:lnTo>
+                  <a:lnTo>
+                    <a:pt x="268" y="1535"/>
+                  </a:lnTo>
+                  <a:lnTo>
+                    <a:pt x="146" y="1414"/>
+                  </a:lnTo>
+                  <a:lnTo>
+                    <a:pt x="73" y="1243"/>
+                  </a:lnTo>
+                  <a:lnTo>
+                    <a:pt x="25" y="1073"/>
+                  </a:lnTo>
+                  <a:lnTo>
+                    <a:pt x="0" y="902"/>
+                  </a:lnTo>
+                  <a:lnTo>
+                    <a:pt x="0" y="902"/>
+                  </a:lnTo>
+                  <a:lnTo>
+                    <a:pt x="25" y="732"/>
+                  </a:lnTo>
+                  <a:lnTo>
+                    <a:pt x="73" y="561"/>
+                  </a:lnTo>
+                  <a:lnTo>
+                    <a:pt x="146" y="391"/>
+                  </a:lnTo>
+                  <a:lnTo>
+                    <a:pt x="268" y="269"/>
+                  </a:lnTo>
+                  <a:lnTo>
+                    <a:pt x="390" y="147"/>
+                  </a:lnTo>
+                  <a:lnTo>
+                    <a:pt x="560" y="74"/>
+                  </a:lnTo>
+                  <a:lnTo>
+                    <a:pt x="731" y="25"/>
+                  </a:lnTo>
+                  <a:lnTo>
+                    <a:pt x="901" y="1"/>
+                  </a:lnTo>
+                  <a:lnTo>
+                    <a:pt x="901" y="1"/>
+                  </a:lnTo>
+                  <a:lnTo>
+                    <a:pt x="1072" y="25"/>
+                  </a:lnTo>
+                  <a:lnTo>
+                    <a:pt x="1242" y="74"/>
+                  </a:lnTo>
+                  <a:lnTo>
+                    <a:pt x="1413" y="147"/>
+                  </a:lnTo>
+                  <a:lnTo>
+                    <a:pt x="1535" y="269"/>
+                  </a:lnTo>
+                  <a:lnTo>
+                    <a:pt x="1656" y="391"/>
+                  </a:lnTo>
+                  <a:lnTo>
+                    <a:pt x="1729" y="561"/>
+                  </a:lnTo>
+                  <a:lnTo>
+                    <a:pt x="1778" y="732"/>
+                  </a:lnTo>
+                  <a:lnTo>
+                    <a:pt x="1802" y="902"/>
+                  </a:lnTo>
+                  <a:lnTo>
+                    <a:pt x="1802" y="902"/>
+                  </a:lnTo>
+                  <a:lnTo>
+                    <a:pt x="1778" y="1073"/>
+                  </a:lnTo>
+                  <a:lnTo>
+                    <a:pt x="1729" y="1243"/>
+                  </a:lnTo>
+                  <a:lnTo>
+                    <a:pt x="1656" y="1414"/>
+                  </a:lnTo>
+                  <a:lnTo>
+                    <a:pt x="1535" y="1535"/>
+                  </a:lnTo>
+                  <a:lnTo>
+                    <a:pt x="1413" y="1657"/>
+                  </a:lnTo>
+                  <a:lnTo>
+                    <a:pt x="1242" y="1730"/>
+                  </a:lnTo>
+                  <a:lnTo>
+                    <a:pt x="1072" y="1779"/>
+                  </a:lnTo>
+                  <a:lnTo>
+                    <a:pt x="901" y="1803"/>
+                  </a:lnTo>
+                  <a:lnTo>
+                    <a:pt x="901" y="1803"/>
+                  </a:lnTo>
+                </a:path>
+              </a:pathLst>
+            </a:custGeom>
+            <a:noFill/>
+            <a:ln w="12175" cap="rnd" cmpd="sng">
+              <a:solidFill>
+                <a:srgbClr val="FF9800"/>
+              </a:solidFill>
+              <a:prstDash val="solid"/>
+              <a:round/>
+              <a:headEnd type="none" w="med" len="med"/>
+              <a:tailEnd type="none" w="med" len="med"/>
+            </a:ln>
+          </p:spPr>
+          <p:txBody>
+            <a:bodyPr wrap="square" lIns="91425" tIns="91425" rIns="91425" bIns="91425" anchor="ctr" anchorCtr="0">
+              <a:noAutofit/>
+            </a:bodyPr>
+            <a:lstStyle/>
+            <a:p>
+              <a:pPr lvl="0">
+                <a:spcBef>
+                  <a:spcPts val="0"/>
+                </a:spcBef>
+                <a:buNone/>
+              </a:pPr>
+              <a:endParaRPr/>
+            </a:p>
+          </p:txBody>
+        </p:sp>
+        <p:sp>
+          <p:nvSpPr>
+            <p:cNvPr id="205" name="Shape 205"/>
+            <p:cNvSpPr/>
+            <p:nvPr/>
+          </p:nvSpPr>
+          <p:spPr>
+            <a:xfrm>
+              <a:off x="654800" y="244200"/>
+              <a:ext cx="25" cy="51175"/>
+            </a:xfrm>
+            <a:custGeom>
+              <a:avLst/>
+              <a:gdLst/>
+              <a:ahLst/>
+              <a:cxnLst/>
+              <a:rect l="0" t="0" r="0" b="0"/>
+              <a:pathLst>
+                <a:path w="1" h="2047" fill="none" extrusionOk="0">
+                  <a:moveTo>
+                    <a:pt x="0" y="1"/>
+                  </a:moveTo>
+                  <a:lnTo>
+                    <a:pt x="0" y="2046"/>
+                  </a:lnTo>
+                </a:path>
+              </a:pathLst>
+            </a:custGeom>
+            <a:noFill/>
+            <a:ln w="12175" cap="rnd" cmpd="sng">
+              <a:solidFill>
+                <a:srgbClr val="FF9800"/>
+              </a:solidFill>
+              <a:prstDash val="solid"/>
+              <a:round/>
+              <a:headEnd type="none" w="med" len="med"/>
+              <a:tailEnd type="none" w="med" len="med"/>
+            </a:ln>
+          </p:spPr>
+          <p:txBody>
+            <a:bodyPr wrap="square" lIns="91425" tIns="91425" rIns="91425" bIns="91425" anchor="ctr" anchorCtr="0">
+              <a:noAutofit/>
+            </a:bodyPr>
+            <a:lstStyle/>
+            <a:p>
+              <a:pPr lvl="0">
+                <a:spcBef>
+                  <a:spcPts val="0"/>
+                </a:spcBef>
+                <a:buNone/>
+              </a:pPr>
+              <a:endParaRPr/>
+            </a:p>
+          </p:txBody>
+        </p:sp>
+        <p:sp>
+          <p:nvSpPr>
+            <p:cNvPr id="206" name="Shape 206"/>
+            <p:cNvSpPr/>
+            <p:nvPr/>
+          </p:nvSpPr>
+          <p:spPr>
+            <a:xfrm>
+              <a:off x="737600" y="244200"/>
+              <a:ext cx="25" cy="51175"/>
+            </a:xfrm>
+            <a:custGeom>
+              <a:avLst/>
+              <a:gdLst/>
+              <a:ahLst/>
+              <a:cxnLst/>
+              <a:rect l="0" t="0" r="0" b="0"/>
+              <a:pathLst>
+                <a:path w="1" h="2047" fill="none" extrusionOk="0">
+                  <a:moveTo>
+                    <a:pt x="1" y="1"/>
+                  </a:moveTo>
+                  <a:lnTo>
+                    <a:pt x="1" y="2046"/>
+                  </a:lnTo>
+                </a:path>
+              </a:pathLst>
+            </a:custGeom>
+            <a:noFill/>
+            <a:ln w="12175" cap="rnd" cmpd="sng">
+              <a:solidFill>
+                <a:srgbClr val="FF9800"/>
+              </a:solidFill>
+              <a:prstDash val="solid"/>
+              <a:round/>
+              <a:headEnd type="none" w="med" len="med"/>
+              <a:tailEnd type="none" w="med" len="med"/>
+            </a:ln>
+          </p:spPr>
+          <p:txBody>
+            <a:bodyPr wrap="square" lIns="91425" tIns="91425" rIns="91425" bIns="91425" anchor="ctr" anchorCtr="0">
+              <a:noAutofit/>
+            </a:bodyPr>
+            <a:lstStyle/>
+            <a:p>
+              <a:pPr lvl="0">
+                <a:spcBef>
+                  <a:spcPts val="0"/>
+                </a:spcBef>
+                <a:buNone/>
+              </a:pPr>
+              <a:endParaRPr/>
+            </a:p>
+          </p:txBody>
+        </p:sp>
+        <p:sp>
+          <p:nvSpPr>
+            <p:cNvPr id="207" name="Shape 207"/>
+            <p:cNvSpPr/>
+            <p:nvPr/>
+          </p:nvSpPr>
+          <p:spPr>
+            <a:xfrm>
+              <a:off x="820400" y="244200"/>
+              <a:ext cx="25" cy="51175"/>
+            </a:xfrm>
+            <a:custGeom>
+              <a:avLst/>
+              <a:gdLst/>
+              <a:ahLst/>
+              <a:cxnLst/>
+              <a:rect l="0" t="0" r="0" b="0"/>
+              <a:pathLst>
+                <a:path w="1" h="2047" fill="none" extrusionOk="0">
+                  <a:moveTo>
+                    <a:pt x="1" y="1"/>
+                  </a:moveTo>
+                  <a:lnTo>
+                    <a:pt x="1" y="2046"/>
+                  </a:lnTo>
+                </a:path>
+              </a:pathLst>
+            </a:custGeom>
+            <a:noFill/>
+            <a:ln w="12175" cap="rnd" cmpd="sng">
+              <a:solidFill>
+                <a:srgbClr val="FF9800"/>
+              </a:solidFill>
+              <a:prstDash val="solid"/>
+              <a:round/>
+              <a:headEnd type="none" w="med" len="med"/>
+              <a:tailEnd type="none" w="med" len="med"/>
+            </a:ln>
+          </p:spPr>
+          <p:txBody>
+            <a:bodyPr wrap="square" lIns="91425" tIns="91425" rIns="91425" bIns="91425" anchor="ctr" anchorCtr="0">
+              <a:noAutofit/>
+            </a:bodyPr>
+            <a:lstStyle/>
+            <a:p>
+              <a:pPr lvl="0">
+                <a:spcBef>
+                  <a:spcPts val="0"/>
+                </a:spcBef>
+                <a:buNone/>
+              </a:pPr>
+              <a:endParaRPr/>
+            </a:p>
+          </p:txBody>
+        </p:sp>
+        <p:sp>
+          <p:nvSpPr>
+            <p:cNvPr id="208" name="Shape 208"/>
+            <p:cNvSpPr/>
+            <p:nvPr/>
+          </p:nvSpPr>
+          <p:spPr>
+            <a:xfrm>
+              <a:off x="903225" y="244200"/>
+              <a:ext cx="25" cy="51175"/>
+            </a:xfrm>
+            <a:custGeom>
+              <a:avLst/>
+              <a:gdLst/>
+              <a:ahLst/>
+              <a:cxnLst/>
+              <a:rect l="0" t="0" r="0" b="0"/>
+              <a:pathLst>
+                <a:path w="1" h="2047" fill="none" extrusionOk="0">
+                  <a:moveTo>
+                    <a:pt x="0" y="1"/>
+                  </a:moveTo>
+                  <a:lnTo>
+                    <a:pt x="0" y="2046"/>
+                  </a:lnTo>
+                </a:path>
+              </a:pathLst>
+            </a:custGeom>
+            <a:noFill/>
+            <a:ln w="12175" cap="rnd" cmpd="sng">
+              <a:solidFill>
+                <a:srgbClr val="FF9800"/>
+              </a:solidFill>
+              <a:prstDash val="solid"/>
+              <a:round/>
+              <a:headEnd type="none" w="med" len="med"/>
+              <a:tailEnd type="none" w="med" len="med"/>
+            </a:ln>
+          </p:spPr>
+          <p:txBody>
+            <a:bodyPr wrap="square" lIns="91425" tIns="91425" rIns="91425" bIns="91425" anchor="ctr" anchorCtr="0">
+              <a:noAutofit/>
+            </a:bodyPr>
+            <a:lstStyle/>
+            <a:p>
+              <a:pPr lvl="0">
+                <a:spcBef>
+                  <a:spcPts val="0"/>
+                </a:spcBef>
+                <a:buNone/>
+              </a:pPr>
+              <a:endParaRPr/>
+            </a:p>
+          </p:txBody>
+        </p:sp>
+      </p:grpSp>
+      <p:pic>
+        <p:nvPicPr>
           <p:cNvPr id="4" name="Picture 3" descr="Screen Shot 2017-12-03 at 12.51.59 AM.png"/>
           <p:cNvPicPr>
             <a:picLocks noChangeAspect="1"/>
@@ -7706,7 +8159,7 @@
 </p:sld>
 </file>
 
-<file path=ppt/slides/slide7.xml><?xml version="1.0" encoding="utf-8"?>
+<file path=ppt/slides/slide8.xml><?xml version="1.0" encoding="utf-8"?>
 <p:sld xmlns:a="http://schemas.openxmlformats.org/drawingml/2006/main" xmlns:r="http://schemas.openxmlformats.org/officeDocument/2006/relationships" xmlns:p="http://schemas.openxmlformats.org/presentationml/2006/main">
   <p:cSld>
     <p:spTree>
@@ -7795,7 +8248,7 @@
             </a:pPr>
             <a:fld id="{00000000-1234-1234-1234-123412341234}" type="slidenum">
               <a:rPr lang="en"/>
-              <a:t>7</a:t>
+              <a:t>8</a:t>
             </a:fld>
             <a:endParaRPr lang="en"/>
           </a:p>
@@ -9278,7 +9731,7 @@
 </p:sld>
 </file>
 
-<file path=ppt/slides/slide8.xml><?xml version="1.0" encoding="utf-8"?>
+<file path=ppt/slides/slide9.xml><?xml version="1.0" encoding="utf-8"?>
 <p:sld xmlns:a="http://schemas.openxmlformats.org/drawingml/2006/main" xmlns:r="http://schemas.openxmlformats.org/officeDocument/2006/relationships" xmlns:p="http://schemas.openxmlformats.org/presentationml/2006/main">
   <p:cSld>
     <p:spTree>
@@ -9361,7 +9814,7 @@
             </a:pPr>
             <a:fld id="{00000000-1234-1234-1234-123412341234}" type="slidenum">
               <a:rPr lang="en"/>
-              <a:t>8</a:t>
+              <a:t>9</a:t>
             </a:fld>
             <a:endParaRPr lang="en"/>
           </a:p>

--- a/RxSwiftBasics/day4/RxSwiftBasics4.pptx
+++ b/RxSwiftBasics/day4/RxSwiftBasics4.pptx
@@ -5,18 +5,19 @@
     <p:sldMasterId id="2147483657" r:id="rId1"/>
   </p:sldMasterIdLst>
   <p:notesMasterIdLst>
-    <p:notesMasterId r:id="rId11"/>
+    <p:notesMasterId r:id="rId12"/>
   </p:notesMasterIdLst>
   <p:sldIdLst>
     <p:sldId id="256" r:id="rId2"/>
     <p:sldId id="266" r:id="rId3"/>
-    <p:sldId id="257" r:id="rId4"/>
-    <p:sldId id="258" r:id="rId5"/>
-    <p:sldId id="261" r:id="rId6"/>
-    <p:sldId id="262" r:id="rId7"/>
-    <p:sldId id="263" r:id="rId8"/>
-    <p:sldId id="264" r:id="rId9"/>
-    <p:sldId id="265" r:id="rId10"/>
+    <p:sldId id="268" r:id="rId4"/>
+    <p:sldId id="257" r:id="rId5"/>
+    <p:sldId id="258" r:id="rId6"/>
+    <p:sldId id="261" r:id="rId7"/>
+    <p:sldId id="262" r:id="rId8"/>
+    <p:sldId id="263" r:id="rId9"/>
+    <p:sldId id="264" r:id="rId10"/>
+    <p:sldId id="265" r:id="rId11"/>
   </p:sldIdLst>
   <p:sldSz cx="9144000" cy="5143500" type="screen16x9"/>
   <p:notesSz cx="6858000" cy="9144000"/>
@@ -566,6 +567,107 @@
       <p:sp>
         <p:nvSpPr>
           <p:cNvPr id="182" name="Shape 182"/>
+          <p:cNvSpPr txBox="1">
+            <a:spLocks noGrp="1"/>
+          </p:cNvSpPr>
+          <p:nvPr>
+            <p:ph type="body" idx="1"/>
+          </p:nvPr>
+        </p:nvSpPr>
+        <p:spPr>
+          <a:xfrm>
+            <a:off x="685800" y="4343400"/>
+            <a:ext cx="5486400" cy="4114800"/>
+          </a:xfrm>
+          <a:prstGeom prst="rect">
+            <a:avLst/>
+          </a:prstGeom>
+        </p:spPr>
+        <p:txBody>
+          <a:bodyPr wrap="square" lIns="91425" tIns="91425" rIns="91425" bIns="91425" anchor="t" anchorCtr="0">
+            <a:noAutofit/>
+          </a:bodyPr>
+          <a:lstStyle/>
+          <a:p>
+            <a:pPr lvl="0">
+              <a:spcBef>
+                <a:spcPts val="0"/>
+              </a:spcBef>
+              <a:buNone/>
+            </a:pPr>
+            <a:endParaRPr/>
+          </a:p>
+        </p:txBody>
+      </p:sp>
+    </p:spTree>
+  </p:cSld>
+  <p:clrMapOvr>
+    <a:masterClrMapping/>
+  </p:clrMapOvr>
+</p:notes>
+</file>
+
+<file path=ppt/notesSlides/notesSlide10.xml><?xml version="1.0" encoding="utf-8"?>
+<p:notes xmlns:a="http://schemas.openxmlformats.org/drawingml/2006/main" xmlns:r="http://schemas.openxmlformats.org/officeDocument/2006/relationships" xmlns:p="http://schemas.openxmlformats.org/presentationml/2006/main" showMasterSp="0" showMasterPhAnim="0">
+  <p:cSld>
+    <p:spTree>
+      <p:nvGrpSpPr>
+        <p:cNvPr id="1" name="Shape 185"/>
+        <p:cNvGrpSpPr/>
+        <p:nvPr/>
+      </p:nvGrpSpPr>
+      <p:grpSpPr>
+        <a:xfrm>
+          <a:off x="0" y="0"/>
+          <a:ext cx="0" cy="0"/>
+          <a:chOff x="0" y="0"/>
+          <a:chExt cx="0" cy="0"/>
+        </a:xfrm>
+      </p:grpSpPr>
+      <p:sp>
+        <p:nvSpPr>
+          <p:cNvPr id="186" name="Shape 186"/>
+          <p:cNvSpPr>
+            <a:spLocks noGrp="1" noRot="1" noChangeAspect="1"/>
+          </p:cNvSpPr>
+          <p:nvPr>
+            <p:ph type="sldImg" idx="2"/>
+          </p:nvPr>
+        </p:nvSpPr>
+        <p:spPr>
+          <a:xfrm>
+            <a:off x="381000" y="685800"/>
+            <a:ext cx="6096000" cy="3429000"/>
+          </a:xfrm>
+          <a:custGeom>
+            <a:avLst/>
+            <a:gdLst/>
+            <a:ahLst/>
+            <a:cxnLst/>
+            <a:rect l="0" t="0" r="0" b="0"/>
+            <a:pathLst>
+              <a:path w="120000" h="120000" extrusionOk="0">
+                <a:moveTo>
+                  <a:pt x="0" y="0"/>
+                </a:moveTo>
+                <a:lnTo>
+                  <a:pt x="120000" y="0"/>
+                </a:lnTo>
+                <a:lnTo>
+                  <a:pt x="120000" y="120000"/>
+                </a:lnTo>
+                <a:lnTo>
+                  <a:pt x="0" y="120000"/>
+                </a:lnTo>
+                <a:close/>
+              </a:path>
+            </a:pathLst>
+          </a:custGeom>
+        </p:spPr>
+      </p:sp>
+      <p:sp>
+        <p:nvSpPr>
+          <p:cNvPr id="187" name="Shape 187"/>
           <p:cNvSpPr txBox="1">
             <a:spLocks noGrp="1"/>
           </p:cNvSpPr>
@@ -4087,6 +4189,192 @@
 </p:sld>
 </file>
 
+<file path=ppt/slides/slide10.xml><?xml version="1.0" encoding="utf-8"?>
+<p:sld xmlns:a="http://schemas.openxmlformats.org/drawingml/2006/main" xmlns:r="http://schemas.openxmlformats.org/officeDocument/2006/relationships" xmlns:p="http://schemas.openxmlformats.org/presentationml/2006/main">
+  <p:cSld>
+    <p:spTree>
+      <p:nvGrpSpPr>
+        <p:cNvPr id="1" name="Shape 188"/>
+        <p:cNvGrpSpPr/>
+        <p:nvPr/>
+      </p:nvGrpSpPr>
+      <p:grpSpPr>
+        <a:xfrm>
+          <a:off x="0" y="0"/>
+          <a:ext cx="0" cy="0"/>
+          <a:chOff x="0" y="0"/>
+          <a:chExt cx="0" cy="0"/>
+        </a:xfrm>
+      </p:grpSpPr>
+      <p:sp>
+        <p:nvSpPr>
+          <p:cNvPr id="189" name="Shape 189"/>
+          <p:cNvSpPr txBox="1">
+            <a:spLocks noGrp="1"/>
+          </p:cNvSpPr>
+          <p:nvPr>
+            <p:ph type="title"/>
+          </p:nvPr>
+        </p:nvSpPr>
+        <p:spPr>
+          <a:xfrm>
+            <a:off x="814275" y="463877"/>
+            <a:ext cx="6009403" cy="520452"/>
+          </a:xfrm>
+          <a:prstGeom prst="rect">
+            <a:avLst/>
+          </a:prstGeom>
+        </p:spPr>
+        <p:txBody>
+          <a:bodyPr wrap="square" lIns="91425" tIns="91425" rIns="91425" bIns="91425" anchor="ctr" anchorCtr="0">
+            <a:noAutofit/>
+          </a:bodyPr>
+          <a:lstStyle/>
+          <a:p>
+            <a:r>
+              <a:rPr lang="en-US" dirty="0" smtClean="0"/>
+              <a:t>Lab</a:t>
+            </a:r>
+            <a:endParaRPr lang="en-US" dirty="0"/>
+          </a:p>
+        </p:txBody>
+      </p:sp>
+      <p:sp>
+        <p:nvSpPr>
+          <p:cNvPr id="192" name="Shape 192"/>
+          <p:cNvSpPr txBox="1">
+            <a:spLocks noGrp="1"/>
+          </p:cNvSpPr>
+          <p:nvPr>
+            <p:ph type="sldNum" idx="12"/>
+          </p:nvPr>
+        </p:nvSpPr>
+        <p:spPr>
+          <a:xfrm>
+            <a:off x="7618000" y="4636500"/>
+            <a:ext cx="1487400" cy="315600"/>
+          </a:xfrm>
+          <a:prstGeom prst="rect">
+            <a:avLst/>
+          </a:prstGeom>
+        </p:spPr>
+        <p:txBody>
+          <a:bodyPr wrap="square" lIns="91425" tIns="91425" rIns="91425" bIns="91425" anchor="ctr" anchorCtr="0">
+            <a:noAutofit/>
+          </a:bodyPr>
+          <a:lstStyle/>
+          <a:p>
+            <a:pPr lvl="0">
+              <a:spcBef>
+                <a:spcPts val="0"/>
+              </a:spcBef>
+              <a:buNone/>
+            </a:pPr>
+            <a:fld id="{00000000-1234-1234-1234-123412341234}" type="slidenum">
+              <a:rPr lang="en"/>
+              <a:t>10</a:t>
+            </a:fld>
+            <a:endParaRPr lang="en"/>
+          </a:p>
+        </p:txBody>
+      </p:sp>
+      <p:pic>
+        <p:nvPicPr>
+          <p:cNvPr id="2" name="Picture 1" descr="Rx_Logo_M.png"/>
+          <p:cNvPicPr>
+            <a:picLocks noChangeAspect="1"/>
+          </p:cNvPicPr>
+          <p:nvPr/>
+        </p:nvPicPr>
+        <p:blipFill>
+          <a:blip r:embed="rId3">
+            <a:extLst>
+              <a:ext uri="{28A0092B-C50C-407E-A947-70E740481C1C}">
+                <a14:useLocalDpi xmlns:a14="http://schemas.microsoft.com/office/drawing/2010/main" val="0"/>
+              </a:ext>
+            </a:extLst>
+          </a:blip>
+          <a:stretch>
+            <a:fillRect/>
+          </a:stretch>
+        </p:blipFill>
+        <p:spPr>
+          <a:xfrm>
+            <a:off x="151129" y="442005"/>
+            <a:ext cx="663146" cy="663146"/>
+          </a:xfrm>
+          <a:prstGeom prst="rect">
+            <a:avLst/>
+          </a:prstGeom>
+        </p:spPr>
+      </p:pic>
+      <p:sp>
+        <p:nvSpPr>
+          <p:cNvPr id="4" name="TextBox 3"/>
+          <p:cNvSpPr txBox="1"/>
+          <p:nvPr/>
+        </p:nvSpPr>
+        <p:spPr>
+          <a:xfrm>
+            <a:off x="929409" y="1766454"/>
+            <a:ext cx="2557110" cy="738664"/>
+          </a:xfrm>
+          <a:prstGeom prst="rect">
+            <a:avLst/>
+          </a:prstGeom>
+          <a:noFill/>
+        </p:spPr>
+        <p:txBody>
+          <a:bodyPr wrap="none" rtlCol="0">
+            <a:spAutoFit/>
+          </a:bodyPr>
+          <a:lstStyle/>
+          <a:p>
+            <a:pPr marL="285750" indent="-285750">
+              <a:buFontTx/>
+              <a:buChar char="-"/>
+            </a:pPr>
+            <a:r>
+              <a:rPr lang="en-US" dirty="0" smtClean="0"/>
+              <a:t>Serial, Multi Calls</a:t>
+            </a:r>
+          </a:p>
+          <a:p>
+            <a:endParaRPr lang="en-US" dirty="0" smtClean="0"/>
+          </a:p>
+          <a:p>
+            <a:pPr marL="285750" indent="-285750">
+              <a:buFontTx/>
+              <a:buChar char="-"/>
+            </a:pPr>
+            <a:r>
+              <a:rPr lang="en-US" dirty="0" smtClean="0"/>
+              <a:t>Different Type Observable</a:t>
+            </a:r>
+            <a:endParaRPr lang="en-US" dirty="0"/>
+          </a:p>
+        </p:txBody>
+      </p:sp>
+    </p:spTree>
+    <p:extLst>
+      <p:ext uri="{BB962C8B-B14F-4D97-AF65-F5344CB8AC3E}">
+        <p14:creationId xmlns:p14="http://schemas.microsoft.com/office/powerpoint/2010/main" val="2474424928"/>
+      </p:ext>
+    </p:extLst>
+  </p:cSld>
+  <p:clrMapOvr>
+    <a:masterClrMapping/>
+  </p:clrMapOvr>
+  <p:timing>
+    <p:tnLst>
+      <p:par>
+        <p:cTn xmlns:p14="http://schemas.microsoft.com/office/powerpoint/2010/main" id="1" dur="indefinite" restart="never" nodeType="tmRoot"/>
+      </p:par>
+    </p:tnLst>
+  </p:timing>
+</p:sld>
+</file>
+
 <file path=ppt/slides/slide2.xml><?xml version="1.0" encoding="utf-8"?>
 <p:sld xmlns:a="http://schemas.openxmlformats.org/drawingml/2006/main" xmlns:r="http://schemas.openxmlformats.org/officeDocument/2006/relationships" xmlns:p="http://schemas.openxmlformats.org/presentationml/2006/main">
   <p:cSld>
@@ -4251,11 +4539,7 @@
             </a:r>
             <a:r>
               <a:rPr lang="en-US" dirty="0" smtClean="0"/>
-              <a:t> Observable, Operator (Filter, Transform, Combine</a:t>
-            </a:r>
-            <a:r>
-              <a:rPr lang="en-US" dirty="0" smtClean="0"/>
-              <a:t>)</a:t>
+              <a:t> Observable, Operator (Filter, Transform, Combine)</a:t>
             </a:r>
             <a:endParaRPr lang="en-US" b="1" dirty="0" smtClean="0"/>
           </a:p>
@@ -4333,11 +4617,7 @@
             </a:r>
             <a:r>
               <a:rPr lang="en-US" dirty="0" smtClean="0"/>
-              <a:t> (Button</a:t>
-            </a:r>
-            <a:r>
-              <a:rPr lang="en-US" dirty="0" smtClean="0"/>
-              <a:t>)</a:t>
+              <a:t> (Button)</a:t>
             </a:r>
             <a:endParaRPr lang="en-US" b="1" dirty="0"/>
           </a:p>
@@ -4360,11 +4640,7 @@
             </a:r>
             <a:r>
               <a:rPr lang="en-US" b="1" dirty="0" smtClean="0"/>
-              <a:t>Sequential, Merged Observable </a:t>
-            </a:r>
-            <a:r>
-              <a:rPr lang="en-US" b="1" dirty="0" smtClean="0"/>
-              <a:t>Calls</a:t>
+              <a:t>Sequential, Merged Observable Calls</a:t>
             </a:r>
           </a:p>
           <a:p>
@@ -4487,6 +4763,368 @@
               <a:buNone/>
             </a:pPr>
             <a:r>
+              <a:rPr lang="en-US" dirty="0" smtClean="0"/>
+              <a:t>Advanced </a:t>
+            </a:r>
+            <a:r>
+              <a:rPr lang="en-US" dirty="0" err="1" smtClean="0"/>
+              <a:t>RxSwift</a:t>
+            </a:r>
+            <a:endParaRPr lang="en" dirty="0"/>
+          </a:p>
+        </p:txBody>
+      </p:sp>
+      <p:sp>
+        <p:nvSpPr>
+          <p:cNvPr id="192" name="Shape 192"/>
+          <p:cNvSpPr txBox="1">
+            <a:spLocks noGrp="1"/>
+          </p:cNvSpPr>
+          <p:nvPr>
+            <p:ph type="sldNum" idx="12"/>
+          </p:nvPr>
+        </p:nvSpPr>
+        <p:spPr>
+          <a:xfrm>
+            <a:off x="7618000" y="4636500"/>
+            <a:ext cx="1487400" cy="315600"/>
+          </a:xfrm>
+          <a:prstGeom prst="rect">
+            <a:avLst/>
+          </a:prstGeom>
+        </p:spPr>
+        <p:txBody>
+          <a:bodyPr wrap="square" lIns="91425" tIns="91425" rIns="91425" bIns="91425" anchor="ctr" anchorCtr="0">
+            <a:noAutofit/>
+          </a:bodyPr>
+          <a:lstStyle/>
+          <a:p>
+            <a:pPr lvl="0">
+              <a:spcBef>
+                <a:spcPts val="0"/>
+              </a:spcBef>
+              <a:buNone/>
+            </a:pPr>
+            <a:fld id="{00000000-1234-1234-1234-123412341234}" type="slidenum">
+              <a:rPr lang="en"/>
+              <a:t>3</a:t>
+            </a:fld>
+            <a:endParaRPr lang="en"/>
+          </a:p>
+        </p:txBody>
+      </p:sp>
+      <p:pic>
+        <p:nvPicPr>
+          <p:cNvPr id="2" name="Picture 1" descr="Rx_Logo_M.png"/>
+          <p:cNvPicPr>
+            <a:picLocks noChangeAspect="1"/>
+          </p:cNvPicPr>
+          <p:nvPr/>
+        </p:nvPicPr>
+        <p:blipFill>
+          <a:blip r:embed="rId3">
+            <a:extLst>
+              <a:ext uri="{28A0092B-C50C-407E-A947-70E740481C1C}">
+                <a14:useLocalDpi xmlns:a14="http://schemas.microsoft.com/office/drawing/2010/main" val="0"/>
+              </a:ext>
+            </a:extLst>
+          </a:blip>
+          <a:stretch>
+            <a:fillRect/>
+          </a:stretch>
+        </p:blipFill>
+        <p:spPr>
+          <a:xfrm>
+            <a:off x="151129" y="442005"/>
+            <a:ext cx="663146" cy="663146"/>
+          </a:xfrm>
+          <a:prstGeom prst="rect">
+            <a:avLst/>
+          </a:prstGeom>
+        </p:spPr>
+      </p:pic>
+      <p:sp>
+        <p:nvSpPr>
+          <p:cNvPr id="9" name="Shape 237"/>
+          <p:cNvSpPr txBox="1">
+            <a:spLocks noGrp="1"/>
+          </p:cNvSpPr>
+          <p:nvPr>
+            <p:ph type="body" idx="1"/>
+          </p:nvPr>
+        </p:nvSpPr>
+        <p:spPr>
+          <a:xfrm>
+            <a:off x="151130" y="1650424"/>
+            <a:ext cx="8891026" cy="2862119"/>
+          </a:xfrm>
+          <a:prstGeom prst="rect">
+            <a:avLst/>
+          </a:prstGeom>
+        </p:spPr>
+        <p:txBody>
+          <a:bodyPr wrap="square" lIns="91425" tIns="91425" rIns="91425" bIns="91425" anchor="ctr" anchorCtr="0">
+            <a:noAutofit/>
+          </a:bodyPr>
+          <a:lstStyle/>
+          <a:p>
+            <a:r>
+              <a:rPr lang="en-US" dirty="0" smtClean="0"/>
+              <a:t>Day </a:t>
+            </a:r>
+            <a:r>
+              <a:rPr lang="en-US" dirty="0" smtClean="0"/>
+              <a:t>1 </a:t>
+            </a:r>
+            <a:r>
+              <a:rPr lang="mr-IN" dirty="0" smtClean="0"/>
+              <a:t>–</a:t>
+            </a:r>
+            <a:r>
+              <a:rPr lang="en-US" dirty="0" smtClean="0"/>
+              <a:t> Protocol-Oriented Programming, Protocol Extension, </a:t>
+            </a:r>
+            <a:r>
+              <a:rPr lang="en-US" dirty="0" err="1" smtClean="0"/>
+              <a:t>Associatetype</a:t>
+            </a:r>
+            <a:endParaRPr lang="en-US" dirty="0" smtClean="0"/>
+          </a:p>
+          <a:p>
+            <a:r>
+              <a:rPr lang="en-US" dirty="0"/>
+              <a:t>Day </a:t>
+            </a:r>
+            <a:r>
+              <a:rPr lang="en-US" dirty="0" smtClean="0"/>
+              <a:t>2 </a:t>
+            </a:r>
+            <a:r>
+              <a:rPr lang="mr-IN" dirty="0"/>
+              <a:t>–</a:t>
+            </a:r>
+            <a:r>
+              <a:rPr lang="en-US" dirty="0"/>
+              <a:t> </a:t>
+            </a:r>
+            <a:r>
+              <a:rPr lang="en-US" dirty="0" smtClean="0"/>
+              <a:t>Network Call, Generic </a:t>
+            </a:r>
+            <a:r>
+              <a:rPr lang="en-US" dirty="0" err="1" smtClean="0"/>
+              <a:t>Enum</a:t>
+            </a:r>
+            <a:endParaRPr lang="en-US" dirty="0"/>
+          </a:p>
+          <a:p>
+            <a:r>
+              <a:rPr lang="en-US" dirty="0"/>
+              <a:t>Day </a:t>
+            </a:r>
+            <a:r>
+              <a:rPr lang="en-US" dirty="0" smtClean="0"/>
+              <a:t>3 </a:t>
+            </a:r>
+            <a:r>
+              <a:rPr lang="mr-IN" dirty="0"/>
+              <a:t>–</a:t>
+            </a:r>
+            <a:r>
+              <a:rPr lang="en-US" dirty="0"/>
+              <a:t> </a:t>
+            </a:r>
+            <a:r>
+              <a:rPr lang="en-US" dirty="0" smtClean="0"/>
+              <a:t>Binding Track Activity (show / hide ‘Loading’ )</a:t>
+            </a:r>
+            <a:endParaRPr lang="en-US" dirty="0"/>
+          </a:p>
+          <a:p>
+            <a:r>
+              <a:rPr lang="en-US" dirty="0"/>
+              <a:t>Day </a:t>
+            </a:r>
+            <a:r>
+              <a:rPr lang="en-US" dirty="0" smtClean="0"/>
+              <a:t>4 </a:t>
+            </a:r>
+            <a:r>
+              <a:rPr lang="mr-IN" dirty="0"/>
+              <a:t>–</a:t>
+            </a:r>
+            <a:r>
+              <a:rPr lang="en-US" dirty="0"/>
+              <a:t> </a:t>
+            </a:r>
+            <a:r>
+              <a:rPr lang="en-US" dirty="0" smtClean="0"/>
+              <a:t>Advanced </a:t>
+            </a:r>
+            <a:r>
+              <a:rPr lang="en-US" dirty="0" err="1" smtClean="0"/>
+              <a:t>Tab</a:t>
+            </a:r>
+            <a:r>
+              <a:rPr lang="en-US" dirty="0" err="1" smtClean="0"/>
+              <a:t>leView</a:t>
+            </a:r>
+            <a:r>
+              <a:rPr lang="en-US" dirty="0" smtClean="0"/>
+              <a:t> - </a:t>
+            </a:r>
+            <a:r>
+              <a:rPr lang="en-US" dirty="0" err="1" smtClean="0"/>
+              <a:t>RxDataSources</a:t>
+            </a:r>
+            <a:endParaRPr lang="en-US" dirty="0"/>
+          </a:p>
+          <a:p>
+            <a:r>
+              <a:rPr lang="en-US" dirty="0"/>
+              <a:t>Day </a:t>
+            </a:r>
+            <a:r>
+              <a:rPr lang="en-US" dirty="0" smtClean="0"/>
+              <a:t>5 </a:t>
+            </a:r>
+            <a:r>
+              <a:rPr lang="mr-IN" dirty="0"/>
+              <a:t>–</a:t>
+            </a:r>
+            <a:r>
+              <a:rPr lang="en-US" dirty="0"/>
+              <a:t> </a:t>
+            </a:r>
+            <a:r>
+              <a:rPr lang="en-US" dirty="0" smtClean="0"/>
+              <a:t>Schedu</a:t>
+            </a:r>
+            <a:r>
+              <a:rPr lang="en-US" dirty="0" smtClean="0"/>
+              <a:t>lers (</a:t>
+            </a:r>
+            <a:r>
+              <a:rPr lang="en-US" dirty="0" err="1" smtClean="0"/>
+              <a:t>observeOn</a:t>
+            </a:r>
+            <a:r>
+              <a:rPr lang="en-US" dirty="0" smtClean="0"/>
+              <a:t>, </a:t>
+            </a:r>
+            <a:r>
+              <a:rPr lang="en-US" dirty="0" err="1" smtClean="0"/>
+              <a:t>subscribeOn</a:t>
+            </a:r>
+            <a:r>
+              <a:rPr lang="en-US" dirty="0" smtClean="0"/>
+              <a:t>), </a:t>
+            </a:r>
+          </a:p>
+          <a:p>
+            <a:pPr lvl="1">
+              <a:buNone/>
+            </a:pPr>
+            <a:r>
+              <a:rPr lang="en-US" dirty="0"/>
+              <a:t>	</a:t>
+            </a:r>
+            <a:r>
+              <a:rPr lang="en-US" dirty="0" smtClean="0"/>
+              <a:t>	Unit Test (</a:t>
+            </a:r>
+            <a:r>
+              <a:rPr lang="en-US" dirty="0" err="1" smtClean="0"/>
+              <a:t>RxTest</a:t>
+            </a:r>
+            <a:r>
+              <a:rPr lang="en-US" dirty="0" smtClean="0"/>
+              <a:t>, </a:t>
+            </a:r>
+            <a:r>
+              <a:rPr lang="en-US" dirty="0" err="1" smtClean="0"/>
+              <a:t>RxBlocking</a:t>
+            </a:r>
+            <a:r>
+              <a:rPr lang="en-US" dirty="0" smtClean="0"/>
+              <a:t>)</a:t>
+            </a:r>
+            <a:endParaRPr lang="en-US" dirty="0"/>
+          </a:p>
+          <a:p>
+            <a:endParaRPr lang="en-US" dirty="0" smtClean="0"/>
+          </a:p>
+        </p:txBody>
+      </p:sp>
+    </p:spTree>
+    <p:extLst>
+      <p:ext uri="{BB962C8B-B14F-4D97-AF65-F5344CB8AC3E}">
+        <p14:creationId xmlns:p14="http://schemas.microsoft.com/office/powerpoint/2010/main" val="1787829413"/>
+      </p:ext>
+    </p:extLst>
+  </p:cSld>
+  <p:clrMapOvr>
+    <a:masterClrMapping/>
+  </p:clrMapOvr>
+  <p:timing>
+    <p:tnLst>
+      <p:par>
+        <p:cTn xmlns:p14="http://schemas.microsoft.com/office/powerpoint/2010/main" id="1" dur="indefinite" restart="never" nodeType="tmRoot"/>
+      </p:par>
+    </p:tnLst>
+  </p:timing>
+</p:sld>
+</file>
+
+<file path=ppt/slides/slide4.xml><?xml version="1.0" encoding="utf-8"?>
+<p:sld xmlns:a="http://schemas.openxmlformats.org/drawingml/2006/main" xmlns:r="http://schemas.openxmlformats.org/officeDocument/2006/relationships" xmlns:p="http://schemas.openxmlformats.org/presentationml/2006/main">
+  <p:cSld>
+    <p:spTree>
+      <p:nvGrpSpPr>
+        <p:cNvPr id="1" name="Shape 188"/>
+        <p:cNvGrpSpPr/>
+        <p:nvPr/>
+      </p:nvGrpSpPr>
+      <p:grpSpPr>
+        <a:xfrm>
+          <a:off x="0" y="0"/>
+          <a:ext cx="0" cy="0"/>
+          <a:chOff x="0" y="0"/>
+          <a:chExt cx="0" cy="0"/>
+        </a:xfrm>
+      </p:grpSpPr>
+      <p:sp>
+        <p:nvSpPr>
+          <p:cNvPr id="189" name="Shape 189"/>
+          <p:cNvSpPr txBox="1">
+            <a:spLocks noGrp="1"/>
+          </p:cNvSpPr>
+          <p:nvPr>
+            <p:ph type="title"/>
+          </p:nvPr>
+        </p:nvSpPr>
+        <p:spPr>
+          <a:xfrm>
+            <a:off x="814275" y="392575"/>
+            <a:ext cx="5258400" cy="766200"/>
+          </a:xfrm>
+          <a:prstGeom prst="rect">
+            <a:avLst/>
+          </a:prstGeom>
+        </p:spPr>
+        <p:txBody>
+          <a:bodyPr wrap="square" lIns="91425" tIns="91425" rIns="91425" bIns="91425" anchor="ctr" anchorCtr="0">
+            <a:noAutofit/>
+          </a:bodyPr>
+          <a:lstStyle/>
+          <a:p>
+            <a:pPr lvl="0" rtl="0">
+              <a:spcBef>
+                <a:spcPts val="0"/>
+              </a:spcBef>
+              <a:buNone/>
+            </a:pPr>
+            <a:r>
               <a:rPr lang="en-US" dirty="0" err="1" smtClean="0"/>
               <a:t>Enum</a:t>
             </a:r>
@@ -4531,7 +5169,7 @@
             </a:pPr>
             <a:fld id="{00000000-1234-1234-1234-123412341234}" type="slidenum">
               <a:rPr lang="en"/>
-              <a:t>3</a:t>
+              <a:t>4</a:t>
             </a:fld>
             <a:endParaRPr lang="en"/>
           </a:p>
@@ -4617,7 +5255,7 @@
 </p:sld>
 </file>
 
-<file path=ppt/slides/slide4.xml><?xml version="1.0" encoding="utf-8"?>
+<file path=ppt/slides/slide5.xml><?xml version="1.0" encoding="utf-8"?>
 <p:sld xmlns:a="http://schemas.openxmlformats.org/drawingml/2006/main" xmlns:r="http://schemas.openxmlformats.org/officeDocument/2006/relationships" xmlns:p="http://schemas.openxmlformats.org/presentationml/2006/main">
   <p:cSld>
     <p:spTree>
@@ -4700,7 +5338,7 @@
             </a:pPr>
             <a:fld id="{00000000-1234-1234-1234-123412341234}" type="slidenum">
               <a:rPr lang="en"/>
-              <a:t>4</a:t>
+              <a:t>5</a:t>
             </a:fld>
             <a:endParaRPr lang="en"/>
           </a:p>
@@ -4816,7 +5454,7 @@
 </p:sld>
 </file>
 
-<file path=ppt/slides/slide5.xml><?xml version="1.0" encoding="utf-8"?>
+<file path=ppt/slides/slide6.xml><?xml version="1.0" encoding="utf-8"?>
 <p:sld xmlns:a="http://schemas.openxmlformats.org/drawingml/2006/main" xmlns:r="http://schemas.openxmlformats.org/officeDocument/2006/relationships" xmlns:p="http://schemas.openxmlformats.org/presentationml/2006/main">
   <p:cSld>
     <p:spTree>
@@ -4899,7 +5537,7 @@
             </a:pPr>
             <a:fld id="{00000000-1234-1234-1234-123412341234}" type="slidenum">
               <a:rPr lang="en"/>
-              <a:t>5</a:t>
+              <a:t>6</a:t>
             </a:fld>
             <a:endParaRPr lang="en"/>
           </a:p>
@@ -4999,1578 +5637,6 @@
     <p:extLst>
       <p:ext uri="{BB962C8B-B14F-4D97-AF65-F5344CB8AC3E}">
         <p14:creationId xmlns:p14="http://schemas.microsoft.com/office/powerpoint/2010/main" val="3022908544"/>
-      </p:ext>
-    </p:extLst>
-  </p:cSld>
-  <p:clrMapOvr>
-    <a:masterClrMapping/>
-  </p:clrMapOvr>
-  <p:timing>
-    <p:tnLst>
-      <p:par>
-        <p:cTn xmlns:p14="http://schemas.microsoft.com/office/powerpoint/2010/main" id="1" dur="indefinite" restart="never" nodeType="tmRoot"/>
-      </p:par>
-    </p:tnLst>
-  </p:timing>
-</p:sld>
-</file>
-
-<file path=ppt/slides/slide6.xml><?xml version="1.0" encoding="utf-8"?>
-<p:sld xmlns:a="http://schemas.openxmlformats.org/drawingml/2006/main" xmlns:r="http://schemas.openxmlformats.org/officeDocument/2006/relationships" xmlns:p="http://schemas.openxmlformats.org/presentationml/2006/main">
-  <p:cSld>
-    <p:spTree>
-      <p:nvGrpSpPr>
-        <p:cNvPr id="1" name="Shape 188"/>
-        <p:cNvGrpSpPr/>
-        <p:nvPr/>
-      </p:nvGrpSpPr>
-      <p:grpSpPr>
-        <a:xfrm>
-          <a:off x="0" y="0"/>
-          <a:ext cx="0" cy="0"/>
-          <a:chOff x="0" y="0"/>
-          <a:chExt cx="0" cy="0"/>
-        </a:xfrm>
-      </p:grpSpPr>
-      <p:sp>
-        <p:nvSpPr>
-          <p:cNvPr id="189" name="Shape 189"/>
-          <p:cNvSpPr txBox="1">
-            <a:spLocks noGrp="1"/>
-          </p:cNvSpPr>
-          <p:nvPr>
-            <p:ph type="title"/>
-          </p:nvPr>
-        </p:nvSpPr>
-        <p:spPr>
-          <a:xfrm>
-            <a:off x="814275" y="392575"/>
-            <a:ext cx="5258400" cy="766200"/>
-          </a:xfrm>
-          <a:prstGeom prst="rect">
-            <a:avLst/>
-          </a:prstGeom>
-        </p:spPr>
-        <p:txBody>
-          <a:bodyPr wrap="square" lIns="91425" tIns="91425" rIns="91425" bIns="91425" anchor="ctr" anchorCtr="0">
-            <a:noAutofit/>
-          </a:bodyPr>
-          <a:lstStyle/>
-          <a:p>
-            <a:pPr lvl="0" rtl="0">
-              <a:spcBef>
-                <a:spcPts val="0"/>
-              </a:spcBef>
-              <a:buNone/>
-            </a:pPr>
-            <a:r>
-              <a:rPr lang="en-US" dirty="0" smtClean="0"/>
-              <a:t>Traditional</a:t>
-            </a:r>
-            <a:endParaRPr lang="en" dirty="0"/>
-          </a:p>
-        </p:txBody>
-      </p:sp>
-      <p:sp>
-        <p:nvSpPr>
-          <p:cNvPr id="192" name="Shape 192"/>
-          <p:cNvSpPr txBox="1">
-            <a:spLocks noGrp="1"/>
-          </p:cNvSpPr>
-          <p:nvPr>
-            <p:ph type="sldNum" idx="12"/>
-          </p:nvPr>
-        </p:nvSpPr>
-        <p:spPr>
-          <a:xfrm>
-            <a:off x="7618000" y="4636500"/>
-            <a:ext cx="1487400" cy="315600"/>
-          </a:xfrm>
-          <a:prstGeom prst="rect">
-            <a:avLst/>
-          </a:prstGeom>
-        </p:spPr>
-        <p:txBody>
-          <a:bodyPr wrap="square" lIns="91425" tIns="91425" rIns="91425" bIns="91425" anchor="ctr" anchorCtr="0">
-            <a:noAutofit/>
-          </a:bodyPr>
-          <a:lstStyle/>
-          <a:p>
-            <a:pPr lvl="0">
-              <a:spcBef>
-                <a:spcPts val="0"/>
-              </a:spcBef>
-              <a:buNone/>
-            </a:pPr>
-            <a:fld id="{00000000-1234-1234-1234-123412341234}" type="slidenum">
-              <a:rPr lang="en"/>
-              <a:t>6</a:t>
-            </a:fld>
-            <a:endParaRPr lang="en"/>
-          </a:p>
-        </p:txBody>
-      </p:sp>
-      <p:grpSp>
-        <p:nvGrpSpPr>
-          <p:cNvPr id="194" name="Shape 194"/>
-          <p:cNvGrpSpPr/>
-          <p:nvPr/>
-        </p:nvGrpSpPr>
-        <p:grpSpPr>
-          <a:xfrm>
-            <a:off x="293683" y="574116"/>
-            <a:ext cx="309041" cy="403123"/>
-            <a:chOff x="590250" y="244200"/>
-            <a:chExt cx="407975" cy="532175"/>
-          </a:xfrm>
-        </p:grpSpPr>
-        <p:sp>
-          <p:nvSpPr>
-            <p:cNvPr id="195" name="Shape 195"/>
-            <p:cNvSpPr/>
-            <p:nvPr/>
-          </p:nvSpPr>
-          <p:spPr>
-            <a:xfrm>
-              <a:off x="623125" y="313625"/>
-              <a:ext cx="375100" cy="462750"/>
-            </a:xfrm>
-            <a:custGeom>
-              <a:avLst/>
-              <a:gdLst/>
-              <a:ahLst/>
-              <a:cxnLst/>
-              <a:rect l="0" t="0" r="0" b="0"/>
-              <a:pathLst>
-                <a:path w="15004" h="18510" fill="none" extrusionOk="0">
-                  <a:moveTo>
-                    <a:pt x="1" y="17536"/>
-                  </a:moveTo>
-                  <a:lnTo>
-                    <a:pt x="1" y="17536"/>
-                  </a:lnTo>
-                  <a:lnTo>
-                    <a:pt x="1" y="17536"/>
-                  </a:lnTo>
-                  <a:lnTo>
-                    <a:pt x="25" y="17682"/>
-                  </a:lnTo>
-                  <a:lnTo>
-                    <a:pt x="49" y="17852"/>
-                  </a:lnTo>
-                  <a:lnTo>
-                    <a:pt x="123" y="18023"/>
-                  </a:lnTo>
-                  <a:lnTo>
-                    <a:pt x="220" y="18193"/>
-                  </a:lnTo>
-                  <a:lnTo>
-                    <a:pt x="293" y="18291"/>
-                  </a:lnTo>
-                  <a:lnTo>
-                    <a:pt x="390" y="18364"/>
-                  </a:lnTo>
-                  <a:lnTo>
-                    <a:pt x="488" y="18412"/>
-                  </a:lnTo>
-                  <a:lnTo>
-                    <a:pt x="610" y="18461"/>
-                  </a:lnTo>
-                  <a:lnTo>
-                    <a:pt x="756" y="18510"/>
-                  </a:lnTo>
-                  <a:lnTo>
-                    <a:pt x="926" y="18510"/>
-                  </a:lnTo>
-                  <a:lnTo>
-                    <a:pt x="14468" y="18510"/>
-                  </a:lnTo>
-                  <a:lnTo>
-                    <a:pt x="14468" y="18510"/>
-                  </a:lnTo>
-                  <a:lnTo>
-                    <a:pt x="14541" y="18510"/>
-                  </a:lnTo>
-                  <a:lnTo>
-                    <a:pt x="14614" y="18485"/>
-                  </a:lnTo>
-                  <a:lnTo>
-                    <a:pt x="14736" y="18412"/>
-                  </a:lnTo>
-                  <a:lnTo>
-                    <a:pt x="14833" y="18291"/>
-                  </a:lnTo>
-                  <a:lnTo>
-                    <a:pt x="14906" y="18144"/>
-                  </a:lnTo>
-                  <a:lnTo>
-                    <a:pt x="14955" y="17974"/>
-                  </a:lnTo>
-                  <a:lnTo>
-                    <a:pt x="14979" y="17779"/>
-                  </a:lnTo>
-                  <a:lnTo>
-                    <a:pt x="15003" y="17438"/>
-                  </a:lnTo>
-                  <a:lnTo>
-                    <a:pt x="15003" y="487"/>
-                  </a:lnTo>
-                  <a:lnTo>
-                    <a:pt x="15003" y="487"/>
-                  </a:lnTo>
-                  <a:lnTo>
-                    <a:pt x="15003" y="341"/>
-                  </a:lnTo>
-                  <a:lnTo>
-                    <a:pt x="14979" y="219"/>
-                  </a:lnTo>
-                  <a:lnTo>
-                    <a:pt x="14955" y="146"/>
-                  </a:lnTo>
-                  <a:lnTo>
-                    <a:pt x="14906" y="73"/>
-                  </a:lnTo>
-                  <a:lnTo>
-                    <a:pt x="14833" y="49"/>
-                  </a:lnTo>
-                  <a:lnTo>
-                    <a:pt x="14736" y="24"/>
-                  </a:lnTo>
-                  <a:lnTo>
-                    <a:pt x="14468" y="0"/>
-                  </a:lnTo>
-                </a:path>
-              </a:pathLst>
-            </a:custGeom>
-            <a:noFill/>
-            <a:ln w="12175" cap="rnd" cmpd="sng">
-              <a:solidFill>
-                <a:srgbClr val="FF9800"/>
-              </a:solidFill>
-              <a:prstDash val="solid"/>
-              <a:round/>
-              <a:headEnd type="none" w="med" len="med"/>
-              <a:tailEnd type="none" w="med" len="med"/>
-            </a:ln>
-          </p:spPr>
-          <p:txBody>
-            <a:bodyPr wrap="square" lIns="91425" tIns="91425" rIns="91425" bIns="91425" anchor="ctr" anchorCtr="0">
-              <a:noAutofit/>
-            </a:bodyPr>
-            <a:lstStyle/>
-            <a:p>
-              <a:pPr lvl="0">
-                <a:spcBef>
-                  <a:spcPts val="0"/>
-                </a:spcBef>
-                <a:buNone/>
-              </a:pPr>
-              <a:endParaRPr/>
-            </a:p>
-          </p:txBody>
-        </p:sp>
-        <p:sp>
-          <p:nvSpPr>
-            <p:cNvPr id="196" name="Shape 196"/>
-            <p:cNvSpPr/>
-            <p:nvPr/>
-          </p:nvSpPr>
-          <p:spPr>
-            <a:xfrm>
-              <a:off x="590250" y="269775"/>
-              <a:ext cx="377525" cy="462775"/>
-            </a:xfrm>
-            <a:custGeom>
-              <a:avLst/>
-              <a:gdLst/>
-              <a:ahLst/>
-              <a:cxnLst/>
-              <a:rect l="0" t="0" r="0" b="0"/>
-              <a:pathLst>
-                <a:path w="15101" h="18511" fill="none" extrusionOk="0">
-                  <a:moveTo>
-                    <a:pt x="14321" y="0"/>
-                  </a:moveTo>
-                  <a:lnTo>
-                    <a:pt x="780" y="0"/>
-                  </a:lnTo>
-                  <a:lnTo>
-                    <a:pt x="780" y="0"/>
-                  </a:lnTo>
-                  <a:lnTo>
-                    <a:pt x="634" y="25"/>
-                  </a:lnTo>
-                  <a:lnTo>
-                    <a:pt x="488" y="74"/>
-                  </a:lnTo>
-                  <a:lnTo>
-                    <a:pt x="342" y="122"/>
-                  </a:lnTo>
-                  <a:lnTo>
-                    <a:pt x="220" y="220"/>
-                  </a:lnTo>
-                  <a:lnTo>
-                    <a:pt x="122" y="341"/>
-                  </a:lnTo>
-                  <a:lnTo>
-                    <a:pt x="74" y="488"/>
-                  </a:lnTo>
-                  <a:lnTo>
-                    <a:pt x="25" y="634"/>
-                  </a:lnTo>
-                  <a:lnTo>
-                    <a:pt x="1" y="780"/>
-                  </a:lnTo>
-                  <a:lnTo>
-                    <a:pt x="1" y="17731"/>
-                  </a:lnTo>
-                  <a:lnTo>
-                    <a:pt x="1" y="17731"/>
-                  </a:lnTo>
-                  <a:lnTo>
-                    <a:pt x="25" y="17877"/>
-                  </a:lnTo>
-                  <a:lnTo>
-                    <a:pt x="74" y="18023"/>
-                  </a:lnTo>
-                  <a:lnTo>
-                    <a:pt x="122" y="18169"/>
-                  </a:lnTo>
-                  <a:lnTo>
-                    <a:pt x="220" y="18291"/>
-                  </a:lnTo>
-                  <a:lnTo>
-                    <a:pt x="342" y="18388"/>
-                  </a:lnTo>
-                  <a:lnTo>
-                    <a:pt x="488" y="18437"/>
-                  </a:lnTo>
-                  <a:lnTo>
-                    <a:pt x="634" y="18486"/>
-                  </a:lnTo>
-                  <a:lnTo>
-                    <a:pt x="780" y="18510"/>
-                  </a:lnTo>
-                  <a:lnTo>
-                    <a:pt x="14321" y="18510"/>
-                  </a:lnTo>
-                  <a:lnTo>
-                    <a:pt x="14321" y="18510"/>
-                  </a:lnTo>
-                  <a:lnTo>
-                    <a:pt x="14467" y="18486"/>
-                  </a:lnTo>
-                  <a:lnTo>
-                    <a:pt x="14614" y="18437"/>
-                  </a:lnTo>
-                  <a:lnTo>
-                    <a:pt x="14760" y="18388"/>
-                  </a:lnTo>
-                  <a:lnTo>
-                    <a:pt x="14881" y="18291"/>
-                  </a:lnTo>
-                  <a:lnTo>
-                    <a:pt x="14979" y="18169"/>
-                  </a:lnTo>
-                  <a:lnTo>
-                    <a:pt x="15028" y="18023"/>
-                  </a:lnTo>
-                  <a:lnTo>
-                    <a:pt x="15076" y="17877"/>
-                  </a:lnTo>
-                  <a:lnTo>
-                    <a:pt x="15101" y="17731"/>
-                  </a:lnTo>
-                  <a:lnTo>
-                    <a:pt x="15101" y="780"/>
-                  </a:lnTo>
-                  <a:lnTo>
-                    <a:pt x="15101" y="780"/>
-                  </a:lnTo>
-                  <a:lnTo>
-                    <a:pt x="15076" y="634"/>
-                  </a:lnTo>
-                  <a:lnTo>
-                    <a:pt x="15028" y="488"/>
-                  </a:lnTo>
-                  <a:lnTo>
-                    <a:pt x="14979" y="341"/>
-                  </a:lnTo>
-                  <a:lnTo>
-                    <a:pt x="14881" y="220"/>
-                  </a:lnTo>
-                  <a:lnTo>
-                    <a:pt x="14760" y="122"/>
-                  </a:lnTo>
-                  <a:lnTo>
-                    <a:pt x="14614" y="74"/>
-                  </a:lnTo>
-                  <a:lnTo>
-                    <a:pt x="14467" y="25"/>
-                  </a:lnTo>
-                  <a:lnTo>
-                    <a:pt x="14321" y="0"/>
-                  </a:lnTo>
-                  <a:lnTo>
-                    <a:pt x="14321" y="0"/>
-                  </a:lnTo>
-                </a:path>
-              </a:pathLst>
-            </a:custGeom>
-            <a:noFill/>
-            <a:ln w="12175" cap="rnd" cmpd="sng">
-              <a:solidFill>
-                <a:srgbClr val="FF9800"/>
-              </a:solidFill>
-              <a:prstDash val="solid"/>
-              <a:round/>
-              <a:headEnd type="none" w="med" len="med"/>
-              <a:tailEnd type="none" w="med" len="med"/>
-            </a:ln>
-          </p:spPr>
-          <p:txBody>
-            <a:bodyPr wrap="square" lIns="91425" tIns="91425" rIns="91425" bIns="91425" anchor="ctr" anchorCtr="0">
-              <a:noAutofit/>
-            </a:bodyPr>
-            <a:lstStyle/>
-            <a:p>
-              <a:pPr lvl="0">
-                <a:spcBef>
-                  <a:spcPts val="0"/>
-                </a:spcBef>
-                <a:buNone/>
-              </a:pPr>
-              <a:endParaRPr/>
-            </a:p>
-          </p:txBody>
-        </p:sp>
-        <p:sp>
-          <p:nvSpPr>
-            <p:cNvPr id="197" name="Shape 197"/>
-            <p:cNvSpPr/>
-            <p:nvPr/>
-          </p:nvSpPr>
-          <p:spPr>
-            <a:xfrm>
-              <a:off x="796650" y="274025"/>
-              <a:ext cx="45100" cy="45100"/>
-            </a:xfrm>
-            <a:custGeom>
-              <a:avLst/>
-              <a:gdLst/>
-              <a:ahLst/>
-              <a:cxnLst/>
-              <a:rect l="0" t="0" r="0" b="0"/>
-              <a:pathLst>
-                <a:path w="1804" h="1804" fill="none" extrusionOk="0">
-                  <a:moveTo>
-                    <a:pt x="902" y="1"/>
-                  </a:moveTo>
-                  <a:lnTo>
-                    <a:pt x="902" y="1"/>
-                  </a:lnTo>
-                  <a:lnTo>
-                    <a:pt x="1073" y="25"/>
-                  </a:lnTo>
-                  <a:lnTo>
-                    <a:pt x="1243" y="74"/>
-                  </a:lnTo>
-                  <a:lnTo>
-                    <a:pt x="1414" y="147"/>
-                  </a:lnTo>
-                  <a:lnTo>
-                    <a:pt x="1535" y="269"/>
-                  </a:lnTo>
-                  <a:lnTo>
-                    <a:pt x="1657" y="391"/>
-                  </a:lnTo>
-                  <a:lnTo>
-                    <a:pt x="1730" y="561"/>
-                  </a:lnTo>
-                  <a:lnTo>
-                    <a:pt x="1779" y="732"/>
-                  </a:lnTo>
-                  <a:lnTo>
-                    <a:pt x="1803" y="902"/>
-                  </a:lnTo>
-                  <a:lnTo>
-                    <a:pt x="1803" y="902"/>
-                  </a:lnTo>
-                  <a:lnTo>
-                    <a:pt x="1779" y="1073"/>
-                  </a:lnTo>
-                  <a:lnTo>
-                    <a:pt x="1730" y="1243"/>
-                  </a:lnTo>
-                  <a:lnTo>
-                    <a:pt x="1657" y="1414"/>
-                  </a:lnTo>
-                  <a:lnTo>
-                    <a:pt x="1535" y="1535"/>
-                  </a:lnTo>
-                  <a:lnTo>
-                    <a:pt x="1414" y="1657"/>
-                  </a:lnTo>
-                  <a:lnTo>
-                    <a:pt x="1243" y="1730"/>
-                  </a:lnTo>
-                  <a:lnTo>
-                    <a:pt x="1073" y="1779"/>
-                  </a:lnTo>
-                  <a:lnTo>
-                    <a:pt x="902" y="1803"/>
-                  </a:lnTo>
-                  <a:lnTo>
-                    <a:pt x="902" y="1803"/>
-                  </a:lnTo>
-                  <a:lnTo>
-                    <a:pt x="732" y="1779"/>
-                  </a:lnTo>
-                  <a:lnTo>
-                    <a:pt x="561" y="1730"/>
-                  </a:lnTo>
-                  <a:lnTo>
-                    <a:pt x="391" y="1657"/>
-                  </a:lnTo>
-                  <a:lnTo>
-                    <a:pt x="269" y="1535"/>
-                  </a:lnTo>
-                  <a:lnTo>
-                    <a:pt x="147" y="1414"/>
-                  </a:lnTo>
-                  <a:lnTo>
-                    <a:pt x="74" y="1243"/>
-                  </a:lnTo>
-                  <a:lnTo>
-                    <a:pt x="25" y="1073"/>
-                  </a:lnTo>
-                  <a:lnTo>
-                    <a:pt x="1" y="902"/>
-                  </a:lnTo>
-                  <a:lnTo>
-                    <a:pt x="1" y="902"/>
-                  </a:lnTo>
-                  <a:lnTo>
-                    <a:pt x="25" y="732"/>
-                  </a:lnTo>
-                  <a:lnTo>
-                    <a:pt x="74" y="561"/>
-                  </a:lnTo>
-                  <a:lnTo>
-                    <a:pt x="147" y="391"/>
-                  </a:lnTo>
-                  <a:lnTo>
-                    <a:pt x="269" y="269"/>
-                  </a:lnTo>
-                  <a:lnTo>
-                    <a:pt x="391" y="147"/>
-                  </a:lnTo>
-                  <a:lnTo>
-                    <a:pt x="561" y="74"/>
-                  </a:lnTo>
-                  <a:lnTo>
-                    <a:pt x="732" y="25"/>
-                  </a:lnTo>
-                  <a:lnTo>
-                    <a:pt x="902" y="1"/>
-                  </a:lnTo>
-                  <a:lnTo>
-                    <a:pt x="902" y="1"/>
-                  </a:lnTo>
-                </a:path>
-              </a:pathLst>
-            </a:custGeom>
-            <a:noFill/>
-            <a:ln w="12175" cap="rnd" cmpd="sng">
-              <a:solidFill>
-                <a:srgbClr val="FF9800"/>
-              </a:solidFill>
-              <a:prstDash val="solid"/>
-              <a:round/>
-              <a:headEnd type="none" w="med" len="med"/>
-              <a:tailEnd type="none" w="med" len="med"/>
-            </a:ln>
-          </p:spPr>
-          <p:txBody>
-            <a:bodyPr wrap="square" lIns="91425" tIns="91425" rIns="91425" bIns="91425" anchor="ctr" anchorCtr="0">
-              <a:noAutofit/>
-            </a:bodyPr>
-            <a:lstStyle/>
-            <a:p>
-              <a:pPr lvl="0">
-                <a:spcBef>
-                  <a:spcPts val="0"/>
-                </a:spcBef>
-                <a:buNone/>
-              </a:pPr>
-              <a:endParaRPr/>
-            </a:p>
-          </p:txBody>
-        </p:sp>
-        <p:sp>
-          <p:nvSpPr>
-            <p:cNvPr id="198" name="Shape 198"/>
-            <p:cNvSpPr/>
-            <p:nvPr/>
-          </p:nvSpPr>
-          <p:spPr>
-            <a:xfrm>
-              <a:off x="713850" y="274025"/>
-              <a:ext cx="45075" cy="45100"/>
-            </a:xfrm>
-            <a:custGeom>
-              <a:avLst/>
-              <a:gdLst/>
-              <a:ahLst/>
-              <a:cxnLst/>
-              <a:rect l="0" t="0" r="0" b="0"/>
-              <a:pathLst>
-                <a:path w="1803" h="1804" fill="none" extrusionOk="0">
-                  <a:moveTo>
-                    <a:pt x="902" y="1"/>
-                  </a:moveTo>
-                  <a:lnTo>
-                    <a:pt x="902" y="1"/>
-                  </a:lnTo>
-                  <a:lnTo>
-                    <a:pt x="1072" y="25"/>
-                  </a:lnTo>
-                  <a:lnTo>
-                    <a:pt x="1243" y="74"/>
-                  </a:lnTo>
-                  <a:lnTo>
-                    <a:pt x="1413" y="147"/>
-                  </a:lnTo>
-                  <a:lnTo>
-                    <a:pt x="1535" y="269"/>
-                  </a:lnTo>
-                  <a:lnTo>
-                    <a:pt x="1657" y="391"/>
-                  </a:lnTo>
-                  <a:lnTo>
-                    <a:pt x="1730" y="561"/>
-                  </a:lnTo>
-                  <a:lnTo>
-                    <a:pt x="1779" y="732"/>
-                  </a:lnTo>
-                  <a:lnTo>
-                    <a:pt x="1803" y="902"/>
-                  </a:lnTo>
-                  <a:lnTo>
-                    <a:pt x="1803" y="902"/>
-                  </a:lnTo>
-                  <a:lnTo>
-                    <a:pt x="1779" y="1073"/>
-                  </a:lnTo>
-                  <a:lnTo>
-                    <a:pt x="1730" y="1243"/>
-                  </a:lnTo>
-                  <a:lnTo>
-                    <a:pt x="1657" y="1414"/>
-                  </a:lnTo>
-                  <a:lnTo>
-                    <a:pt x="1535" y="1535"/>
-                  </a:lnTo>
-                  <a:lnTo>
-                    <a:pt x="1413" y="1657"/>
-                  </a:lnTo>
-                  <a:lnTo>
-                    <a:pt x="1243" y="1730"/>
-                  </a:lnTo>
-                  <a:lnTo>
-                    <a:pt x="1072" y="1779"/>
-                  </a:lnTo>
-                  <a:lnTo>
-                    <a:pt x="902" y="1803"/>
-                  </a:lnTo>
-                  <a:lnTo>
-                    <a:pt x="902" y="1803"/>
-                  </a:lnTo>
-                  <a:lnTo>
-                    <a:pt x="731" y="1779"/>
-                  </a:lnTo>
-                  <a:lnTo>
-                    <a:pt x="561" y="1730"/>
-                  </a:lnTo>
-                  <a:lnTo>
-                    <a:pt x="390" y="1657"/>
-                  </a:lnTo>
-                  <a:lnTo>
-                    <a:pt x="269" y="1535"/>
-                  </a:lnTo>
-                  <a:lnTo>
-                    <a:pt x="147" y="1414"/>
-                  </a:lnTo>
-                  <a:lnTo>
-                    <a:pt x="74" y="1243"/>
-                  </a:lnTo>
-                  <a:lnTo>
-                    <a:pt x="25" y="1073"/>
-                  </a:lnTo>
-                  <a:lnTo>
-                    <a:pt x="1" y="902"/>
-                  </a:lnTo>
-                  <a:lnTo>
-                    <a:pt x="1" y="902"/>
-                  </a:lnTo>
-                  <a:lnTo>
-                    <a:pt x="25" y="732"/>
-                  </a:lnTo>
-                  <a:lnTo>
-                    <a:pt x="74" y="561"/>
-                  </a:lnTo>
-                  <a:lnTo>
-                    <a:pt x="147" y="391"/>
-                  </a:lnTo>
-                  <a:lnTo>
-                    <a:pt x="269" y="269"/>
-                  </a:lnTo>
-                  <a:lnTo>
-                    <a:pt x="390" y="147"/>
-                  </a:lnTo>
-                  <a:lnTo>
-                    <a:pt x="561" y="74"/>
-                  </a:lnTo>
-                  <a:lnTo>
-                    <a:pt x="731" y="25"/>
-                  </a:lnTo>
-                  <a:lnTo>
-                    <a:pt x="902" y="1"/>
-                  </a:lnTo>
-                  <a:lnTo>
-                    <a:pt x="902" y="1"/>
-                  </a:lnTo>
-                </a:path>
-              </a:pathLst>
-            </a:custGeom>
-            <a:noFill/>
-            <a:ln w="12175" cap="rnd" cmpd="sng">
-              <a:solidFill>
-                <a:srgbClr val="FF9800"/>
-              </a:solidFill>
-              <a:prstDash val="solid"/>
-              <a:round/>
-              <a:headEnd type="none" w="med" len="med"/>
-              <a:tailEnd type="none" w="med" len="med"/>
-            </a:ln>
-          </p:spPr>
-          <p:txBody>
-            <a:bodyPr wrap="square" lIns="91425" tIns="91425" rIns="91425" bIns="91425" anchor="ctr" anchorCtr="0">
-              <a:noAutofit/>
-            </a:bodyPr>
-            <a:lstStyle/>
-            <a:p>
-              <a:pPr lvl="0">
-                <a:spcBef>
-                  <a:spcPts val="0"/>
-                </a:spcBef>
-                <a:buNone/>
-              </a:pPr>
-              <a:endParaRPr/>
-            </a:p>
-          </p:txBody>
-        </p:sp>
-        <p:sp>
-          <p:nvSpPr>
-            <p:cNvPr id="199" name="Shape 199"/>
-            <p:cNvSpPr/>
-            <p:nvPr/>
-          </p:nvSpPr>
-          <p:spPr>
-            <a:xfrm>
-              <a:off x="631050" y="274025"/>
-              <a:ext cx="45075" cy="45100"/>
-            </a:xfrm>
-            <a:custGeom>
-              <a:avLst/>
-              <a:gdLst/>
-              <a:ahLst/>
-              <a:cxnLst/>
-              <a:rect l="0" t="0" r="0" b="0"/>
-              <a:pathLst>
-                <a:path w="1803" h="1804" fill="none" extrusionOk="0">
-                  <a:moveTo>
-                    <a:pt x="0" y="902"/>
-                  </a:moveTo>
-                  <a:lnTo>
-                    <a:pt x="0" y="902"/>
-                  </a:lnTo>
-                  <a:lnTo>
-                    <a:pt x="25" y="732"/>
-                  </a:lnTo>
-                  <a:lnTo>
-                    <a:pt x="73" y="561"/>
-                  </a:lnTo>
-                  <a:lnTo>
-                    <a:pt x="147" y="391"/>
-                  </a:lnTo>
-                  <a:lnTo>
-                    <a:pt x="268" y="269"/>
-                  </a:lnTo>
-                  <a:lnTo>
-                    <a:pt x="390" y="147"/>
-                  </a:lnTo>
-                  <a:lnTo>
-                    <a:pt x="561" y="74"/>
-                  </a:lnTo>
-                  <a:lnTo>
-                    <a:pt x="731" y="25"/>
-                  </a:lnTo>
-                  <a:lnTo>
-                    <a:pt x="902" y="1"/>
-                  </a:lnTo>
-                  <a:lnTo>
-                    <a:pt x="902" y="1"/>
-                  </a:lnTo>
-                  <a:lnTo>
-                    <a:pt x="1072" y="25"/>
-                  </a:lnTo>
-                  <a:lnTo>
-                    <a:pt x="1243" y="74"/>
-                  </a:lnTo>
-                  <a:lnTo>
-                    <a:pt x="1413" y="147"/>
-                  </a:lnTo>
-                  <a:lnTo>
-                    <a:pt x="1535" y="269"/>
-                  </a:lnTo>
-                  <a:lnTo>
-                    <a:pt x="1657" y="391"/>
-                  </a:lnTo>
-                  <a:lnTo>
-                    <a:pt x="1730" y="561"/>
-                  </a:lnTo>
-                  <a:lnTo>
-                    <a:pt x="1778" y="732"/>
-                  </a:lnTo>
-                  <a:lnTo>
-                    <a:pt x="1803" y="902"/>
-                  </a:lnTo>
-                  <a:lnTo>
-                    <a:pt x="1803" y="902"/>
-                  </a:lnTo>
-                  <a:lnTo>
-                    <a:pt x="1778" y="1073"/>
-                  </a:lnTo>
-                  <a:lnTo>
-                    <a:pt x="1730" y="1243"/>
-                  </a:lnTo>
-                  <a:lnTo>
-                    <a:pt x="1657" y="1414"/>
-                  </a:lnTo>
-                  <a:lnTo>
-                    <a:pt x="1535" y="1535"/>
-                  </a:lnTo>
-                  <a:lnTo>
-                    <a:pt x="1413" y="1657"/>
-                  </a:lnTo>
-                  <a:lnTo>
-                    <a:pt x="1243" y="1730"/>
-                  </a:lnTo>
-                  <a:lnTo>
-                    <a:pt x="1072" y="1779"/>
-                  </a:lnTo>
-                  <a:lnTo>
-                    <a:pt x="902" y="1803"/>
-                  </a:lnTo>
-                  <a:lnTo>
-                    <a:pt x="902" y="1803"/>
-                  </a:lnTo>
-                  <a:lnTo>
-                    <a:pt x="731" y="1779"/>
-                  </a:lnTo>
-                  <a:lnTo>
-                    <a:pt x="561" y="1730"/>
-                  </a:lnTo>
-                  <a:lnTo>
-                    <a:pt x="390" y="1657"/>
-                  </a:lnTo>
-                  <a:lnTo>
-                    <a:pt x="268" y="1535"/>
-                  </a:lnTo>
-                  <a:lnTo>
-                    <a:pt x="147" y="1414"/>
-                  </a:lnTo>
-                  <a:lnTo>
-                    <a:pt x="73" y="1243"/>
-                  </a:lnTo>
-                  <a:lnTo>
-                    <a:pt x="25" y="1073"/>
-                  </a:lnTo>
-                  <a:lnTo>
-                    <a:pt x="0" y="902"/>
-                  </a:lnTo>
-                  <a:lnTo>
-                    <a:pt x="0" y="902"/>
-                  </a:lnTo>
-                </a:path>
-              </a:pathLst>
-            </a:custGeom>
-            <a:noFill/>
-            <a:ln w="12175" cap="rnd" cmpd="sng">
-              <a:solidFill>
-                <a:srgbClr val="FF9800"/>
-              </a:solidFill>
-              <a:prstDash val="solid"/>
-              <a:round/>
-              <a:headEnd type="none" w="med" len="med"/>
-              <a:tailEnd type="none" w="med" len="med"/>
-            </a:ln>
-          </p:spPr>
-          <p:txBody>
-            <a:bodyPr wrap="square" lIns="91425" tIns="91425" rIns="91425" bIns="91425" anchor="ctr" anchorCtr="0">
-              <a:noAutofit/>
-            </a:bodyPr>
-            <a:lstStyle/>
-            <a:p>
-              <a:pPr lvl="0">
-                <a:spcBef>
-                  <a:spcPts val="0"/>
-                </a:spcBef>
-                <a:buNone/>
-              </a:pPr>
-              <a:endParaRPr/>
-            </a:p>
-          </p:txBody>
-        </p:sp>
-        <p:sp>
-          <p:nvSpPr>
-            <p:cNvPr id="200" name="Shape 200"/>
-            <p:cNvSpPr/>
-            <p:nvPr/>
-          </p:nvSpPr>
-          <p:spPr>
-            <a:xfrm>
-              <a:off x="649925" y="590050"/>
-              <a:ext cx="133975" cy="25"/>
-            </a:xfrm>
-            <a:custGeom>
-              <a:avLst/>
-              <a:gdLst/>
-              <a:ahLst/>
-              <a:cxnLst/>
-              <a:rect l="0" t="0" r="0" b="0"/>
-              <a:pathLst>
-                <a:path w="5359" h="1" fill="none" extrusionOk="0">
-                  <a:moveTo>
-                    <a:pt x="5358" y="0"/>
-                  </a:moveTo>
-                  <a:lnTo>
-                    <a:pt x="0" y="0"/>
-                  </a:lnTo>
-                </a:path>
-              </a:pathLst>
-            </a:custGeom>
-            <a:noFill/>
-            <a:ln w="12175" cap="rnd" cmpd="sng">
-              <a:solidFill>
-                <a:srgbClr val="FF9800"/>
-              </a:solidFill>
-              <a:prstDash val="solid"/>
-              <a:round/>
-              <a:headEnd type="none" w="med" len="med"/>
-              <a:tailEnd type="none" w="med" len="med"/>
-            </a:ln>
-          </p:spPr>
-          <p:txBody>
-            <a:bodyPr wrap="square" lIns="91425" tIns="91425" rIns="91425" bIns="91425" anchor="ctr" anchorCtr="0">
-              <a:noAutofit/>
-            </a:bodyPr>
-            <a:lstStyle/>
-            <a:p>
-              <a:pPr lvl="0">
-                <a:spcBef>
-                  <a:spcPts val="0"/>
-                </a:spcBef>
-                <a:buNone/>
-              </a:pPr>
-              <a:endParaRPr/>
-            </a:p>
-          </p:txBody>
-        </p:sp>
-        <p:sp>
-          <p:nvSpPr>
-            <p:cNvPr id="201" name="Shape 201"/>
-            <p:cNvSpPr/>
-            <p:nvPr/>
-          </p:nvSpPr>
-          <p:spPr>
-            <a:xfrm>
-              <a:off x="649925" y="534625"/>
-              <a:ext cx="255750" cy="25"/>
-            </a:xfrm>
-            <a:custGeom>
-              <a:avLst/>
-              <a:gdLst/>
-              <a:ahLst/>
-              <a:cxnLst/>
-              <a:rect l="0" t="0" r="0" b="0"/>
-              <a:pathLst>
-                <a:path w="10230" h="1" fill="none" extrusionOk="0">
-                  <a:moveTo>
-                    <a:pt x="10229" y="1"/>
-                  </a:moveTo>
-                  <a:lnTo>
-                    <a:pt x="0" y="1"/>
-                  </a:lnTo>
-                </a:path>
-              </a:pathLst>
-            </a:custGeom>
-            <a:noFill/>
-            <a:ln w="12175" cap="rnd" cmpd="sng">
-              <a:solidFill>
-                <a:srgbClr val="FF9800"/>
-              </a:solidFill>
-              <a:prstDash val="solid"/>
-              <a:round/>
-              <a:headEnd type="none" w="med" len="med"/>
-              <a:tailEnd type="none" w="med" len="med"/>
-            </a:ln>
-          </p:spPr>
-          <p:txBody>
-            <a:bodyPr wrap="square" lIns="91425" tIns="91425" rIns="91425" bIns="91425" anchor="ctr" anchorCtr="0">
-              <a:noAutofit/>
-            </a:bodyPr>
-            <a:lstStyle/>
-            <a:p>
-              <a:pPr lvl="0">
-                <a:spcBef>
-                  <a:spcPts val="0"/>
-                </a:spcBef>
-                <a:buNone/>
-              </a:pPr>
-              <a:endParaRPr/>
-            </a:p>
-          </p:txBody>
-        </p:sp>
-        <p:sp>
-          <p:nvSpPr>
-            <p:cNvPr id="202" name="Shape 202"/>
-            <p:cNvSpPr/>
-            <p:nvPr/>
-          </p:nvSpPr>
-          <p:spPr>
-            <a:xfrm>
-              <a:off x="649925" y="479825"/>
-              <a:ext cx="255750" cy="25"/>
-            </a:xfrm>
-            <a:custGeom>
-              <a:avLst/>
-              <a:gdLst/>
-              <a:ahLst/>
-              <a:cxnLst/>
-              <a:rect l="0" t="0" r="0" b="0"/>
-              <a:pathLst>
-                <a:path w="10230" h="1" fill="none" extrusionOk="0">
-                  <a:moveTo>
-                    <a:pt x="10229" y="1"/>
-                  </a:moveTo>
-                  <a:lnTo>
-                    <a:pt x="0" y="1"/>
-                  </a:lnTo>
-                </a:path>
-              </a:pathLst>
-            </a:custGeom>
-            <a:noFill/>
-            <a:ln w="12175" cap="rnd" cmpd="sng">
-              <a:solidFill>
-                <a:srgbClr val="FF9800"/>
-              </a:solidFill>
-              <a:prstDash val="solid"/>
-              <a:round/>
-              <a:headEnd type="none" w="med" len="med"/>
-              <a:tailEnd type="none" w="med" len="med"/>
-            </a:ln>
-          </p:spPr>
-          <p:txBody>
-            <a:bodyPr wrap="square" lIns="91425" tIns="91425" rIns="91425" bIns="91425" anchor="ctr" anchorCtr="0">
-              <a:noAutofit/>
-            </a:bodyPr>
-            <a:lstStyle/>
-            <a:p>
-              <a:pPr lvl="0">
-                <a:spcBef>
-                  <a:spcPts val="0"/>
-                </a:spcBef>
-                <a:buNone/>
-              </a:pPr>
-              <a:endParaRPr/>
-            </a:p>
-          </p:txBody>
-        </p:sp>
-        <p:sp>
-          <p:nvSpPr>
-            <p:cNvPr id="203" name="Shape 203"/>
-            <p:cNvSpPr/>
-            <p:nvPr/>
-          </p:nvSpPr>
-          <p:spPr>
-            <a:xfrm>
-              <a:off x="649925" y="424425"/>
-              <a:ext cx="255750" cy="25"/>
-            </a:xfrm>
-            <a:custGeom>
-              <a:avLst/>
-              <a:gdLst/>
-              <a:ahLst/>
-              <a:cxnLst/>
-              <a:rect l="0" t="0" r="0" b="0"/>
-              <a:pathLst>
-                <a:path w="10230" h="1" fill="none" extrusionOk="0">
-                  <a:moveTo>
-                    <a:pt x="10229" y="1"/>
-                  </a:moveTo>
-                  <a:lnTo>
-                    <a:pt x="0" y="1"/>
-                  </a:lnTo>
-                </a:path>
-              </a:pathLst>
-            </a:custGeom>
-            <a:noFill/>
-            <a:ln w="12175" cap="rnd" cmpd="sng">
-              <a:solidFill>
-                <a:srgbClr val="FF9800"/>
-              </a:solidFill>
-              <a:prstDash val="solid"/>
-              <a:round/>
-              <a:headEnd type="none" w="med" len="med"/>
-              <a:tailEnd type="none" w="med" len="med"/>
-            </a:ln>
-          </p:spPr>
-          <p:txBody>
-            <a:bodyPr wrap="square" lIns="91425" tIns="91425" rIns="91425" bIns="91425" anchor="ctr" anchorCtr="0">
-              <a:noAutofit/>
-            </a:bodyPr>
-            <a:lstStyle/>
-            <a:p>
-              <a:pPr lvl="0">
-                <a:spcBef>
-                  <a:spcPts val="0"/>
-                </a:spcBef>
-                <a:buNone/>
-              </a:pPr>
-              <a:endParaRPr/>
-            </a:p>
-          </p:txBody>
-        </p:sp>
-        <p:sp>
-          <p:nvSpPr>
-            <p:cNvPr id="204" name="Shape 204"/>
-            <p:cNvSpPr/>
-            <p:nvPr/>
-          </p:nvSpPr>
-          <p:spPr>
-            <a:xfrm>
-              <a:off x="879475" y="274025"/>
-              <a:ext cx="45075" cy="45100"/>
-            </a:xfrm>
-            <a:custGeom>
-              <a:avLst/>
-              <a:gdLst/>
-              <a:ahLst/>
-              <a:cxnLst/>
-              <a:rect l="0" t="0" r="0" b="0"/>
-              <a:pathLst>
-                <a:path w="1803" h="1804" fill="none" extrusionOk="0">
-                  <a:moveTo>
-                    <a:pt x="901" y="1803"/>
-                  </a:moveTo>
-                  <a:lnTo>
-                    <a:pt x="901" y="1803"/>
-                  </a:lnTo>
-                  <a:lnTo>
-                    <a:pt x="731" y="1779"/>
-                  </a:lnTo>
-                  <a:lnTo>
-                    <a:pt x="560" y="1730"/>
-                  </a:lnTo>
-                  <a:lnTo>
-                    <a:pt x="390" y="1657"/>
-                  </a:lnTo>
-                  <a:lnTo>
-                    <a:pt x="268" y="1535"/>
-                  </a:lnTo>
-                  <a:lnTo>
-                    <a:pt x="146" y="1414"/>
-                  </a:lnTo>
-                  <a:lnTo>
-                    <a:pt x="73" y="1243"/>
-                  </a:lnTo>
-                  <a:lnTo>
-                    <a:pt x="25" y="1073"/>
-                  </a:lnTo>
-                  <a:lnTo>
-                    <a:pt x="0" y="902"/>
-                  </a:lnTo>
-                  <a:lnTo>
-                    <a:pt x="0" y="902"/>
-                  </a:lnTo>
-                  <a:lnTo>
-                    <a:pt x="25" y="732"/>
-                  </a:lnTo>
-                  <a:lnTo>
-                    <a:pt x="73" y="561"/>
-                  </a:lnTo>
-                  <a:lnTo>
-                    <a:pt x="146" y="391"/>
-                  </a:lnTo>
-                  <a:lnTo>
-                    <a:pt x="268" y="269"/>
-                  </a:lnTo>
-                  <a:lnTo>
-                    <a:pt x="390" y="147"/>
-                  </a:lnTo>
-                  <a:lnTo>
-                    <a:pt x="560" y="74"/>
-                  </a:lnTo>
-                  <a:lnTo>
-                    <a:pt x="731" y="25"/>
-                  </a:lnTo>
-                  <a:lnTo>
-                    <a:pt x="901" y="1"/>
-                  </a:lnTo>
-                  <a:lnTo>
-                    <a:pt x="901" y="1"/>
-                  </a:lnTo>
-                  <a:lnTo>
-                    <a:pt x="1072" y="25"/>
-                  </a:lnTo>
-                  <a:lnTo>
-                    <a:pt x="1242" y="74"/>
-                  </a:lnTo>
-                  <a:lnTo>
-                    <a:pt x="1413" y="147"/>
-                  </a:lnTo>
-                  <a:lnTo>
-                    <a:pt x="1535" y="269"/>
-                  </a:lnTo>
-                  <a:lnTo>
-                    <a:pt x="1656" y="391"/>
-                  </a:lnTo>
-                  <a:lnTo>
-                    <a:pt x="1729" y="561"/>
-                  </a:lnTo>
-                  <a:lnTo>
-                    <a:pt x="1778" y="732"/>
-                  </a:lnTo>
-                  <a:lnTo>
-                    <a:pt x="1802" y="902"/>
-                  </a:lnTo>
-                  <a:lnTo>
-                    <a:pt x="1802" y="902"/>
-                  </a:lnTo>
-                  <a:lnTo>
-                    <a:pt x="1778" y="1073"/>
-                  </a:lnTo>
-                  <a:lnTo>
-                    <a:pt x="1729" y="1243"/>
-                  </a:lnTo>
-                  <a:lnTo>
-                    <a:pt x="1656" y="1414"/>
-                  </a:lnTo>
-                  <a:lnTo>
-                    <a:pt x="1535" y="1535"/>
-                  </a:lnTo>
-                  <a:lnTo>
-                    <a:pt x="1413" y="1657"/>
-                  </a:lnTo>
-                  <a:lnTo>
-                    <a:pt x="1242" y="1730"/>
-                  </a:lnTo>
-                  <a:lnTo>
-                    <a:pt x="1072" y="1779"/>
-                  </a:lnTo>
-                  <a:lnTo>
-                    <a:pt x="901" y="1803"/>
-                  </a:lnTo>
-                  <a:lnTo>
-                    <a:pt x="901" y="1803"/>
-                  </a:lnTo>
-                </a:path>
-              </a:pathLst>
-            </a:custGeom>
-            <a:noFill/>
-            <a:ln w="12175" cap="rnd" cmpd="sng">
-              <a:solidFill>
-                <a:srgbClr val="FF9800"/>
-              </a:solidFill>
-              <a:prstDash val="solid"/>
-              <a:round/>
-              <a:headEnd type="none" w="med" len="med"/>
-              <a:tailEnd type="none" w="med" len="med"/>
-            </a:ln>
-          </p:spPr>
-          <p:txBody>
-            <a:bodyPr wrap="square" lIns="91425" tIns="91425" rIns="91425" bIns="91425" anchor="ctr" anchorCtr="0">
-              <a:noAutofit/>
-            </a:bodyPr>
-            <a:lstStyle/>
-            <a:p>
-              <a:pPr lvl="0">
-                <a:spcBef>
-                  <a:spcPts val="0"/>
-                </a:spcBef>
-                <a:buNone/>
-              </a:pPr>
-              <a:endParaRPr/>
-            </a:p>
-          </p:txBody>
-        </p:sp>
-        <p:sp>
-          <p:nvSpPr>
-            <p:cNvPr id="205" name="Shape 205"/>
-            <p:cNvSpPr/>
-            <p:nvPr/>
-          </p:nvSpPr>
-          <p:spPr>
-            <a:xfrm>
-              <a:off x="654800" y="244200"/>
-              <a:ext cx="25" cy="51175"/>
-            </a:xfrm>
-            <a:custGeom>
-              <a:avLst/>
-              <a:gdLst/>
-              <a:ahLst/>
-              <a:cxnLst/>
-              <a:rect l="0" t="0" r="0" b="0"/>
-              <a:pathLst>
-                <a:path w="1" h="2047" fill="none" extrusionOk="0">
-                  <a:moveTo>
-                    <a:pt x="0" y="1"/>
-                  </a:moveTo>
-                  <a:lnTo>
-                    <a:pt x="0" y="2046"/>
-                  </a:lnTo>
-                </a:path>
-              </a:pathLst>
-            </a:custGeom>
-            <a:noFill/>
-            <a:ln w="12175" cap="rnd" cmpd="sng">
-              <a:solidFill>
-                <a:srgbClr val="FF9800"/>
-              </a:solidFill>
-              <a:prstDash val="solid"/>
-              <a:round/>
-              <a:headEnd type="none" w="med" len="med"/>
-              <a:tailEnd type="none" w="med" len="med"/>
-            </a:ln>
-          </p:spPr>
-          <p:txBody>
-            <a:bodyPr wrap="square" lIns="91425" tIns="91425" rIns="91425" bIns="91425" anchor="ctr" anchorCtr="0">
-              <a:noAutofit/>
-            </a:bodyPr>
-            <a:lstStyle/>
-            <a:p>
-              <a:pPr lvl="0">
-                <a:spcBef>
-                  <a:spcPts val="0"/>
-                </a:spcBef>
-                <a:buNone/>
-              </a:pPr>
-              <a:endParaRPr/>
-            </a:p>
-          </p:txBody>
-        </p:sp>
-        <p:sp>
-          <p:nvSpPr>
-            <p:cNvPr id="206" name="Shape 206"/>
-            <p:cNvSpPr/>
-            <p:nvPr/>
-          </p:nvSpPr>
-          <p:spPr>
-            <a:xfrm>
-              <a:off x="737600" y="244200"/>
-              <a:ext cx="25" cy="51175"/>
-            </a:xfrm>
-            <a:custGeom>
-              <a:avLst/>
-              <a:gdLst/>
-              <a:ahLst/>
-              <a:cxnLst/>
-              <a:rect l="0" t="0" r="0" b="0"/>
-              <a:pathLst>
-                <a:path w="1" h="2047" fill="none" extrusionOk="0">
-                  <a:moveTo>
-                    <a:pt x="1" y="1"/>
-                  </a:moveTo>
-                  <a:lnTo>
-                    <a:pt x="1" y="2046"/>
-                  </a:lnTo>
-                </a:path>
-              </a:pathLst>
-            </a:custGeom>
-            <a:noFill/>
-            <a:ln w="12175" cap="rnd" cmpd="sng">
-              <a:solidFill>
-                <a:srgbClr val="FF9800"/>
-              </a:solidFill>
-              <a:prstDash val="solid"/>
-              <a:round/>
-              <a:headEnd type="none" w="med" len="med"/>
-              <a:tailEnd type="none" w="med" len="med"/>
-            </a:ln>
-          </p:spPr>
-          <p:txBody>
-            <a:bodyPr wrap="square" lIns="91425" tIns="91425" rIns="91425" bIns="91425" anchor="ctr" anchorCtr="0">
-              <a:noAutofit/>
-            </a:bodyPr>
-            <a:lstStyle/>
-            <a:p>
-              <a:pPr lvl="0">
-                <a:spcBef>
-                  <a:spcPts val="0"/>
-                </a:spcBef>
-                <a:buNone/>
-              </a:pPr>
-              <a:endParaRPr/>
-            </a:p>
-          </p:txBody>
-        </p:sp>
-        <p:sp>
-          <p:nvSpPr>
-            <p:cNvPr id="207" name="Shape 207"/>
-            <p:cNvSpPr/>
-            <p:nvPr/>
-          </p:nvSpPr>
-          <p:spPr>
-            <a:xfrm>
-              <a:off x="820400" y="244200"/>
-              <a:ext cx="25" cy="51175"/>
-            </a:xfrm>
-            <a:custGeom>
-              <a:avLst/>
-              <a:gdLst/>
-              <a:ahLst/>
-              <a:cxnLst/>
-              <a:rect l="0" t="0" r="0" b="0"/>
-              <a:pathLst>
-                <a:path w="1" h="2047" fill="none" extrusionOk="0">
-                  <a:moveTo>
-                    <a:pt x="1" y="1"/>
-                  </a:moveTo>
-                  <a:lnTo>
-                    <a:pt x="1" y="2046"/>
-                  </a:lnTo>
-                </a:path>
-              </a:pathLst>
-            </a:custGeom>
-            <a:noFill/>
-            <a:ln w="12175" cap="rnd" cmpd="sng">
-              <a:solidFill>
-                <a:srgbClr val="FF9800"/>
-              </a:solidFill>
-              <a:prstDash val="solid"/>
-              <a:round/>
-              <a:headEnd type="none" w="med" len="med"/>
-              <a:tailEnd type="none" w="med" len="med"/>
-            </a:ln>
-          </p:spPr>
-          <p:txBody>
-            <a:bodyPr wrap="square" lIns="91425" tIns="91425" rIns="91425" bIns="91425" anchor="ctr" anchorCtr="0">
-              <a:noAutofit/>
-            </a:bodyPr>
-            <a:lstStyle/>
-            <a:p>
-              <a:pPr lvl="0">
-                <a:spcBef>
-                  <a:spcPts val="0"/>
-                </a:spcBef>
-                <a:buNone/>
-              </a:pPr>
-              <a:endParaRPr/>
-            </a:p>
-          </p:txBody>
-        </p:sp>
-        <p:sp>
-          <p:nvSpPr>
-            <p:cNvPr id="208" name="Shape 208"/>
-            <p:cNvSpPr/>
-            <p:nvPr/>
-          </p:nvSpPr>
-          <p:spPr>
-            <a:xfrm>
-              <a:off x="903225" y="244200"/>
-              <a:ext cx="25" cy="51175"/>
-            </a:xfrm>
-            <a:custGeom>
-              <a:avLst/>
-              <a:gdLst/>
-              <a:ahLst/>
-              <a:cxnLst/>
-              <a:rect l="0" t="0" r="0" b="0"/>
-              <a:pathLst>
-                <a:path w="1" h="2047" fill="none" extrusionOk="0">
-                  <a:moveTo>
-                    <a:pt x="0" y="1"/>
-                  </a:moveTo>
-                  <a:lnTo>
-                    <a:pt x="0" y="2046"/>
-                  </a:lnTo>
-                </a:path>
-              </a:pathLst>
-            </a:custGeom>
-            <a:noFill/>
-            <a:ln w="12175" cap="rnd" cmpd="sng">
-              <a:solidFill>
-                <a:srgbClr val="FF9800"/>
-              </a:solidFill>
-              <a:prstDash val="solid"/>
-              <a:round/>
-              <a:headEnd type="none" w="med" len="med"/>
-              <a:tailEnd type="none" w="med" len="med"/>
-            </a:ln>
-          </p:spPr>
-          <p:txBody>
-            <a:bodyPr wrap="square" lIns="91425" tIns="91425" rIns="91425" bIns="91425" anchor="ctr" anchorCtr="0">
-              <a:noAutofit/>
-            </a:bodyPr>
-            <a:lstStyle/>
-            <a:p>
-              <a:pPr lvl="0">
-                <a:spcBef>
-                  <a:spcPts val="0"/>
-                </a:spcBef>
-                <a:buNone/>
-              </a:pPr>
-              <a:endParaRPr/>
-            </a:p>
-          </p:txBody>
-        </p:sp>
-      </p:grpSp>
-      <p:pic>
-        <p:nvPicPr>
-          <p:cNvPr id="2" name="Picture 1" descr="Screen Shot 2017-12-04 at 10.43.02 PM.png"/>
-          <p:cNvPicPr>
-            <a:picLocks noChangeAspect="1"/>
-          </p:cNvPicPr>
-          <p:nvPr/>
-        </p:nvPicPr>
-        <p:blipFill>
-          <a:blip r:embed="rId3">
-            <a:extLst>
-              <a:ext uri="{28A0092B-C50C-407E-A947-70E740481C1C}">
-                <a14:useLocalDpi xmlns:a14="http://schemas.microsoft.com/office/drawing/2010/main" val="0"/>
-              </a:ext>
-            </a:extLst>
-          </a:blip>
-          <a:stretch>
-            <a:fillRect/>
-          </a:stretch>
-        </p:blipFill>
-        <p:spPr>
-          <a:xfrm>
-            <a:off x="178781" y="2048909"/>
-            <a:ext cx="8612282" cy="1495277"/>
-          </a:xfrm>
-          <a:prstGeom prst="rect">
-            <a:avLst/>
-          </a:prstGeom>
-        </p:spPr>
-      </p:pic>
-    </p:spTree>
-    <p:extLst>
-      <p:ext uri="{BB962C8B-B14F-4D97-AF65-F5344CB8AC3E}">
-        <p14:creationId xmlns:p14="http://schemas.microsoft.com/office/powerpoint/2010/main" val="1752670176"/>
       </p:ext>
     </p:extLst>
   </p:cSld>
@@ -8111,6 +7177,1578 @@
       </p:grpSp>
       <p:pic>
         <p:nvPicPr>
+          <p:cNvPr id="2" name="Picture 1" descr="Screen Shot 2017-12-04 at 10.43.02 PM.png"/>
+          <p:cNvPicPr>
+            <a:picLocks noChangeAspect="1"/>
+          </p:cNvPicPr>
+          <p:nvPr/>
+        </p:nvPicPr>
+        <p:blipFill>
+          <a:blip r:embed="rId3">
+            <a:extLst>
+              <a:ext uri="{28A0092B-C50C-407E-A947-70E740481C1C}">
+                <a14:useLocalDpi xmlns:a14="http://schemas.microsoft.com/office/drawing/2010/main" val="0"/>
+              </a:ext>
+            </a:extLst>
+          </a:blip>
+          <a:stretch>
+            <a:fillRect/>
+          </a:stretch>
+        </p:blipFill>
+        <p:spPr>
+          <a:xfrm>
+            <a:off x="178781" y="2048909"/>
+            <a:ext cx="8612282" cy="1495277"/>
+          </a:xfrm>
+          <a:prstGeom prst="rect">
+            <a:avLst/>
+          </a:prstGeom>
+        </p:spPr>
+      </p:pic>
+    </p:spTree>
+    <p:extLst>
+      <p:ext uri="{BB962C8B-B14F-4D97-AF65-F5344CB8AC3E}">
+        <p14:creationId xmlns:p14="http://schemas.microsoft.com/office/powerpoint/2010/main" val="1752670176"/>
+      </p:ext>
+    </p:extLst>
+  </p:cSld>
+  <p:clrMapOvr>
+    <a:masterClrMapping/>
+  </p:clrMapOvr>
+  <p:timing>
+    <p:tnLst>
+      <p:par>
+        <p:cTn xmlns:p14="http://schemas.microsoft.com/office/powerpoint/2010/main" id="1" dur="indefinite" restart="never" nodeType="tmRoot"/>
+      </p:par>
+    </p:tnLst>
+  </p:timing>
+</p:sld>
+</file>
+
+<file path=ppt/slides/slide8.xml><?xml version="1.0" encoding="utf-8"?>
+<p:sld xmlns:a="http://schemas.openxmlformats.org/drawingml/2006/main" xmlns:r="http://schemas.openxmlformats.org/officeDocument/2006/relationships" xmlns:p="http://schemas.openxmlformats.org/presentationml/2006/main">
+  <p:cSld>
+    <p:spTree>
+      <p:nvGrpSpPr>
+        <p:cNvPr id="1" name="Shape 188"/>
+        <p:cNvGrpSpPr/>
+        <p:nvPr/>
+      </p:nvGrpSpPr>
+      <p:grpSpPr>
+        <a:xfrm>
+          <a:off x="0" y="0"/>
+          <a:ext cx="0" cy="0"/>
+          <a:chOff x="0" y="0"/>
+          <a:chExt cx="0" cy="0"/>
+        </a:xfrm>
+      </p:grpSpPr>
+      <p:sp>
+        <p:nvSpPr>
+          <p:cNvPr id="189" name="Shape 189"/>
+          <p:cNvSpPr txBox="1">
+            <a:spLocks noGrp="1"/>
+          </p:cNvSpPr>
+          <p:nvPr>
+            <p:ph type="title"/>
+          </p:nvPr>
+        </p:nvSpPr>
+        <p:spPr>
+          <a:xfrm>
+            <a:off x="814275" y="392575"/>
+            <a:ext cx="5258400" cy="766200"/>
+          </a:xfrm>
+          <a:prstGeom prst="rect">
+            <a:avLst/>
+          </a:prstGeom>
+        </p:spPr>
+        <p:txBody>
+          <a:bodyPr wrap="square" lIns="91425" tIns="91425" rIns="91425" bIns="91425" anchor="ctr" anchorCtr="0">
+            <a:noAutofit/>
+          </a:bodyPr>
+          <a:lstStyle/>
+          <a:p>
+            <a:pPr lvl="0" rtl="0">
+              <a:spcBef>
+                <a:spcPts val="0"/>
+              </a:spcBef>
+              <a:buNone/>
+            </a:pPr>
+            <a:r>
+              <a:rPr lang="en-US" dirty="0" smtClean="0"/>
+              <a:t>Traditional</a:t>
+            </a:r>
+            <a:endParaRPr lang="en" dirty="0"/>
+          </a:p>
+        </p:txBody>
+      </p:sp>
+      <p:sp>
+        <p:nvSpPr>
+          <p:cNvPr id="192" name="Shape 192"/>
+          <p:cNvSpPr txBox="1">
+            <a:spLocks noGrp="1"/>
+          </p:cNvSpPr>
+          <p:nvPr>
+            <p:ph type="sldNum" idx="12"/>
+          </p:nvPr>
+        </p:nvSpPr>
+        <p:spPr>
+          <a:xfrm>
+            <a:off x="7618000" y="4636500"/>
+            <a:ext cx="1487400" cy="315600"/>
+          </a:xfrm>
+          <a:prstGeom prst="rect">
+            <a:avLst/>
+          </a:prstGeom>
+        </p:spPr>
+        <p:txBody>
+          <a:bodyPr wrap="square" lIns="91425" tIns="91425" rIns="91425" bIns="91425" anchor="ctr" anchorCtr="0">
+            <a:noAutofit/>
+          </a:bodyPr>
+          <a:lstStyle/>
+          <a:p>
+            <a:pPr lvl="0">
+              <a:spcBef>
+                <a:spcPts val="0"/>
+              </a:spcBef>
+              <a:buNone/>
+            </a:pPr>
+            <a:fld id="{00000000-1234-1234-1234-123412341234}" type="slidenum">
+              <a:rPr lang="en"/>
+              <a:t>8</a:t>
+            </a:fld>
+            <a:endParaRPr lang="en"/>
+          </a:p>
+        </p:txBody>
+      </p:sp>
+      <p:grpSp>
+        <p:nvGrpSpPr>
+          <p:cNvPr id="194" name="Shape 194"/>
+          <p:cNvGrpSpPr/>
+          <p:nvPr/>
+        </p:nvGrpSpPr>
+        <p:grpSpPr>
+          <a:xfrm>
+            <a:off x="293683" y="574116"/>
+            <a:ext cx="309041" cy="403123"/>
+            <a:chOff x="590250" y="244200"/>
+            <a:chExt cx="407975" cy="532175"/>
+          </a:xfrm>
+        </p:grpSpPr>
+        <p:sp>
+          <p:nvSpPr>
+            <p:cNvPr id="195" name="Shape 195"/>
+            <p:cNvSpPr/>
+            <p:nvPr/>
+          </p:nvSpPr>
+          <p:spPr>
+            <a:xfrm>
+              <a:off x="623125" y="313625"/>
+              <a:ext cx="375100" cy="462750"/>
+            </a:xfrm>
+            <a:custGeom>
+              <a:avLst/>
+              <a:gdLst/>
+              <a:ahLst/>
+              <a:cxnLst/>
+              <a:rect l="0" t="0" r="0" b="0"/>
+              <a:pathLst>
+                <a:path w="15004" h="18510" fill="none" extrusionOk="0">
+                  <a:moveTo>
+                    <a:pt x="1" y="17536"/>
+                  </a:moveTo>
+                  <a:lnTo>
+                    <a:pt x="1" y="17536"/>
+                  </a:lnTo>
+                  <a:lnTo>
+                    <a:pt x="1" y="17536"/>
+                  </a:lnTo>
+                  <a:lnTo>
+                    <a:pt x="25" y="17682"/>
+                  </a:lnTo>
+                  <a:lnTo>
+                    <a:pt x="49" y="17852"/>
+                  </a:lnTo>
+                  <a:lnTo>
+                    <a:pt x="123" y="18023"/>
+                  </a:lnTo>
+                  <a:lnTo>
+                    <a:pt x="220" y="18193"/>
+                  </a:lnTo>
+                  <a:lnTo>
+                    <a:pt x="293" y="18291"/>
+                  </a:lnTo>
+                  <a:lnTo>
+                    <a:pt x="390" y="18364"/>
+                  </a:lnTo>
+                  <a:lnTo>
+                    <a:pt x="488" y="18412"/>
+                  </a:lnTo>
+                  <a:lnTo>
+                    <a:pt x="610" y="18461"/>
+                  </a:lnTo>
+                  <a:lnTo>
+                    <a:pt x="756" y="18510"/>
+                  </a:lnTo>
+                  <a:lnTo>
+                    <a:pt x="926" y="18510"/>
+                  </a:lnTo>
+                  <a:lnTo>
+                    <a:pt x="14468" y="18510"/>
+                  </a:lnTo>
+                  <a:lnTo>
+                    <a:pt x="14468" y="18510"/>
+                  </a:lnTo>
+                  <a:lnTo>
+                    <a:pt x="14541" y="18510"/>
+                  </a:lnTo>
+                  <a:lnTo>
+                    <a:pt x="14614" y="18485"/>
+                  </a:lnTo>
+                  <a:lnTo>
+                    <a:pt x="14736" y="18412"/>
+                  </a:lnTo>
+                  <a:lnTo>
+                    <a:pt x="14833" y="18291"/>
+                  </a:lnTo>
+                  <a:lnTo>
+                    <a:pt x="14906" y="18144"/>
+                  </a:lnTo>
+                  <a:lnTo>
+                    <a:pt x="14955" y="17974"/>
+                  </a:lnTo>
+                  <a:lnTo>
+                    <a:pt x="14979" y="17779"/>
+                  </a:lnTo>
+                  <a:lnTo>
+                    <a:pt x="15003" y="17438"/>
+                  </a:lnTo>
+                  <a:lnTo>
+                    <a:pt x="15003" y="487"/>
+                  </a:lnTo>
+                  <a:lnTo>
+                    <a:pt x="15003" y="487"/>
+                  </a:lnTo>
+                  <a:lnTo>
+                    <a:pt x="15003" y="341"/>
+                  </a:lnTo>
+                  <a:lnTo>
+                    <a:pt x="14979" y="219"/>
+                  </a:lnTo>
+                  <a:lnTo>
+                    <a:pt x="14955" y="146"/>
+                  </a:lnTo>
+                  <a:lnTo>
+                    <a:pt x="14906" y="73"/>
+                  </a:lnTo>
+                  <a:lnTo>
+                    <a:pt x="14833" y="49"/>
+                  </a:lnTo>
+                  <a:lnTo>
+                    <a:pt x="14736" y="24"/>
+                  </a:lnTo>
+                  <a:lnTo>
+                    <a:pt x="14468" y="0"/>
+                  </a:lnTo>
+                </a:path>
+              </a:pathLst>
+            </a:custGeom>
+            <a:noFill/>
+            <a:ln w="12175" cap="rnd" cmpd="sng">
+              <a:solidFill>
+                <a:srgbClr val="FF9800"/>
+              </a:solidFill>
+              <a:prstDash val="solid"/>
+              <a:round/>
+              <a:headEnd type="none" w="med" len="med"/>
+              <a:tailEnd type="none" w="med" len="med"/>
+            </a:ln>
+          </p:spPr>
+          <p:txBody>
+            <a:bodyPr wrap="square" lIns="91425" tIns="91425" rIns="91425" bIns="91425" anchor="ctr" anchorCtr="0">
+              <a:noAutofit/>
+            </a:bodyPr>
+            <a:lstStyle/>
+            <a:p>
+              <a:pPr lvl="0">
+                <a:spcBef>
+                  <a:spcPts val="0"/>
+                </a:spcBef>
+                <a:buNone/>
+              </a:pPr>
+              <a:endParaRPr/>
+            </a:p>
+          </p:txBody>
+        </p:sp>
+        <p:sp>
+          <p:nvSpPr>
+            <p:cNvPr id="196" name="Shape 196"/>
+            <p:cNvSpPr/>
+            <p:nvPr/>
+          </p:nvSpPr>
+          <p:spPr>
+            <a:xfrm>
+              <a:off x="590250" y="269775"/>
+              <a:ext cx="377525" cy="462775"/>
+            </a:xfrm>
+            <a:custGeom>
+              <a:avLst/>
+              <a:gdLst/>
+              <a:ahLst/>
+              <a:cxnLst/>
+              <a:rect l="0" t="0" r="0" b="0"/>
+              <a:pathLst>
+                <a:path w="15101" h="18511" fill="none" extrusionOk="0">
+                  <a:moveTo>
+                    <a:pt x="14321" y="0"/>
+                  </a:moveTo>
+                  <a:lnTo>
+                    <a:pt x="780" y="0"/>
+                  </a:lnTo>
+                  <a:lnTo>
+                    <a:pt x="780" y="0"/>
+                  </a:lnTo>
+                  <a:lnTo>
+                    <a:pt x="634" y="25"/>
+                  </a:lnTo>
+                  <a:lnTo>
+                    <a:pt x="488" y="74"/>
+                  </a:lnTo>
+                  <a:lnTo>
+                    <a:pt x="342" y="122"/>
+                  </a:lnTo>
+                  <a:lnTo>
+                    <a:pt x="220" y="220"/>
+                  </a:lnTo>
+                  <a:lnTo>
+                    <a:pt x="122" y="341"/>
+                  </a:lnTo>
+                  <a:lnTo>
+                    <a:pt x="74" y="488"/>
+                  </a:lnTo>
+                  <a:lnTo>
+                    <a:pt x="25" y="634"/>
+                  </a:lnTo>
+                  <a:lnTo>
+                    <a:pt x="1" y="780"/>
+                  </a:lnTo>
+                  <a:lnTo>
+                    <a:pt x="1" y="17731"/>
+                  </a:lnTo>
+                  <a:lnTo>
+                    <a:pt x="1" y="17731"/>
+                  </a:lnTo>
+                  <a:lnTo>
+                    <a:pt x="25" y="17877"/>
+                  </a:lnTo>
+                  <a:lnTo>
+                    <a:pt x="74" y="18023"/>
+                  </a:lnTo>
+                  <a:lnTo>
+                    <a:pt x="122" y="18169"/>
+                  </a:lnTo>
+                  <a:lnTo>
+                    <a:pt x="220" y="18291"/>
+                  </a:lnTo>
+                  <a:lnTo>
+                    <a:pt x="342" y="18388"/>
+                  </a:lnTo>
+                  <a:lnTo>
+                    <a:pt x="488" y="18437"/>
+                  </a:lnTo>
+                  <a:lnTo>
+                    <a:pt x="634" y="18486"/>
+                  </a:lnTo>
+                  <a:lnTo>
+                    <a:pt x="780" y="18510"/>
+                  </a:lnTo>
+                  <a:lnTo>
+                    <a:pt x="14321" y="18510"/>
+                  </a:lnTo>
+                  <a:lnTo>
+                    <a:pt x="14321" y="18510"/>
+                  </a:lnTo>
+                  <a:lnTo>
+                    <a:pt x="14467" y="18486"/>
+                  </a:lnTo>
+                  <a:lnTo>
+                    <a:pt x="14614" y="18437"/>
+                  </a:lnTo>
+                  <a:lnTo>
+                    <a:pt x="14760" y="18388"/>
+                  </a:lnTo>
+                  <a:lnTo>
+                    <a:pt x="14881" y="18291"/>
+                  </a:lnTo>
+                  <a:lnTo>
+                    <a:pt x="14979" y="18169"/>
+                  </a:lnTo>
+                  <a:lnTo>
+                    <a:pt x="15028" y="18023"/>
+                  </a:lnTo>
+                  <a:lnTo>
+                    <a:pt x="15076" y="17877"/>
+                  </a:lnTo>
+                  <a:lnTo>
+                    <a:pt x="15101" y="17731"/>
+                  </a:lnTo>
+                  <a:lnTo>
+                    <a:pt x="15101" y="780"/>
+                  </a:lnTo>
+                  <a:lnTo>
+                    <a:pt x="15101" y="780"/>
+                  </a:lnTo>
+                  <a:lnTo>
+                    <a:pt x="15076" y="634"/>
+                  </a:lnTo>
+                  <a:lnTo>
+                    <a:pt x="15028" y="488"/>
+                  </a:lnTo>
+                  <a:lnTo>
+                    <a:pt x="14979" y="341"/>
+                  </a:lnTo>
+                  <a:lnTo>
+                    <a:pt x="14881" y="220"/>
+                  </a:lnTo>
+                  <a:lnTo>
+                    <a:pt x="14760" y="122"/>
+                  </a:lnTo>
+                  <a:lnTo>
+                    <a:pt x="14614" y="74"/>
+                  </a:lnTo>
+                  <a:lnTo>
+                    <a:pt x="14467" y="25"/>
+                  </a:lnTo>
+                  <a:lnTo>
+                    <a:pt x="14321" y="0"/>
+                  </a:lnTo>
+                  <a:lnTo>
+                    <a:pt x="14321" y="0"/>
+                  </a:lnTo>
+                </a:path>
+              </a:pathLst>
+            </a:custGeom>
+            <a:noFill/>
+            <a:ln w="12175" cap="rnd" cmpd="sng">
+              <a:solidFill>
+                <a:srgbClr val="FF9800"/>
+              </a:solidFill>
+              <a:prstDash val="solid"/>
+              <a:round/>
+              <a:headEnd type="none" w="med" len="med"/>
+              <a:tailEnd type="none" w="med" len="med"/>
+            </a:ln>
+          </p:spPr>
+          <p:txBody>
+            <a:bodyPr wrap="square" lIns="91425" tIns="91425" rIns="91425" bIns="91425" anchor="ctr" anchorCtr="0">
+              <a:noAutofit/>
+            </a:bodyPr>
+            <a:lstStyle/>
+            <a:p>
+              <a:pPr lvl="0">
+                <a:spcBef>
+                  <a:spcPts val="0"/>
+                </a:spcBef>
+                <a:buNone/>
+              </a:pPr>
+              <a:endParaRPr/>
+            </a:p>
+          </p:txBody>
+        </p:sp>
+        <p:sp>
+          <p:nvSpPr>
+            <p:cNvPr id="197" name="Shape 197"/>
+            <p:cNvSpPr/>
+            <p:nvPr/>
+          </p:nvSpPr>
+          <p:spPr>
+            <a:xfrm>
+              <a:off x="796650" y="274025"/>
+              <a:ext cx="45100" cy="45100"/>
+            </a:xfrm>
+            <a:custGeom>
+              <a:avLst/>
+              <a:gdLst/>
+              <a:ahLst/>
+              <a:cxnLst/>
+              <a:rect l="0" t="0" r="0" b="0"/>
+              <a:pathLst>
+                <a:path w="1804" h="1804" fill="none" extrusionOk="0">
+                  <a:moveTo>
+                    <a:pt x="902" y="1"/>
+                  </a:moveTo>
+                  <a:lnTo>
+                    <a:pt x="902" y="1"/>
+                  </a:lnTo>
+                  <a:lnTo>
+                    <a:pt x="1073" y="25"/>
+                  </a:lnTo>
+                  <a:lnTo>
+                    <a:pt x="1243" y="74"/>
+                  </a:lnTo>
+                  <a:lnTo>
+                    <a:pt x="1414" y="147"/>
+                  </a:lnTo>
+                  <a:lnTo>
+                    <a:pt x="1535" y="269"/>
+                  </a:lnTo>
+                  <a:lnTo>
+                    <a:pt x="1657" y="391"/>
+                  </a:lnTo>
+                  <a:lnTo>
+                    <a:pt x="1730" y="561"/>
+                  </a:lnTo>
+                  <a:lnTo>
+                    <a:pt x="1779" y="732"/>
+                  </a:lnTo>
+                  <a:lnTo>
+                    <a:pt x="1803" y="902"/>
+                  </a:lnTo>
+                  <a:lnTo>
+                    <a:pt x="1803" y="902"/>
+                  </a:lnTo>
+                  <a:lnTo>
+                    <a:pt x="1779" y="1073"/>
+                  </a:lnTo>
+                  <a:lnTo>
+                    <a:pt x="1730" y="1243"/>
+                  </a:lnTo>
+                  <a:lnTo>
+                    <a:pt x="1657" y="1414"/>
+                  </a:lnTo>
+                  <a:lnTo>
+                    <a:pt x="1535" y="1535"/>
+                  </a:lnTo>
+                  <a:lnTo>
+                    <a:pt x="1414" y="1657"/>
+                  </a:lnTo>
+                  <a:lnTo>
+                    <a:pt x="1243" y="1730"/>
+                  </a:lnTo>
+                  <a:lnTo>
+                    <a:pt x="1073" y="1779"/>
+                  </a:lnTo>
+                  <a:lnTo>
+                    <a:pt x="902" y="1803"/>
+                  </a:lnTo>
+                  <a:lnTo>
+                    <a:pt x="902" y="1803"/>
+                  </a:lnTo>
+                  <a:lnTo>
+                    <a:pt x="732" y="1779"/>
+                  </a:lnTo>
+                  <a:lnTo>
+                    <a:pt x="561" y="1730"/>
+                  </a:lnTo>
+                  <a:lnTo>
+                    <a:pt x="391" y="1657"/>
+                  </a:lnTo>
+                  <a:lnTo>
+                    <a:pt x="269" y="1535"/>
+                  </a:lnTo>
+                  <a:lnTo>
+                    <a:pt x="147" y="1414"/>
+                  </a:lnTo>
+                  <a:lnTo>
+                    <a:pt x="74" y="1243"/>
+                  </a:lnTo>
+                  <a:lnTo>
+                    <a:pt x="25" y="1073"/>
+                  </a:lnTo>
+                  <a:lnTo>
+                    <a:pt x="1" y="902"/>
+                  </a:lnTo>
+                  <a:lnTo>
+                    <a:pt x="1" y="902"/>
+                  </a:lnTo>
+                  <a:lnTo>
+                    <a:pt x="25" y="732"/>
+                  </a:lnTo>
+                  <a:lnTo>
+                    <a:pt x="74" y="561"/>
+                  </a:lnTo>
+                  <a:lnTo>
+                    <a:pt x="147" y="391"/>
+                  </a:lnTo>
+                  <a:lnTo>
+                    <a:pt x="269" y="269"/>
+                  </a:lnTo>
+                  <a:lnTo>
+                    <a:pt x="391" y="147"/>
+                  </a:lnTo>
+                  <a:lnTo>
+                    <a:pt x="561" y="74"/>
+                  </a:lnTo>
+                  <a:lnTo>
+                    <a:pt x="732" y="25"/>
+                  </a:lnTo>
+                  <a:lnTo>
+                    <a:pt x="902" y="1"/>
+                  </a:lnTo>
+                  <a:lnTo>
+                    <a:pt x="902" y="1"/>
+                  </a:lnTo>
+                </a:path>
+              </a:pathLst>
+            </a:custGeom>
+            <a:noFill/>
+            <a:ln w="12175" cap="rnd" cmpd="sng">
+              <a:solidFill>
+                <a:srgbClr val="FF9800"/>
+              </a:solidFill>
+              <a:prstDash val="solid"/>
+              <a:round/>
+              <a:headEnd type="none" w="med" len="med"/>
+              <a:tailEnd type="none" w="med" len="med"/>
+            </a:ln>
+          </p:spPr>
+          <p:txBody>
+            <a:bodyPr wrap="square" lIns="91425" tIns="91425" rIns="91425" bIns="91425" anchor="ctr" anchorCtr="0">
+              <a:noAutofit/>
+            </a:bodyPr>
+            <a:lstStyle/>
+            <a:p>
+              <a:pPr lvl="0">
+                <a:spcBef>
+                  <a:spcPts val="0"/>
+                </a:spcBef>
+                <a:buNone/>
+              </a:pPr>
+              <a:endParaRPr/>
+            </a:p>
+          </p:txBody>
+        </p:sp>
+        <p:sp>
+          <p:nvSpPr>
+            <p:cNvPr id="198" name="Shape 198"/>
+            <p:cNvSpPr/>
+            <p:nvPr/>
+          </p:nvSpPr>
+          <p:spPr>
+            <a:xfrm>
+              <a:off x="713850" y="274025"/>
+              <a:ext cx="45075" cy="45100"/>
+            </a:xfrm>
+            <a:custGeom>
+              <a:avLst/>
+              <a:gdLst/>
+              <a:ahLst/>
+              <a:cxnLst/>
+              <a:rect l="0" t="0" r="0" b="0"/>
+              <a:pathLst>
+                <a:path w="1803" h="1804" fill="none" extrusionOk="0">
+                  <a:moveTo>
+                    <a:pt x="902" y="1"/>
+                  </a:moveTo>
+                  <a:lnTo>
+                    <a:pt x="902" y="1"/>
+                  </a:lnTo>
+                  <a:lnTo>
+                    <a:pt x="1072" y="25"/>
+                  </a:lnTo>
+                  <a:lnTo>
+                    <a:pt x="1243" y="74"/>
+                  </a:lnTo>
+                  <a:lnTo>
+                    <a:pt x="1413" y="147"/>
+                  </a:lnTo>
+                  <a:lnTo>
+                    <a:pt x="1535" y="269"/>
+                  </a:lnTo>
+                  <a:lnTo>
+                    <a:pt x="1657" y="391"/>
+                  </a:lnTo>
+                  <a:lnTo>
+                    <a:pt x="1730" y="561"/>
+                  </a:lnTo>
+                  <a:lnTo>
+                    <a:pt x="1779" y="732"/>
+                  </a:lnTo>
+                  <a:lnTo>
+                    <a:pt x="1803" y="902"/>
+                  </a:lnTo>
+                  <a:lnTo>
+                    <a:pt x="1803" y="902"/>
+                  </a:lnTo>
+                  <a:lnTo>
+                    <a:pt x="1779" y="1073"/>
+                  </a:lnTo>
+                  <a:lnTo>
+                    <a:pt x="1730" y="1243"/>
+                  </a:lnTo>
+                  <a:lnTo>
+                    <a:pt x="1657" y="1414"/>
+                  </a:lnTo>
+                  <a:lnTo>
+                    <a:pt x="1535" y="1535"/>
+                  </a:lnTo>
+                  <a:lnTo>
+                    <a:pt x="1413" y="1657"/>
+                  </a:lnTo>
+                  <a:lnTo>
+                    <a:pt x="1243" y="1730"/>
+                  </a:lnTo>
+                  <a:lnTo>
+                    <a:pt x="1072" y="1779"/>
+                  </a:lnTo>
+                  <a:lnTo>
+                    <a:pt x="902" y="1803"/>
+                  </a:lnTo>
+                  <a:lnTo>
+                    <a:pt x="902" y="1803"/>
+                  </a:lnTo>
+                  <a:lnTo>
+                    <a:pt x="731" y="1779"/>
+                  </a:lnTo>
+                  <a:lnTo>
+                    <a:pt x="561" y="1730"/>
+                  </a:lnTo>
+                  <a:lnTo>
+                    <a:pt x="390" y="1657"/>
+                  </a:lnTo>
+                  <a:lnTo>
+                    <a:pt x="269" y="1535"/>
+                  </a:lnTo>
+                  <a:lnTo>
+                    <a:pt x="147" y="1414"/>
+                  </a:lnTo>
+                  <a:lnTo>
+                    <a:pt x="74" y="1243"/>
+                  </a:lnTo>
+                  <a:lnTo>
+                    <a:pt x="25" y="1073"/>
+                  </a:lnTo>
+                  <a:lnTo>
+                    <a:pt x="1" y="902"/>
+                  </a:lnTo>
+                  <a:lnTo>
+                    <a:pt x="1" y="902"/>
+                  </a:lnTo>
+                  <a:lnTo>
+                    <a:pt x="25" y="732"/>
+                  </a:lnTo>
+                  <a:lnTo>
+                    <a:pt x="74" y="561"/>
+                  </a:lnTo>
+                  <a:lnTo>
+                    <a:pt x="147" y="391"/>
+                  </a:lnTo>
+                  <a:lnTo>
+                    <a:pt x="269" y="269"/>
+                  </a:lnTo>
+                  <a:lnTo>
+                    <a:pt x="390" y="147"/>
+                  </a:lnTo>
+                  <a:lnTo>
+                    <a:pt x="561" y="74"/>
+                  </a:lnTo>
+                  <a:lnTo>
+                    <a:pt x="731" y="25"/>
+                  </a:lnTo>
+                  <a:lnTo>
+                    <a:pt x="902" y="1"/>
+                  </a:lnTo>
+                  <a:lnTo>
+                    <a:pt x="902" y="1"/>
+                  </a:lnTo>
+                </a:path>
+              </a:pathLst>
+            </a:custGeom>
+            <a:noFill/>
+            <a:ln w="12175" cap="rnd" cmpd="sng">
+              <a:solidFill>
+                <a:srgbClr val="FF9800"/>
+              </a:solidFill>
+              <a:prstDash val="solid"/>
+              <a:round/>
+              <a:headEnd type="none" w="med" len="med"/>
+              <a:tailEnd type="none" w="med" len="med"/>
+            </a:ln>
+          </p:spPr>
+          <p:txBody>
+            <a:bodyPr wrap="square" lIns="91425" tIns="91425" rIns="91425" bIns="91425" anchor="ctr" anchorCtr="0">
+              <a:noAutofit/>
+            </a:bodyPr>
+            <a:lstStyle/>
+            <a:p>
+              <a:pPr lvl="0">
+                <a:spcBef>
+                  <a:spcPts val="0"/>
+                </a:spcBef>
+                <a:buNone/>
+              </a:pPr>
+              <a:endParaRPr/>
+            </a:p>
+          </p:txBody>
+        </p:sp>
+        <p:sp>
+          <p:nvSpPr>
+            <p:cNvPr id="199" name="Shape 199"/>
+            <p:cNvSpPr/>
+            <p:nvPr/>
+          </p:nvSpPr>
+          <p:spPr>
+            <a:xfrm>
+              <a:off x="631050" y="274025"/>
+              <a:ext cx="45075" cy="45100"/>
+            </a:xfrm>
+            <a:custGeom>
+              <a:avLst/>
+              <a:gdLst/>
+              <a:ahLst/>
+              <a:cxnLst/>
+              <a:rect l="0" t="0" r="0" b="0"/>
+              <a:pathLst>
+                <a:path w="1803" h="1804" fill="none" extrusionOk="0">
+                  <a:moveTo>
+                    <a:pt x="0" y="902"/>
+                  </a:moveTo>
+                  <a:lnTo>
+                    <a:pt x="0" y="902"/>
+                  </a:lnTo>
+                  <a:lnTo>
+                    <a:pt x="25" y="732"/>
+                  </a:lnTo>
+                  <a:lnTo>
+                    <a:pt x="73" y="561"/>
+                  </a:lnTo>
+                  <a:lnTo>
+                    <a:pt x="147" y="391"/>
+                  </a:lnTo>
+                  <a:lnTo>
+                    <a:pt x="268" y="269"/>
+                  </a:lnTo>
+                  <a:lnTo>
+                    <a:pt x="390" y="147"/>
+                  </a:lnTo>
+                  <a:lnTo>
+                    <a:pt x="561" y="74"/>
+                  </a:lnTo>
+                  <a:lnTo>
+                    <a:pt x="731" y="25"/>
+                  </a:lnTo>
+                  <a:lnTo>
+                    <a:pt x="902" y="1"/>
+                  </a:lnTo>
+                  <a:lnTo>
+                    <a:pt x="902" y="1"/>
+                  </a:lnTo>
+                  <a:lnTo>
+                    <a:pt x="1072" y="25"/>
+                  </a:lnTo>
+                  <a:lnTo>
+                    <a:pt x="1243" y="74"/>
+                  </a:lnTo>
+                  <a:lnTo>
+                    <a:pt x="1413" y="147"/>
+                  </a:lnTo>
+                  <a:lnTo>
+                    <a:pt x="1535" y="269"/>
+                  </a:lnTo>
+                  <a:lnTo>
+                    <a:pt x="1657" y="391"/>
+                  </a:lnTo>
+                  <a:lnTo>
+                    <a:pt x="1730" y="561"/>
+                  </a:lnTo>
+                  <a:lnTo>
+                    <a:pt x="1778" y="732"/>
+                  </a:lnTo>
+                  <a:lnTo>
+                    <a:pt x="1803" y="902"/>
+                  </a:lnTo>
+                  <a:lnTo>
+                    <a:pt x="1803" y="902"/>
+                  </a:lnTo>
+                  <a:lnTo>
+                    <a:pt x="1778" y="1073"/>
+                  </a:lnTo>
+                  <a:lnTo>
+                    <a:pt x="1730" y="1243"/>
+                  </a:lnTo>
+                  <a:lnTo>
+                    <a:pt x="1657" y="1414"/>
+                  </a:lnTo>
+                  <a:lnTo>
+                    <a:pt x="1535" y="1535"/>
+                  </a:lnTo>
+                  <a:lnTo>
+                    <a:pt x="1413" y="1657"/>
+                  </a:lnTo>
+                  <a:lnTo>
+                    <a:pt x="1243" y="1730"/>
+                  </a:lnTo>
+                  <a:lnTo>
+                    <a:pt x="1072" y="1779"/>
+                  </a:lnTo>
+                  <a:lnTo>
+                    <a:pt x="902" y="1803"/>
+                  </a:lnTo>
+                  <a:lnTo>
+                    <a:pt x="902" y="1803"/>
+                  </a:lnTo>
+                  <a:lnTo>
+                    <a:pt x="731" y="1779"/>
+                  </a:lnTo>
+                  <a:lnTo>
+                    <a:pt x="561" y="1730"/>
+                  </a:lnTo>
+                  <a:lnTo>
+                    <a:pt x="390" y="1657"/>
+                  </a:lnTo>
+                  <a:lnTo>
+                    <a:pt x="268" y="1535"/>
+                  </a:lnTo>
+                  <a:lnTo>
+                    <a:pt x="147" y="1414"/>
+                  </a:lnTo>
+                  <a:lnTo>
+                    <a:pt x="73" y="1243"/>
+                  </a:lnTo>
+                  <a:lnTo>
+                    <a:pt x="25" y="1073"/>
+                  </a:lnTo>
+                  <a:lnTo>
+                    <a:pt x="0" y="902"/>
+                  </a:lnTo>
+                  <a:lnTo>
+                    <a:pt x="0" y="902"/>
+                  </a:lnTo>
+                </a:path>
+              </a:pathLst>
+            </a:custGeom>
+            <a:noFill/>
+            <a:ln w="12175" cap="rnd" cmpd="sng">
+              <a:solidFill>
+                <a:srgbClr val="FF9800"/>
+              </a:solidFill>
+              <a:prstDash val="solid"/>
+              <a:round/>
+              <a:headEnd type="none" w="med" len="med"/>
+              <a:tailEnd type="none" w="med" len="med"/>
+            </a:ln>
+          </p:spPr>
+          <p:txBody>
+            <a:bodyPr wrap="square" lIns="91425" tIns="91425" rIns="91425" bIns="91425" anchor="ctr" anchorCtr="0">
+              <a:noAutofit/>
+            </a:bodyPr>
+            <a:lstStyle/>
+            <a:p>
+              <a:pPr lvl="0">
+                <a:spcBef>
+                  <a:spcPts val="0"/>
+                </a:spcBef>
+                <a:buNone/>
+              </a:pPr>
+              <a:endParaRPr/>
+            </a:p>
+          </p:txBody>
+        </p:sp>
+        <p:sp>
+          <p:nvSpPr>
+            <p:cNvPr id="200" name="Shape 200"/>
+            <p:cNvSpPr/>
+            <p:nvPr/>
+          </p:nvSpPr>
+          <p:spPr>
+            <a:xfrm>
+              <a:off x="649925" y="590050"/>
+              <a:ext cx="133975" cy="25"/>
+            </a:xfrm>
+            <a:custGeom>
+              <a:avLst/>
+              <a:gdLst/>
+              <a:ahLst/>
+              <a:cxnLst/>
+              <a:rect l="0" t="0" r="0" b="0"/>
+              <a:pathLst>
+                <a:path w="5359" h="1" fill="none" extrusionOk="0">
+                  <a:moveTo>
+                    <a:pt x="5358" y="0"/>
+                  </a:moveTo>
+                  <a:lnTo>
+                    <a:pt x="0" y="0"/>
+                  </a:lnTo>
+                </a:path>
+              </a:pathLst>
+            </a:custGeom>
+            <a:noFill/>
+            <a:ln w="12175" cap="rnd" cmpd="sng">
+              <a:solidFill>
+                <a:srgbClr val="FF9800"/>
+              </a:solidFill>
+              <a:prstDash val="solid"/>
+              <a:round/>
+              <a:headEnd type="none" w="med" len="med"/>
+              <a:tailEnd type="none" w="med" len="med"/>
+            </a:ln>
+          </p:spPr>
+          <p:txBody>
+            <a:bodyPr wrap="square" lIns="91425" tIns="91425" rIns="91425" bIns="91425" anchor="ctr" anchorCtr="0">
+              <a:noAutofit/>
+            </a:bodyPr>
+            <a:lstStyle/>
+            <a:p>
+              <a:pPr lvl="0">
+                <a:spcBef>
+                  <a:spcPts val="0"/>
+                </a:spcBef>
+                <a:buNone/>
+              </a:pPr>
+              <a:endParaRPr/>
+            </a:p>
+          </p:txBody>
+        </p:sp>
+        <p:sp>
+          <p:nvSpPr>
+            <p:cNvPr id="201" name="Shape 201"/>
+            <p:cNvSpPr/>
+            <p:nvPr/>
+          </p:nvSpPr>
+          <p:spPr>
+            <a:xfrm>
+              <a:off x="649925" y="534625"/>
+              <a:ext cx="255750" cy="25"/>
+            </a:xfrm>
+            <a:custGeom>
+              <a:avLst/>
+              <a:gdLst/>
+              <a:ahLst/>
+              <a:cxnLst/>
+              <a:rect l="0" t="0" r="0" b="0"/>
+              <a:pathLst>
+                <a:path w="10230" h="1" fill="none" extrusionOk="0">
+                  <a:moveTo>
+                    <a:pt x="10229" y="1"/>
+                  </a:moveTo>
+                  <a:lnTo>
+                    <a:pt x="0" y="1"/>
+                  </a:lnTo>
+                </a:path>
+              </a:pathLst>
+            </a:custGeom>
+            <a:noFill/>
+            <a:ln w="12175" cap="rnd" cmpd="sng">
+              <a:solidFill>
+                <a:srgbClr val="FF9800"/>
+              </a:solidFill>
+              <a:prstDash val="solid"/>
+              <a:round/>
+              <a:headEnd type="none" w="med" len="med"/>
+              <a:tailEnd type="none" w="med" len="med"/>
+            </a:ln>
+          </p:spPr>
+          <p:txBody>
+            <a:bodyPr wrap="square" lIns="91425" tIns="91425" rIns="91425" bIns="91425" anchor="ctr" anchorCtr="0">
+              <a:noAutofit/>
+            </a:bodyPr>
+            <a:lstStyle/>
+            <a:p>
+              <a:pPr lvl="0">
+                <a:spcBef>
+                  <a:spcPts val="0"/>
+                </a:spcBef>
+                <a:buNone/>
+              </a:pPr>
+              <a:endParaRPr/>
+            </a:p>
+          </p:txBody>
+        </p:sp>
+        <p:sp>
+          <p:nvSpPr>
+            <p:cNvPr id="202" name="Shape 202"/>
+            <p:cNvSpPr/>
+            <p:nvPr/>
+          </p:nvSpPr>
+          <p:spPr>
+            <a:xfrm>
+              <a:off x="649925" y="479825"/>
+              <a:ext cx="255750" cy="25"/>
+            </a:xfrm>
+            <a:custGeom>
+              <a:avLst/>
+              <a:gdLst/>
+              <a:ahLst/>
+              <a:cxnLst/>
+              <a:rect l="0" t="0" r="0" b="0"/>
+              <a:pathLst>
+                <a:path w="10230" h="1" fill="none" extrusionOk="0">
+                  <a:moveTo>
+                    <a:pt x="10229" y="1"/>
+                  </a:moveTo>
+                  <a:lnTo>
+                    <a:pt x="0" y="1"/>
+                  </a:lnTo>
+                </a:path>
+              </a:pathLst>
+            </a:custGeom>
+            <a:noFill/>
+            <a:ln w="12175" cap="rnd" cmpd="sng">
+              <a:solidFill>
+                <a:srgbClr val="FF9800"/>
+              </a:solidFill>
+              <a:prstDash val="solid"/>
+              <a:round/>
+              <a:headEnd type="none" w="med" len="med"/>
+              <a:tailEnd type="none" w="med" len="med"/>
+            </a:ln>
+          </p:spPr>
+          <p:txBody>
+            <a:bodyPr wrap="square" lIns="91425" tIns="91425" rIns="91425" bIns="91425" anchor="ctr" anchorCtr="0">
+              <a:noAutofit/>
+            </a:bodyPr>
+            <a:lstStyle/>
+            <a:p>
+              <a:pPr lvl="0">
+                <a:spcBef>
+                  <a:spcPts val="0"/>
+                </a:spcBef>
+                <a:buNone/>
+              </a:pPr>
+              <a:endParaRPr/>
+            </a:p>
+          </p:txBody>
+        </p:sp>
+        <p:sp>
+          <p:nvSpPr>
+            <p:cNvPr id="203" name="Shape 203"/>
+            <p:cNvSpPr/>
+            <p:nvPr/>
+          </p:nvSpPr>
+          <p:spPr>
+            <a:xfrm>
+              <a:off x="649925" y="424425"/>
+              <a:ext cx="255750" cy="25"/>
+            </a:xfrm>
+            <a:custGeom>
+              <a:avLst/>
+              <a:gdLst/>
+              <a:ahLst/>
+              <a:cxnLst/>
+              <a:rect l="0" t="0" r="0" b="0"/>
+              <a:pathLst>
+                <a:path w="10230" h="1" fill="none" extrusionOk="0">
+                  <a:moveTo>
+                    <a:pt x="10229" y="1"/>
+                  </a:moveTo>
+                  <a:lnTo>
+                    <a:pt x="0" y="1"/>
+                  </a:lnTo>
+                </a:path>
+              </a:pathLst>
+            </a:custGeom>
+            <a:noFill/>
+            <a:ln w="12175" cap="rnd" cmpd="sng">
+              <a:solidFill>
+                <a:srgbClr val="FF9800"/>
+              </a:solidFill>
+              <a:prstDash val="solid"/>
+              <a:round/>
+              <a:headEnd type="none" w="med" len="med"/>
+              <a:tailEnd type="none" w="med" len="med"/>
+            </a:ln>
+          </p:spPr>
+          <p:txBody>
+            <a:bodyPr wrap="square" lIns="91425" tIns="91425" rIns="91425" bIns="91425" anchor="ctr" anchorCtr="0">
+              <a:noAutofit/>
+            </a:bodyPr>
+            <a:lstStyle/>
+            <a:p>
+              <a:pPr lvl="0">
+                <a:spcBef>
+                  <a:spcPts val="0"/>
+                </a:spcBef>
+                <a:buNone/>
+              </a:pPr>
+              <a:endParaRPr/>
+            </a:p>
+          </p:txBody>
+        </p:sp>
+        <p:sp>
+          <p:nvSpPr>
+            <p:cNvPr id="204" name="Shape 204"/>
+            <p:cNvSpPr/>
+            <p:nvPr/>
+          </p:nvSpPr>
+          <p:spPr>
+            <a:xfrm>
+              <a:off x="879475" y="274025"/>
+              <a:ext cx="45075" cy="45100"/>
+            </a:xfrm>
+            <a:custGeom>
+              <a:avLst/>
+              <a:gdLst/>
+              <a:ahLst/>
+              <a:cxnLst/>
+              <a:rect l="0" t="0" r="0" b="0"/>
+              <a:pathLst>
+                <a:path w="1803" h="1804" fill="none" extrusionOk="0">
+                  <a:moveTo>
+                    <a:pt x="901" y="1803"/>
+                  </a:moveTo>
+                  <a:lnTo>
+                    <a:pt x="901" y="1803"/>
+                  </a:lnTo>
+                  <a:lnTo>
+                    <a:pt x="731" y="1779"/>
+                  </a:lnTo>
+                  <a:lnTo>
+                    <a:pt x="560" y="1730"/>
+                  </a:lnTo>
+                  <a:lnTo>
+                    <a:pt x="390" y="1657"/>
+                  </a:lnTo>
+                  <a:lnTo>
+                    <a:pt x="268" y="1535"/>
+                  </a:lnTo>
+                  <a:lnTo>
+                    <a:pt x="146" y="1414"/>
+                  </a:lnTo>
+                  <a:lnTo>
+                    <a:pt x="73" y="1243"/>
+                  </a:lnTo>
+                  <a:lnTo>
+                    <a:pt x="25" y="1073"/>
+                  </a:lnTo>
+                  <a:lnTo>
+                    <a:pt x="0" y="902"/>
+                  </a:lnTo>
+                  <a:lnTo>
+                    <a:pt x="0" y="902"/>
+                  </a:lnTo>
+                  <a:lnTo>
+                    <a:pt x="25" y="732"/>
+                  </a:lnTo>
+                  <a:lnTo>
+                    <a:pt x="73" y="561"/>
+                  </a:lnTo>
+                  <a:lnTo>
+                    <a:pt x="146" y="391"/>
+                  </a:lnTo>
+                  <a:lnTo>
+                    <a:pt x="268" y="269"/>
+                  </a:lnTo>
+                  <a:lnTo>
+                    <a:pt x="390" y="147"/>
+                  </a:lnTo>
+                  <a:lnTo>
+                    <a:pt x="560" y="74"/>
+                  </a:lnTo>
+                  <a:lnTo>
+                    <a:pt x="731" y="25"/>
+                  </a:lnTo>
+                  <a:lnTo>
+                    <a:pt x="901" y="1"/>
+                  </a:lnTo>
+                  <a:lnTo>
+                    <a:pt x="901" y="1"/>
+                  </a:lnTo>
+                  <a:lnTo>
+                    <a:pt x="1072" y="25"/>
+                  </a:lnTo>
+                  <a:lnTo>
+                    <a:pt x="1242" y="74"/>
+                  </a:lnTo>
+                  <a:lnTo>
+                    <a:pt x="1413" y="147"/>
+                  </a:lnTo>
+                  <a:lnTo>
+                    <a:pt x="1535" y="269"/>
+                  </a:lnTo>
+                  <a:lnTo>
+                    <a:pt x="1656" y="391"/>
+                  </a:lnTo>
+                  <a:lnTo>
+                    <a:pt x="1729" y="561"/>
+                  </a:lnTo>
+                  <a:lnTo>
+                    <a:pt x="1778" y="732"/>
+                  </a:lnTo>
+                  <a:lnTo>
+                    <a:pt x="1802" y="902"/>
+                  </a:lnTo>
+                  <a:lnTo>
+                    <a:pt x="1802" y="902"/>
+                  </a:lnTo>
+                  <a:lnTo>
+                    <a:pt x="1778" y="1073"/>
+                  </a:lnTo>
+                  <a:lnTo>
+                    <a:pt x="1729" y="1243"/>
+                  </a:lnTo>
+                  <a:lnTo>
+                    <a:pt x="1656" y="1414"/>
+                  </a:lnTo>
+                  <a:lnTo>
+                    <a:pt x="1535" y="1535"/>
+                  </a:lnTo>
+                  <a:lnTo>
+                    <a:pt x="1413" y="1657"/>
+                  </a:lnTo>
+                  <a:lnTo>
+                    <a:pt x="1242" y="1730"/>
+                  </a:lnTo>
+                  <a:lnTo>
+                    <a:pt x="1072" y="1779"/>
+                  </a:lnTo>
+                  <a:lnTo>
+                    <a:pt x="901" y="1803"/>
+                  </a:lnTo>
+                  <a:lnTo>
+                    <a:pt x="901" y="1803"/>
+                  </a:lnTo>
+                </a:path>
+              </a:pathLst>
+            </a:custGeom>
+            <a:noFill/>
+            <a:ln w="12175" cap="rnd" cmpd="sng">
+              <a:solidFill>
+                <a:srgbClr val="FF9800"/>
+              </a:solidFill>
+              <a:prstDash val="solid"/>
+              <a:round/>
+              <a:headEnd type="none" w="med" len="med"/>
+              <a:tailEnd type="none" w="med" len="med"/>
+            </a:ln>
+          </p:spPr>
+          <p:txBody>
+            <a:bodyPr wrap="square" lIns="91425" tIns="91425" rIns="91425" bIns="91425" anchor="ctr" anchorCtr="0">
+              <a:noAutofit/>
+            </a:bodyPr>
+            <a:lstStyle/>
+            <a:p>
+              <a:pPr lvl="0">
+                <a:spcBef>
+                  <a:spcPts val="0"/>
+                </a:spcBef>
+                <a:buNone/>
+              </a:pPr>
+              <a:endParaRPr/>
+            </a:p>
+          </p:txBody>
+        </p:sp>
+        <p:sp>
+          <p:nvSpPr>
+            <p:cNvPr id="205" name="Shape 205"/>
+            <p:cNvSpPr/>
+            <p:nvPr/>
+          </p:nvSpPr>
+          <p:spPr>
+            <a:xfrm>
+              <a:off x="654800" y="244200"/>
+              <a:ext cx="25" cy="51175"/>
+            </a:xfrm>
+            <a:custGeom>
+              <a:avLst/>
+              <a:gdLst/>
+              <a:ahLst/>
+              <a:cxnLst/>
+              <a:rect l="0" t="0" r="0" b="0"/>
+              <a:pathLst>
+                <a:path w="1" h="2047" fill="none" extrusionOk="0">
+                  <a:moveTo>
+                    <a:pt x="0" y="1"/>
+                  </a:moveTo>
+                  <a:lnTo>
+                    <a:pt x="0" y="2046"/>
+                  </a:lnTo>
+                </a:path>
+              </a:pathLst>
+            </a:custGeom>
+            <a:noFill/>
+            <a:ln w="12175" cap="rnd" cmpd="sng">
+              <a:solidFill>
+                <a:srgbClr val="FF9800"/>
+              </a:solidFill>
+              <a:prstDash val="solid"/>
+              <a:round/>
+              <a:headEnd type="none" w="med" len="med"/>
+              <a:tailEnd type="none" w="med" len="med"/>
+            </a:ln>
+          </p:spPr>
+          <p:txBody>
+            <a:bodyPr wrap="square" lIns="91425" tIns="91425" rIns="91425" bIns="91425" anchor="ctr" anchorCtr="0">
+              <a:noAutofit/>
+            </a:bodyPr>
+            <a:lstStyle/>
+            <a:p>
+              <a:pPr lvl="0">
+                <a:spcBef>
+                  <a:spcPts val="0"/>
+                </a:spcBef>
+                <a:buNone/>
+              </a:pPr>
+              <a:endParaRPr/>
+            </a:p>
+          </p:txBody>
+        </p:sp>
+        <p:sp>
+          <p:nvSpPr>
+            <p:cNvPr id="206" name="Shape 206"/>
+            <p:cNvSpPr/>
+            <p:nvPr/>
+          </p:nvSpPr>
+          <p:spPr>
+            <a:xfrm>
+              <a:off x="737600" y="244200"/>
+              <a:ext cx="25" cy="51175"/>
+            </a:xfrm>
+            <a:custGeom>
+              <a:avLst/>
+              <a:gdLst/>
+              <a:ahLst/>
+              <a:cxnLst/>
+              <a:rect l="0" t="0" r="0" b="0"/>
+              <a:pathLst>
+                <a:path w="1" h="2047" fill="none" extrusionOk="0">
+                  <a:moveTo>
+                    <a:pt x="1" y="1"/>
+                  </a:moveTo>
+                  <a:lnTo>
+                    <a:pt x="1" y="2046"/>
+                  </a:lnTo>
+                </a:path>
+              </a:pathLst>
+            </a:custGeom>
+            <a:noFill/>
+            <a:ln w="12175" cap="rnd" cmpd="sng">
+              <a:solidFill>
+                <a:srgbClr val="FF9800"/>
+              </a:solidFill>
+              <a:prstDash val="solid"/>
+              <a:round/>
+              <a:headEnd type="none" w="med" len="med"/>
+              <a:tailEnd type="none" w="med" len="med"/>
+            </a:ln>
+          </p:spPr>
+          <p:txBody>
+            <a:bodyPr wrap="square" lIns="91425" tIns="91425" rIns="91425" bIns="91425" anchor="ctr" anchorCtr="0">
+              <a:noAutofit/>
+            </a:bodyPr>
+            <a:lstStyle/>
+            <a:p>
+              <a:pPr lvl="0">
+                <a:spcBef>
+                  <a:spcPts val="0"/>
+                </a:spcBef>
+                <a:buNone/>
+              </a:pPr>
+              <a:endParaRPr/>
+            </a:p>
+          </p:txBody>
+        </p:sp>
+        <p:sp>
+          <p:nvSpPr>
+            <p:cNvPr id="207" name="Shape 207"/>
+            <p:cNvSpPr/>
+            <p:nvPr/>
+          </p:nvSpPr>
+          <p:spPr>
+            <a:xfrm>
+              <a:off x="820400" y="244200"/>
+              <a:ext cx="25" cy="51175"/>
+            </a:xfrm>
+            <a:custGeom>
+              <a:avLst/>
+              <a:gdLst/>
+              <a:ahLst/>
+              <a:cxnLst/>
+              <a:rect l="0" t="0" r="0" b="0"/>
+              <a:pathLst>
+                <a:path w="1" h="2047" fill="none" extrusionOk="0">
+                  <a:moveTo>
+                    <a:pt x="1" y="1"/>
+                  </a:moveTo>
+                  <a:lnTo>
+                    <a:pt x="1" y="2046"/>
+                  </a:lnTo>
+                </a:path>
+              </a:pathLst>
+            </a:custGeom>
+            <a:noFill/>
+            <a:ln w="12175" cap="rnd" cmpd="sng">
+              <a:solidFill>
+                <a:srgbClr val="FF9800"/>
+              </a:solidFill>
+              <a:prstDash val="solid"/>
+              <a:round/>
+              <a:headEnd type="none" w="med" len="med"/>
+              <a:tailEnd type="none" w="med" len="med"/>
+            </a:ln>
+          </p:spPr>
+          <p:txBody>
+            <a:bodyPr wrap="square" lIns="91425" tIns="91425" rIns="91425" bIns="91425" anchor="ctr" anchorCtr="0">
+              <a:noAutofit/>
+            </a:bodyPr>
+            <a:lstStyle/>
+            <a:p>
+              <a:pPr lvl="0">
+                <a:spcBef>
+                  <a:spcPts val="0"/>
+                </a:spcBef>
+                <a:buNone/>
+              </a:pPr>
+              <a:endParaRPr/>
+            </a:p>
+          </p:txBody>
+        </p:sp>
+        <p:sp>
+          <p:nvSpPr>
+            <p:cNvPr id="208" name="Shape 208"/>
+            <p:cNvSpPr/>
+            <p:nvPr/>
+          </p:nvSpPr>
+          <p:spPr>
+            <a:xfrm>
+              <a:off x="903225" y="244200"/>
+              <a:ext cx="25" cy="51175"/>
+            </a:xfrm>
+            <a:custGeom>
+              <a:avLst/>
+              <a:gdLst/>
+              <a:ahLst/>
+              <a:cxnLst/>
+              <a:rect l="0" t="0" r="0" b="0"/>
+              <a:pathLst>
+                <a:path w="1" h="2047" fill="none" extrusionOk="0">
+                  <a:moveTo>
+                    <a:pt x="0" y="1"/>
+                  </a:moveTo>
+                  <a:lnTo>
+                    <a:pt x="0" y="2046"/>
+                  </a:lnTo>
+                </a:path>
+              </a:pathLst>
+            </a:custGeom>
+            <a:noFill/>
+            <a:ln w="12175" cap="rnd" cmpd="sng">
+              <a:solidFill>
+                <a:srgbClr val="FF9800"/>
+              </a:solidFill>
+              <a:prstDash val="solid"/>
+              <a:round/>
+              <a:headEnd type="none" w="med" len="med"/>
+              <a:tailEnd type="none" w="med" len="med"/>
+            </a:ln>
+          </p:spPr>
+          <p:txBody>
+            <a:bodyPr wrap="square" lIns="91425" tIns="91425" rIns="91425" bIns="91425" anchor="ctr" anchorCtr="0">
+              <a:noAutofit/>
+            </a:bodyPr>
+            <a:lstStyle/>
+            <a:p>
+              <a:pPr lvl="0">
+                <a:spcBef>
+                  <a:spcPts val="0"/>
+                </a:spcBef>
+                <a:buNone/>
+              </a:pPr>
+              <a:endParaRPr/>
+            </a:p>
+          </p:txBody>
+        </p:sp>
+      </p:grpSp>
+      <p:pic>
+        <p:nvPicPr>
           <p:cNvPr id="4" name="Picture 3" descr="Screen Shot 2017-12-03 at 12.51.59 AM.png"/>
           <p:cNvPicPr>
             <a:picLocks noChangeAspect="1"/>
@@ -8159,7 +8797,7 @@
 </p:sld>
 </file>
 
-<file path=ppt/slides/slide8.xml><?xml version="1.0" encoding="utf-8"?>
+<file path=ppt/slides/slide9.xml><?xml version="1.0" encoding="utf-8"?>
 <p:sld xmlns:a="http://schemas.openxmlformats.org/drawingml/2006/main" xmlns:r="http://schemas.openxmlformats.org/officeDocument/2006/relationships" xmlns:p="http://schemas.openxmlformats.org/presentationml/2006/main">
   <p:cSld>
     <p:spTree>
@@ -8248,7 +8886,7 @@
             </a:pPr>
             <a:fld id="{00000000-1234-1234-1234-123412341234}" type="slidenum">
               <a:rPr lang="en"/>
-              <a:t>8</a:t>
+              <a:t>9</a:t>
             </a:fld>
             <a:endParaRPr lang="en"/>
           </a:p>
@@ -9715,192 +10353,6 @@
     <p:extLst>
       <p:ext uri="{BB962C8B-B14F-4D97-AF65-F5344CB8AC3E}">
         <p14:creationId xmlns:p14="http://schemas.microsoft.com/office/powerpoint/2010/main" val="1302504900"/>
-      </p:ext>
-    </p:extLst>
-  </p:cSld>
-  <p:clrMapOvr>
-    <a:masterClrMapping/>
-  </p:clrMapOvr>
-  <p:timing>
-    <p:tnLst>
-      <p:par>
-        <p:cTn xmlns:p14="http://schemas.microsoft.com/office/powerpoint/2010/main" id="1" dur="indefinite" restart="never" nodeType="tmRoot"/>
-      </p:par>
-    </p:tnLst>
-  </p:timing>
-</p:sld>
-</file>
-
-<file path=ppt/slides/slide9.xml><?xml version="1.0" encoding="utf-8"?>
-<p:sld xmlns:a="http://schemas.openxmlformats.org/drawingml/2006/main" xmlns:r="http://schemas.openxmlformats.org/officeDocument/2006/relationships" xmlns:p="http://schemas.openxmlformats.org/presentationml/2006/main">
-  <p:cSld>
-    <p:spTree>
-      <p:nvGrpSpPr>
-        <p:cNvPr id="1" name="Shape 188"/>
-        <p:cNvGrpSpPr/>
-        <p:nvPr/>
-      </p:nvGrpSpPr>
-      <p:grpSpPr>
-        <a:xfrm>
-          <a:off x="0" y="0"/>
-          <a:ext cx="0" cy="0"/>
-          <a:chOff x="0" y="0"/>
-          <a:chExt cx="0" cy="0"/>
-        </a:xfrm>
-      </p:grpSpPr>
-      <p:sp>
-        <p:nvSpPr>
-          <p:cNvPr id="189" name="Shape 189"/>
-          <p:cNvSpPr txBox="1">
-            <a:spLocks noGrp="1"/>
-          </p:cNvSpPr>
-          <p:nvPr>
-            <p:ph type="title"/>
-          </p:nvPr>
-        </p:nvSpPr>
-        <p:spPr>
-          <a:xfrm>
-            <a:off x="814275" y="463877"/>
-            <a:ext cx="6009403" cy="520452"/>
-          </a:xfrm>
-          <a:prstGeom prst="rect">
-            <a:avLst/>
-          </a:prstGeom>
-        </p:spPr>
-        <p:txBody>
-          <a:bodyPr wrap="square" lIns="91425" tIns="91425" rIns="91425" bIns="91425" anchor="ctr" anchorCtr="0">
-            <a:noAutofit/>
-          </a:bodyPr>
-          <a:lstStyle/>
-          <a:p>
-            <a:r>
-              <a:rPr lang="en-US" dirty="0" smtClean="0"/>
-              <a:t>Lab</a:t>
-            </a:r>
-            <a:endParaRPr lang="en-US" dirty="0"/>
-          </a:p>
-        </p:txBody>
-      </p:sp>
-      <p:sp>
-        <p:nvSpPr>
-          <p:cNvPr id="192" name="Shape 192"/>
-          <p:cNvSpPr txBox="1">
-            <a:spLocks noGrp="1"/>
-          </p:cNvSpPr>
-          <p:nvPr>
-            <p:ph type="sldNum" idx="12"/>
-          </p:nvPr>
-        </p:nvSpPr>
-        <p:spPr>
-          <a:xfrm>
-            <a:off x="7618000" y="4636500"/>
-            <a:ext cx="1487400" cy="315600"/>
-          </a:xfrm>
-          <a:prstGeom prst="rect">
-            <a:avLst/>
-          </a:prstGeom>
-        </p:spPr>
-        <p:txBody>
-          <a:bodyPr wrap="square" lIns="91425" tIns="91425" rIns="91425" bIns="91425" anchor="ctr" anchorCtr="0">
-            <a:noAutofit/>
-          </a:bodyPr>
-          <a:lstStyle/>
-          <a:p>
-            <a:pPr lvl="0">
-              <a:spcBef>
-                <a:spcPts val="0"/>
-              </a:spcBef>
-              <a:buNone/>
-            </a:pPr>
-            <a:fld id="{00000000-1234-1234-1234-123412341234}" type="slidenum">
-              <a:rPr lang="en"/>
-              <a:t>9</a:t>
-            </a:fld>
-            <a:endParaRPr lang="en"/>
-          </a:p>
-        </p:txBody>
-      </p:sp>
-      <p:pic>
-        <p:nvPicPr>
-          <p:cNvPr id="2" name="Picture 1" descr="Rx_Logo_M.png"/>
-          <p:cNvPicPr>
-            <a:picLocks noChangeAspect="1"/>
-          </p:cNvPicPr>
-          <p:nvPr/>
-        </p:nvPicPr>
-        <p:blipFill>
-          <a:blip r:embed="rId3">
-            <a:extLst>
-              <a:ext uri="{28A0092B-C50C-407E-A947-70E740481C1C}">
-                <a14:useLocalDpi xmlns:a14="http://schemas.microsoft.com/office/drawing/2010/main" val="0"/>
-              </a:ext>
-            </a:extLst>
-          </a:blip>
-          <a:stretch>
-            <a:fillRect/>
-          </a:stretch>
-        </p:blipFill>
-        <p:spPr>
-          <a:xfrm>
-            <a:off x="151129" y="442005"/>
-            <a:ext cx="663146" cy="663146"/>
-          </a:xfrm>
-          <a:prstGeom prst="rect">
-            <a:avLst/>
-          </a:prstGeom>
-        </p:spPr>
-      </p:pic>
-      <p:sp>
-        <p:nvSpPr>
-          <p:cNvPr id="4" name="TextBox 3"/>
-          <p:cNvSpPr txBox="1"/>
-          <p:nvPr/>
-        </p:nvSpPr>
-        <p:spPr>
-          <a:xfrm>
-            <a:off x="929409" y="1766454"/>
-            <a:ext cx="2557110" cy="738664"/>
-          </a:xfrm>
-          <a:prstGeom prst="rect">
-            <a:avLst/>
-          </a:prstGeom>
-          <a:noFill/>
-        </p:spPr>
-        <p:txBody>
-          <a:bodyPr wrap="none" rtlCol="0">
-            <a:spAutoFit/>
-          </a:bodyPr>
-          <a:lstStyle/>
-          <a:p>
-            <a:pPr marL="285750" indent="-285750">
-              <a:buFontTx/>
-              <a:buChar char="-"/>
-            </a:pPr>
-            <a:r>
-              <a:rPr lang="en-US" dirty="0" smtClean="0"/>
-              <a:t>Serial, Multi Calls</a:t>
-            </a:r>
-          </a:p>
-          <a:p>
-            <a:endParaRPr lang="en-US" dirty="0" smtClean="0"/>
-          </a:p>
-          <a:p>
-            <a:pPr marL="285750" indent="-285750">
-              <a:buFontTx/>
-              <a:buChar char="-"/>
-            </a:pPr>
-            <a:r>
-              <a:rPr lang="en-US" dirty="0" smtClean="0"/>
-              <a:t>Different Type Observable</a:t>
-            </a:r>
-            <a:endParaRPr lang="en-US" dirty="0"/>
-          </a:p>
-        </p:txBody>
-      </p:sp>
-    </p:spTree>
-    <p:extLst>
-      <p:ext uri="{BB962C8B-B14F-4D97-AF65-F5344CB8AC3E}">
-        <p14:creationId xmlns:p14="http://schemas.microsoft.com/office/powerpoint/2010/main" val="2474424928"/>
       </p:ext>
     </p:extLst>
   </p:cSld>

--- a/RxSwiftBasics/day4/RxSwiftBasics4.pptx
+++ b/RxSwiftBasics/day4/RxSwiftBasics4.pptx
@@ -4870,11 +4870,7 @@
           <a:p>
             <a:r>
               <a:rPr lang="en-US" dirty="0" smtClean="0"/>
-              <a:t>Day </a:t>
-            </a:r>
-            <a:r>
-              <a:rPr lang="en-US" dirty="0" smtClean="0"/>
-              <a:t>1 </a:t>
+              <a:t>Day 1 </a:t>
             </a:r>
             <a:r>
               <a:rPr lang="mr-IN" dirty="0" smtClean="0"/>
@@ -4958,30 +4954,40 @@
               <a:t> </a:t>
             </a:r>
             <a:r>
-              <a:rPr lang="en-US" dirty="0" smtClean="0"/>
-              <a:t>Advanced </a:t>
+              <a:rPr lang="en-US" dirty="0"/>
+              <a:t>Adding a Reactive Extension to Custom UI Element, </a:t>
             </a:r>
-            <a:r>
-              <a:rPr lang="en-US" dirty="0" err="1" smtClean="0"/>
-              <a:t>Tab</a:t>
-            </a:r>
-            <a:r>
-              <a:rPr lang="en-US" dirty="0" err="1" smtClean="0"/>
-              <a:t>leView</a:t>
-            </a:r>
-            <a:r>
-              <a:rPr lang="en-US" dirty="0" smtClean="0"/>
-              <a:t> - </a:t>
-            </a:r>
-            <a:r>
-              <a:rPr lang="en-US" dirty="0" err="1" smtClean="0"/>
-              <a:t>RxDataSources</a:t>
-            </a:r>
-            <a:endParaRPr lang="en-US" dirty="0"/>
           </a:p>
           <a:p>
             <a:r>
               <a:rPr lang="en-US" dirty="0"/>
+              <a:t>              2 Way Binding, Advanced </a:t>
+            </a:r>
+            <a:r>
+              <a:rPr lang="en-US" dirty="0" err="1"/>
+              <a:t>TableView</a:t>
+            </a:r>
+            <a:r>
+              <a:rPr lang="en-US" dirty="0"/>
+              <a:t> </a:t>
+            </a:r>
+            <a:r>
+              <a:rPr lang="mr-IN" dirty="0"/>
+              <a:t>–</a:t>
+            </a:r>
+            <a:r>
+              <a:rPr lang="en-US" dirty="0"/>
+              <a:t> </a:t>
+            </a:r>
+            <a:r>
+              <a:rPr lang="en-US" dirty="0" err="1"/>
+              <a:t>RxDataSources</a:t>
+            </a:r>
+            <a:endParaRPr lang="en-US"/>
+          </a:p>
+          <a:p>
+            <a:r>
+              <a:rPr lang="en-US" smtClean="0"/>
               <a:t>Day </a:t>
             </a:r>
             <a:r>
@@ -4998,11 +5004,7 @@
             </a:r>
             <a:r>
               <a:rPr lang="en-US" dirty="0" smtClean="0"/>
-              <a:t>Schedu</a:t>
-            </a:r>
-            <a:r>
-              <a:rPr lang="en-US" dirty="0" smtClean="0"/>
-              <a:t>lers (</a:t>
+              <a:t>Schedulers (</a:t>
             </a:r>
             <a:r>
               <a:rPr lang="en-US" dirty="0" err="1" smtClean="0"/>

--- a/RxSwiftBasics/day4/RxSwiftBasics4.pptx
+++ b/RxSwiftBasics/day4/RxSwiftBasics4.pptx
@@ -4932,7 +4932,15 @@
             </a:r>
             <a:r>
               <a:rPr lang="en-US" dirty="0" smtClean="0"/>
-              <a:t>Binding Track Activity (show / hide ‘Loading’ )</a:t>
+              <a:t>Binding Track Activity (show / hide ‘Loading</a:t>
+            </a:r>
+            <a:r>
+              <a:rPr lang="en-US" smtClean="0"/>
+              <a:t>’ </a:t>
+            </a:r>
+            <a:r>
+              <a:rPr lang="en-US"/>
+              <a:t>), Scan Operator</a:t>
             </a:r>
             <a:endParaRPr lang="en-US" dirty="0"/>
           </a:p>
@@ -4951,11 +4959,7 @@
             </a:r>
             <a:r>
               <a:rPr lang="en-US" dirty="0"/>
-              <a:t> </a:t>
-            </a:r>
-            <a:r>
-              <a:rPr lang="en-US" dirty="0"/>
-              <a:t>Adding a Reactive Extension to Custom UI Element, </a:t>
+              <a:t> Adding a Reactive Extension to Custom UI Element, </a:t>
             </a:r>
           </a:p>
           <a:p>
@@ -4983,16 +4987,12 @@
               <a:rPr lang="en-US" dirty="0" err="1"/>
               <a:t>RxDataSources</a:t>
             </a:r>
-            <a:endParaRPr lang="en-US"/>
+            <a:endParaRPr lang="en-US" dirty="0"/>
           </a:p>
           <a:p>
             <a:r>
-              <a:rPr lang="en-US" smtClean="0"/>
-              <a:t>Day </a:t>
-            </a:r>
-            <a:r>
               <a:rPr lang="en-US" dirty="0" smtClean="0"/>
-              <a:t>5 </a:t>
+              <a:t>Day 5 </a:t>
             </a:r>
             <a:r>
               <a:rPr lang="mr-IN" dirty="0"/>
